--- a/2013/slides/I.pptx
+++ b/2013/slides/I.pptx
@@ -5,11 +5,16 @@
     <p:sldMasterId id="2147483648" r:id="rId1"/>
   </p:sldMasterIdLst>
   <p:sldIdLst>
-    <p:sldId id="256" r:id="rId2"/>
-    <p:sldId id="257" r:id="rId3"/>
-    <p:sldId id="262" r:id="rId4"/>
-    <p:sldId id="260" r:id="rId5"/>
-    <p:sldId id="261" r:id="rId6"/>
+    <p:sldId id="263" r:id="rId2"/>
+    <p:sldId id="264" r:id="rId3"/>
+    <p:sldId id="265" r:id="rId4"/>
+    <p:sldId id="257" r:id="rId5"/>
+    <p:sldId id="266" r:id="rId6"/>
+    <p:sldId id="262" r:id="rId7"/>
+    <p:sldId id="260" r:id="rId8"/>
+    <p:sldId id="268" r:id="rId9"/>
+    <p:sldId id="269" r:id="rId10"/>
+    <p:sldId id="261" r:id="rId11"/>
   </p:sldIdLst>
   <p:sldSz cx="9144000" cy="6858000" type="screen4x3"/>
   <p:notesSz cx="6858000" cy="9144000"/>
@@ -292,7 +297,7 @@
           <a:p>
             <a:fld id="{AC4B45C2-0BA5-4BB8-9919-15C86ABBFF50}" type="datetimeFigureOut">
               <a:rPr kumimoji="1" lang="ja-JP" altLang="en-US" smtClean="0"/>
-              <a:t>2014/3/2</a:t>
+              <a:t>2014/3/6</a:t>
             </a:fld>
             <a:endParaRPr kumimoji="1" lang="ja-JP" altLang="en-US"/>
           </a:p>
@@ -494,7 +499,7 @@
           <a:p>
             <a:fld id="{AC4B45C2-0BA5-4BB8-9919-15C86ABBFF50}" type="datetimeFigureOut">
               <a:rPr kumimoji="1" lang="ja-JP" altLang="en-US" smtClean="0"/>
-              <a:t>2014/3/2</a:t>
+              <a:t>2014/3/6</a:t>
             </a:fld>
             <a:endParaRPr kumimoji="1" lang="ja-JP" altLang="en-US"/>
           </a:p>
@@ -706,7 +711,7 @@
           <a:p>
             <a:fld id="{AC4B45C2-0BA5-4BB8-9919-15C86ABBFF50}" type="datetimeFigureOut">
               <a:rPr kumimoji="1" lang="ja-JP" altLang="en-US" smtClean="0"/>
-              <a:t>2014/3/2</a:t>
+              <a:t>2014/3/6</a:t>
             </a:fld>
             <a:endParaRPr kumimoji="1" lang="ja-JP" altLang="en-US"/>
           </a:p>
@@ -908,7 +913,7 @@
           <a:p>
             <a:fld id="{AC4B45C2-0BA5-4BB8-9919-15C86ABBFF50}" type="datetimeFigureOut">
               <a:rPr kumimoji="1" lang="ja-JP" altLang="en-US" smtClean="0"/>
-              <a:t>2014/3/2</a:t>
+              <a:t>2014/3/6</a:t>
             </a:fld>
             <a:endParaRPr kumimoji="1" lang="ja-JP" altLang="en-US"/>
           </a:p>
@@ -1154,7 +1159,7 @@
           <a:p>
             <a:fld id="{AC4B45C2-0BA5-4BB8-9919-15C86ABBFF50}" type="datetimeFigureOut">
               <a:rPr kumimoji="1" lang="ja-JP" altLang="en-US" smtClean="0"/>
-              <a:t>2014/3/2</a:t>
+              <a:t>2014/3/6</a:t>
             </a:fld>
             <a:endParaRPr kumimoji="1" lang="ja-JP" altLang="en-US"/>
           </a:p>
@@ -1506,7 +1511,7 @@
           <a:p>
             <a:fld id="{AC4B45C2-0BA5-4BB8-9919-15C86ABBFF50}" type="datetimeFigureOut">
               <a:rPr kumimoji="1" lang="ja-JP" altLang="en-US" smtClean="0"/>
-              <a:t>2014/3/2</a:t>
+              <a:t>2014/3/6</a:t>
             </a:fld>
             <a:endParaRPr kumimoji="1" lang="ja-JP" altLang="en-US"/>
           </a:p>
@@ -1992,7 +1997,7 @@
           <a:p>
             <a:fld id="{AC4B45C2-0BA5-4BB8-9919-15C86ABBFF50}" type="datetimeFigureOut">
               <a:rPr kumimoji="1" lang="ja-JP" altLang="en-US" smtClean="0"/>
-              <a:t>2014/3/2</a:t>
+              <a:t>2014/3/6</a:t>
             </a:fld>
             <a:endParaRPr kumimoji="1" lang="ja-JP" altLang="en-US"/>
           </a:p>
@@ -2110,7 +2115,7 @@
           <a:p>
             <a:fld id="{AC4B45C2-0BA5-4BB8-9919-15C86ABBFF50}" type="datetimeFigureOut">
               <a:rPr kumimoji="1" lang="ja-JP" altLang="en-US" smtClean="0"/>
-              <a:t>2014/3/2</a:t>
+              <a:t>2014/3/6</a:t>
             </a:fld>
             <a:endParaRPr kumimoji="1" lang="ja-JP" altLang="en-US"/>
           </a:p>
@@ -2205,7 +2210,7 @@
           <a:p>
             <a:fld id="{AC4B45C2-0BA5-4BB8-9919-15C86ABBFF50}" type="datetimeFigureOut">
               <a:rPr kumimoji="1" lang="ja-JP" altLang="en-US" smtClean="0"/>
-              <a:t>2014/3/2</a:t>
+              <a:t>2014/3/6</a:t>
             </a:fld>
             <a:endParaRPr kumimoji="1" lang="ja-JP" altLang="en-US"/>
           </a:p>
@@ -2514,7 +2519,7 @@
           <a:p>
             <a:fld id="{AC4B45C2-0BA5-4BB8-9919-15C86ABBFF50}" type="datetimeFigureOut">
               <a:rPr kumimoji="1" lang="ja-JP" altLang="en-US" smtClean="0"/>
-              <a:t>2014/3/2</a:t>
+              <a:t>2014/3/6</a:t>
             </a:fld>
             <a:endParaRPr kumimoji="1" lang="ja-JP" altLang="en-US"/>
           </a:p>
@@ -2767,7 +2772,7 @@
           <a:p>
             <a:fld id="{AC4B45C2-0BA5-4BB8-9919-15C86ABBFF50}" type="datetimeFigureOut">
               <a:rPr kumimoji="1" lang="ja-JP" altLang="en-US" smtClean="0"/>
-              <a:t>2014/3/2</a:t>
+              <a:t>2014/3/6</a:t>
             </a:fld>
             <a:endParaRPr kumimoji="1" lang="ja-JP" altLang="en-US"/>
           </a:p>
@@ -3012,7 +3017,7 @@
           <a:p>
             <a:fld id="{AC4B45C2-0BA5-4BB8-9919-15C86ABBFF50}" type="datetimeFigureOut">
               <a:rPr kumimoji="1" lang="ja-JP" altLang="en-US" smtClean="0"/>
-              <a:t>2014/3/2</a:t>
+              <a:t>2014/3/6</a:t>
             </a:fld>
             <a:endParaRPr kumimoji="1" lang="ja-JP" altLang="en-US"/>
           </a:p>
@@ -3406,7 +3411,7 @@
         </p:nvSpPr>
         <p:spPr>
           <a:xfrm>
-            <a:off x="685800" y="1814959"/>
+            <a:off x="685800" y="1628800"/>
             <a:ext cx="7772400" cy="1470025"/>
           </a:xfrm>
         </p:spPr>
@@ -3417,18 +3422,14 @@
           <a:lstStyle/>
           <a:p>
             <a:r>
-              <a:rPr lang="en-US" altLang="ja-JP" sz="5400" dirty="0"/>
+              <a:rPr lang="en-US" altLang="ja-JP" sz="6000" dirty="0"/>
               <a:t>I</a:t>
             </a:r>
             <a:r>
-              <a:rPr kumimoji="1" lang="en-US" altLang="ja-JP" sz="5400" dirty="0" smtClean="0"/>
-              <a:t>: </a:t>
-            </a:r>
-            <a:r>
-              <a:rPr kumimoji="1" lang="ja-JP" altLang="en-US" sz="5400" dirty="0" smtClean="0"/>
-              <a:t>支配と友好</a:t>
-            </a:r>
-            <a:endParaRPr kumimoji="1" lang="ja-JP" altLang="en-US" sz="5400" dirty="0"/>
+              <a:rPr kumimoji="1" lang="ja-JP" altLang="en-US" sz="6000" dirty="0" smtClean="0"/>
+              <a:t>：支配と友好</a:t>
+            </a:r>
+            <a:endParaRPr kumimoji="1" lang="ja-JP" altLang="en-US" sz="6000" dirty="0"/>
           </a:p>
         </p:txBody>
       </p:sp>
@@ -3445,7 +3446,7 @@
         <p:spPr>
           <a:xfrm>
             <a:off x="1371600" y="3789040"/>
-            <a:ext cx="6400800" cy="1752600"/>
+            <a:ext cx="6400800" cy="2232248"/>
           </a:xfrm>
         </p:spPr>
         <p:txBody>
@@ -3455,8 +3456,22 @@
           <a:lstStyle/>
           <a:p>
             <a:r>
-              <a:rPr lang="en-US" altLang="ja-JP" sz="4000" dirty="0" err="1" smtClean="0"/>
-              <a:t>kawatea</a:t>
+              <a:rPr kumimoji="1" lang="ja-JP" altLang="en-US" sz="4000" dirty="0" smtClean="0"/>
+              <a:t>問題：河田</a:t>
+            </a:r>
+            <a:endParaRPr kumimoji="1" lang="en-US" altLang="ja-JP" sz="4000" dirty="0" smtClean="0"/>
+          </a:p>
+          <a:p>
+            <a:r>
+              <a:rPr lang="ja-JP" altLang="en-US" sz="4000" dirty="0" smtClean="0"/>
+              <a:t>解答：河田、大坂</a:t>
+            </a:r>
+            <a:endParaRPr lang="en-US" altLang="ja-JP" sz="4000" dirty="0" smtClean="0"/>
+          </a:p>
+          <a:p>
+            <a:r>
+              <a:rPr kumimoji="1" lang="ja-JP" altLang="en-US" sz="4000" dirty="0" smtClean="0"/>
+              <a:t>解説：河田</a:t>
             </a:r>
             <a:endParaRPr kumimoji="1" lang="ja-JP" altLang="en-US" sz="4000" dirty="0"/>
           </a:p>
@@ -3465,7 +3480,127 @@
     </p:spTree>
     <p:extLst>
       <p:ext uri="{BB962C8B-B14F-4D97-AF65-F5344CB8AC3E}">
-        <p14:creationId xmlns:p14="http://schemas.microsoft.com/office/powerpoint/2010/main" val="2302125012"/>
+        <p14:creationId xmlns:p14="http://schemas.microsoft.com/office/powerpoint/2010/main" val="2327801918"/>
+      </p:ext>
+    </p:extLst>
+  </p:cSld>
+  <p:clrMapOvr>
+    <a:masterClrMapping/>
+  </p:clrMapOvr>
+  <p:timing>
+    <p:tnLst>
+      <p:par>
+        <p:cTn id="1" dur="indefinite" restart="never" nodeType="tmRoot"/>
+      </p:par>
+    </p:tnLst>
+  </p:timing>
+</p:sld>
+</file>
+
+<file path=ppt/slides/slide10.xml><?xml version="1.0" encoding="utf-8"?>
+<p:sld xmlns:a="http://schemas.openxmlformats.org/drawingml/2006/main" xmlns:r="http://schemas.openxmlformats.org/officeDocument/2006/relationships" xmlns:p="http://schemas.openxmlformats.org/presentationml/2006/main">
+  <p:cSld>
+    <p:spTree>
+      <p:nvGrpSpPr>
+        <p:cNvPr id="1" name=""/>
+        <p:cNvGrpSpPr/>
+        <p:nvPr/>
+      </p:nvGrpSpPr>
+      <p:grpSpPr>
+        <a:xfrm>
+          <a:off x="0" y="0"/>
+          <a:ext cx="0" cy="0"/>
+          <a:chOff x="0" y="0"/>
+          <a:chExt cx="0" cy="0"/>
+        </a:xfrm>
+      </p:grpSpPr>
+      <p:sp>
+        <p:nvSpPr>
+          <p:cNvPr id="2" name="タイトル 1"/>
+          <p:cNvSpPr>
+            <a:spLocks noGrp="1"/>
+          </p:cNvSpPr>
+          <p:nvPr>
+            <p:ph type="title"/>
+          </p:nvPr>
+        </p:nvSpPr>
+        <p:spPr/>
+        <p:txBody>
+          <a:bodyPr/>
+          <a:lstStyle/>
+          <a:p>
+            <a:r>
+              <a:rPr kumimoji="1" lang="ja-JP" altLang="en-US" dirty="0" smtClean="0"/>
+              <a:t>統計情報</a:t>
+            </a:r>
+            <a:endParaRPr kumimoji="1" lang="ja-JP" altLang="en-US" dirty="0"/>
+          </a:p>
+        </p:txBody>
+      </p:sp>
+      <p:sp>
+        <p:nvSpPr>
+          <p:cNvPr id="3" name="コンテンツ プレースホルダー 2"/>
+          <p:cNvSpPr>
+            <a:spLocks noGrp="1"/>
+          </p:cNvSpPr>
+          <p:nvPr>
+            <p:ph idx="1"/>
+          </p:nvPr>
+        </p:nvSpPr>
+        <p:spPr/>
+        <p:txBody>
+          <a:bodyPr/>
+          <a:lstStyle/>
+          <a:p>
+            <a:r>
+              <a:rPr kumimoji="1" lang="en-US" altLang="ja-JP" dirty="0" smtClean="0"/>
+              <a:t>First Accept: yutaka1999 (136:43)</a:t>
+            </a:r>
+          </a:p>
+          <a:p>
+            <a:r>
+              <a:rPr lang="en-US" altLang="ja-JP" dirty="0" smtClean="0"/>
+              <a:t>First Accept (onsite): </a:t>
+            </a:r>
+            <a:r>
+              <a:rPr lang="en-US" altLang="ja-JP" dirty="0" err="1" smtClean="0"/>
+              <a:t>semiexp</a:t>
+            </a:r>
+            <a:r>
+              <a:rPr lang="en-US" altLang="ja-JP" dirty="0" smtClean="0"/>
+              <a:t> (268:57)</a:t>
+            </a:r>
+          </a:p>
+          <a:p>
+            <a:r>
+              <a:rPr kumimoji="1" lang="en-US" altLang="ja-JP" dirty="0" smtClean="0"/>
+              <a:t>Accepted: 7 (19%)</a:t>
+            </a:r>
+          </a:p>
+          <a:p>
+            <a:r>
+              <a:rPr lang="en-US" altLang="ja-JP" dirty="0" smtClean="0"/>
+              <a:t>Trying: 15</a:t>
+            </a:r>
+            <a:endParaRPr kumimoji="1" lang="en-US" altLang="ja-JP" dirty="0" smtClean="0"/>
+          </a:p>
+          <a:p>
+            <a:r>
+              <a:rPr lang="en-US" altLang="ja-JP" dirty="0" smtClean="0"/>
+              <a:t>Total Submission</a:t>
+            </a:r>
+            <a:r>
+              <a:rPr lang="en-US" altLang="ja-JP" smtClean="0"/>
+              <a:t>: 37</a:t>
+            </a:r>
+            <a:endParaRPr kumimoji="1" lang="ja-JP" altLang="en-US" dirty="0"/>
+          </a:p>
+        </p:txBody>
+      </p:sp>
+    </p:spTree>
+    <p:extLst>
+      <p:ext uri="{BB962C8B-B14F-4D97-AF65-F5344CB8AC3E}">
+        <p14:creationId xmlns:p14="http://schemas.microsoft.com/office/powerpoint/2010/main" val="1113980814"/>
       </p:ext>
     </p:extLst>
   </p:cSld>
@@ -3508,6 +3643,423 @@
           <a:lstStyle/>
           <a:p>
             <a:r>
+              <a:rPr kumimoji="1" lang="ja-JP" altLang="en-US" dirty="0" smtClean="0"/>
+              <a:t>問題概要</a:t>
+            </a:r>
+            <a:endParaRPr kumimoji="1" lang="ja-JP" altLang="en-US" dirty="0"/>
+          </a:p>
+        </p:txBody>
+      </p:sp>
+      <mc:AlternateContent xmlns:mc="http://schemas.openxmlformats.org/markup-compatibility/2006">
+        <mc:Choice xmlns:a14="http://schemas.microsoft.com/office/drawing/2010/main" Requires="a14">
+          <p:sp>
+            <p:nvSpPr>
+              <p:cNvPr id="3" name="コンテンツ プレースホルダー 2"/>
+              <p:cNvSpPr>
+                <a:spLocks noGrp="1"/>
+              </p:cNvSpPr>
+              <p:nvPr>
+                <p:ph idx="1"/>
+              </p:nvPr>
+            </p:nvSpPr>
+            <p:spPr/>
+            <p:txBody>
+              <a:bodyPr/>
+              <a:lstStyle/>
+              <a:p>
+                <a:r>
+                  <a:rPr lang="ja-JP" altLang="en-US" dirty="0"/>
+                  <a:t>それぞれの</a:t>
+                </a:r>
+                <a:r>
+                  <a:rPr kumimoji="1" lang="ja-JP" altLang="en-US" b="0" dirty="0" smtClean="0"/>
+                  <a:t>頂点が値を持つ </a:t>
+                </a:r>
+                <a14:m>
+                  <m:oMath xmlns:m="http://schemas.openxmlformats.org/officeDocument/2006/math">
+                    <m:r>
+                      <a:rPr kumimoji="1" lang="en-US" altLang="ja-JP" b="0" i="1" smtClean="0">
+                        <a:latin typeface="Cambria Math"/>
+                      </a:rPr>
+                      <m:t>𝑁</m:t>
+                    </m:r>
+                  </m:oMath>
+                </a14:m>
+                <a:r>
+                  <a:rPr kumimoji="1" lang="ja-JP" altLang="en-US" dirty="0" smtClean="0"/>
+                  <a:t>頂点の根付き木の</a:t>
+                </a:r>
+                <a:r>
+                  <a:rPr kumimoji="1" lang="en-US" altLang="ja-JP" dirty="0" smtClean="0"/>
+                  <a:t/>
+                </a:r>
+                <a:br>
+                  <a:rPr kumimoji="1" lang="en-US" altLang="ja-JP" dirty="0" smtClean="0"/>
+                </a:br>
+                <a:r>
+                  <a:rPr kumimoji="1" lang="ja-JP" altLang="en-US" dirty="0" smtClean="0"/>
+                  <a:t>各頂点に対してその頂点の子孫でも祖先でもない</a:t>
+                </a:r>
+                <a:r>
+                  <a:rPr kumimoji="1" lang="en-US" altLang="ja-JP" dirty="0" smtClean="0"/>
+                  <a:t/>
+                </a:r>
+                <a:br>
+                  <a:rPr kumimoji="1" lang="en-US" altLang="ja-JP" dirty="0" smtClean="0"/>
+                </a:br>
+                <a:r>
+                  <a:rPr kumimoji="1" lang="ja-JP" altLang="en-US" dirty="0" smtClean="0"/>
+                  <a:t>頂点の中でその頂点の持つ値に最も近い値を持つ頂点の値を求める</a:t>
+                </a:r>
+                <a:endParaRPr kumimoji="1" lang="en-US" altLang="ja-JP" dirty="0" smtClean="0"/>
+              </a:p>
+              <a:p>
+                <a:r>
+                  <a:rPr lang="ja-JP" altLang="en-US" dirty="0" smtClean="0"/>
+                  <a:t>最も近い</a:t>
+                </a:r>
+                <a:r>
+                  <a:rPr lang="ja-JP" altLang="en-US" dirty="0"/>
+                  <a:t>値</a:t>
+                </a:r>
+                <a:r>
+                  <a:rPr lang="ja-JP" altLang="en-US" dirty="0" smtClean="0"/>
+                  <a:t>を持つ頂点が複数ある場合は最も小さい値を持つ頂点の値を答える</a:t>
+                </a:r>
+                <a:endParaRPr kumimoji="1" lang="ja-JP" altLang="en-US" dirty="0"/>
+              </a:p>
+            </p:txBody>
+          </p:sp>
+        </mc:Choice>
+        <mc:Fallback>
+          <p:sp>
+            <p:nvSpPr>
+              <p:cNvPr id="3" name="コンテンツ プレースホルダー 2"/>
+              <p:cNvSpPr>
+                <a:spLocks noGrp="1" noRot="1" noChangeAspect="1" noMove="1" noResize="1" noEditPoints="1" noAdjustHandles="1" noChangeArrowheads="1" noChangeShapeType="1" noTextEdit="1"/>
+              </p:cNvSpPr>
+              <p:nvPr>
+                <p:ph idx="1"/>
+              </p:nvPr>
+            </p:nvSpPr>
+            <p:spPr>
+              <a:blipFill rotWithShape="1">
+                <a:blip r:embed="rId2"/>
+                <a:stretch>
+                  <a:fillRect l="-1571" t="-1648" r="-1776"/>
+                </a:stretch>
+              </a:blipFill>
+            </p:spPr>
+            <p:txBody>
+              <a:bodyPr/>
+              <a:lstStyle/>
+              <a:p>
+                <a:r>
+                  <a:rPr lang="ja-JP" altLang="en-US">
+                    <a:noFill/>
+                  </a:rPr>
+                  <a:t> </a:t>
+                </a:r>
+              </a:p>
+            </p:txBody>
+          </p:sp>
+        </mc:Fallback>
+      </mc:AlternateContent>
+      <mc:AlternateContent xmlns:mc="http://schemas.openxmlformats.org/markup-compatibility/2006">
+        <mc:Choice xmlns:a14="http://schemas.microsoft.com/office/drawing/2010/main" Requires="a14">
+          <p:sp>
+            <p:nvSpPr>
+              <p:cNvPr id="4" name="テキスト ボックス 3"/>
+              <p:cNvSpPr txBox="1"/>
+              <p:nvPr/>
+            </p:nvSpPr>
+            <p:spPr>
+              <a:xfrm>
+                <a:off x="467544" y="4918292"/>
+                <a:ext cx="4320480" cy="528093"/>
+              </a:xfrm>
+              <a:prstGeom prst="rect">
+                <a:avLst/>
+              </a:prstGeom>
+              <a:noFill/>
+            </p:spPr>
+            <p:txBody>
+              <a:bodyPr wrap="square" rtlCol="0">
+                <a:spAutoFit/>
+              </a:bodyPr>
+              <a:lstStyle/>
+              <a:p>
+                <a14:m>
+                  <m:oMath xmlns:m="http://schemas.openxmlformats.org/officeDocument/2006/math">
+                    <m:r>
+                      <a:rPr kumimoji="1" lang="en-US" altLang="ja-JP" sz="2800" b="0" i="1" smtClean="0">
+                        <a:latin typeface="Cambria Math"/>
+                      </a:rPr>
+                      <m:t>1≤</m:t>
+                    </m:r>
+                    <m:r>
+                      <a:rPr kumimoji="1" lang="en-US" altLang="ja-JP" sz="2800" b="0" i="1" smtClean="0">
+                        <a:latin typeface="Cambria Math"/>
+                      </a:rPr>
+                      <m:t>𝑁</m:t>
+                    </m:r>
+                    <m:r>
+                      <a:rPr kumimoji="1" lang="en-US" altLang="ja-JP" sz="2800" b="0" i="1" smtClean="0">
+                        <a:latin typeface="Cambria Math"/>
+                      </a:rPr>
+                      <m:t>≤</m:t>
+                    </m:r>
+                    <m:sSup>
+                      <m:sSupPr>
+                        <m:ctrlPr>
+                          <a:rPr kumimoji="1" lang="en-US" altLang="ja-JP" sz="2800" b="0" i="1" smtClean="0">
+                            <a:latin typeface="Cambria Math"/>
+                          </a:rPr>
+                        </m:ctrlPr>
+                      </m:sSupPr>
+                      <m:e>
+                        <m:r>
+                          <a:rPr kumimoji="1" lang="en-US" altLang="ja-JP" sz="2800" b="0" i="1" smtClean="0">
+                            <a:latin typeface="Cambria Math"/>
+                          </a:rPr>
+                          <m:t>10</m:t>
+                        </m:r>
+                      </m:e>
+                      <m:sup>
+                        <m:r>
+                          <a:rPr kumimoji="1" lang="en-US" altLang="ja-JP" sz="2800" b="0" i="1" smtClean="0">
+                            <a:latin typeface="Cambria Math"/>
+                          </a:rPr>
+                          <m:t>5</m:t>
+                        </m:r>
+                      </m:sup>
+                    </m:sSup>
+                  </m:oMath>
+                </a14:m>
+                <a:r>
+                  <a:rPr kumimoji="1" lang="en-US" altLang="ja-JP" sz="2800" b="0" dirty="0" smtClean="0"/>
+                  <a:t>,</a:t>
+                </a:r>
+                <a14:m>
+                  <m:oMath xmlns:m="http://schemas.openxmlformats.org/officeDocument/2006/math">
+                    <m:r>
+                      <a:rPr kumimoji="1" lang="en-US" altLang="ja-JP" sz="2800" b="0" i="1" smtClean="0">
+                        <a:latin typeface="Cambria Math"/>
+                      </a:rPr>
+                      <m:t>1≤</m:t>
+                    </m:r>
+                    <m:sSub>
+                      <m:sSubPr>
+                        <m:ctrlPr>
+                          <a:rPr kumimoji="1" lang="en-US" altLang="ja-JP" sz="2800" b="0" i="1" smtClean="0">
+                            <a:latin typeface="Cambria Math"/>
+                          </a:rPr>
+                        </m:ctrlPr>
+                      </m:sSubPr>
+                      <m:e>
+                        <m:r>
+                          <a:rPr kumimoji="1" lang="en-US" altLang="ja-JP" sz="2800" b="0" i="1" smtClean="0">
+                            <a:latin typeface="Cambria Math"/>
+                          </a:rPr>
+                          <m:t>𝑎</m:t>
+                        </m:r>
+                      </m:e>
+                      <m:sub>
+                        <m:r>
+                          <a:rPr kumimoji="1" lang="en-US" altLang="ja-JP" sz="2800" b="0" i="1" smtClean="0">
+                            <a:latin typeface="Cambria Math"/>
+                          </a:rPr>
+                          <m:t>𝑖</m:t>
+                        </m:r>
+                      </m:sub>
+                    </m:sSub>
+                    <m:r>
+                      <a:rPr kumimoji="1" lang="en-US" altLang="ja-JP" sz="2800" b="0" i="1" smtClean="0">
+                        <a:latin typeface="Cambria Math"/>
+                      </a:rPr>
+                      <m:t>≤</m:t>
+                    </m:r>
+                    <m:sSup>
+                      <m:sSupPr>
+                        <m:ctrlPr>
+                          <a:rPr kumimoji="1" lang="en-US" altLang="ja-JP" sz="2800" b="0" i="1" smtClean="0">
+                            <a:latin typeface="Cambria Math"/>
+                          </a:rPr>
+                        </m:ctrlPr>
+                      </m:sSupPr>
+                      <m:e>
+                        <m:r>
+                          <a:rPr kumimoji="1" lang="en-US" altLang="ja-JP" sz="2800" b="0" i="1" smtClean="0">
+                            <a:latin typeface="Cambria Math"/>
+                          </a:rPr>
+                          <m:t>10</m:t>
+                        </m:r>
+                      </m:e>
+                      <m:sup>
+                        <m:r>
+                          <a:rPr kumimoji="1" lang="en-US" altLang="ja-JP" sz="2800" b="0" i="1" smtClean="0">
+                            <a:latin typeface="Cambria Math"/>
+                          </a:rPr>
+                          <m:t>9</m:t>
+                        </m:r>
+                      </m:sup>
+                    </m:sSup>
+                  </m:oMath>
+                </a14:m>
+                <a:endParaRPr kumimoji="1" lang="ja-JP" altLang="en-US" sz="2800" dirty="0"/>
+              </a:p>
+            </p:txBody>
+          </p:sp>
+        </mc:Choice>
+        <mc:Fallback>
+          <p:sp>
+            <p:nvSpPr>
+              <p:cNvPr id="4" name="テキスト ボックス 3"/>
+              <p:cNvSpPr txBox="1">
+                <a:spLocks noRot="1" noChangeAspect="1" noMove="1" noResize="1" noEditPoints="1" noAdjustHandles="1" noChangeArrowheads="1" noChangeShapeType="1" noTextEdit="1"/>
+              </p:cNvSpPr>
+              <p:nvPr/>
+            </p:nvSpPr>
+            <p:spPr>
+              <a:xfrm>
+                <a:off x="467544" y="4918292"/>
+                <a:ext cx="4320480" cy="528093"/>
+              </a:xfrm>
+              <a:prstGeom prst="rect">
+                <a:avLst/>
+              </a:prstGeom>
+              <a:blipFill rotWithShape="1">
+                <a:blip r:embed="rId3"/>
+                <a:stretch>
+                  <a:fillRect t="-10465" b="-32558"/>
+                </a:stretch>
+              </a:blipFill>
+            </p:spPr>
+            <p:txBody>
+              <a:bodyPr/>
+              <a:lstStyle/>
+              <a:p>
+                <a:r>
+                  <a:rPr lang="ja-JP" altLang="en-US">
+                    <a:noFill/>
+                  </a:rPr>
+                  <a:t> </a:t>
+                </a:r>
+              </a:p>
+            </p:txBody>
+          </p:sp>
+        </mc:Fallback>
+      </mc:AlternateContent>
+      <p:pic>
+        <p:nvPicPr>
+          <p:cNvPr id="5" name="Picture 3"/>
+          <p:cNvPicPr>
+            <a:picLocks noChangeAspect="1" noChangeArrowheads="1"/>
+          </p:cNvPicPr>
+          <p:nvPr/>
+        </p:nvPicPr>
+        <p:blipFill>
+          <a:blip r:embed="rId4">
+            <a:extLst>
+              <a:ext uri="{28A0092B-C50C-407E-A947-70E740481C1C}">
+                <a14:useLocalDpi xmlns:a14="http://schemas.microsoft.com/office/drawing/2010/main" val="0"/>
+              </a:ext>
+            </a:extLst>
+          </a:blip>
+          <a:srcRect/>
+          <a:stretch>
+            <a:fillRect/>
+          </a:stretch>
+        </p:blipFill>
+        <p:spPr bwMode="auto">
+          <a:xfrm>
+            <a:off x="4716016" y="3933056"/>
+            <a:ext cx="4261718" cy="2754615"/>
+          </a:xfrm>
+          <a:prstGeom prst="rect">
+            <a:avLst/>
+          </a:prstGeom>
+          <a:noFill/>
+          <a:ln>
+            <a:noFill/>
+          </a:ln>
+          <a:effectLst/>
+          <a:extLst>
+            <a:ext uri="{909E8E84-426E-40DD-AFC4-6F175D3DCCD1}">
+              <a14:hiddenFill xmlns:a14="http://schemas.microsoft.com/office/drawing/2010/main">
+                <a:solidFill>
+                  <a:schemeClr val="accent1"/>
+                </a:solidFill>
+              </a14:hiddenFill>
+            </a:ext>
+            <a:ext uri="{91240B29-F687-4F45-9708-019B960494DF}">
+              <a14:hiddenLine xmlns:a14="http://schemas.microsoft.com/office/drawing/2010/main" w="9525">
+                <a:solidFill>
+                  <a:schemeClr val="tx1"/>
+                </a:solidFill>
+                <a:miter lim="800000"/>
+                <a:headEnd/>
+                <a:tailEnd/>
+              </a14:hiddenLine>
+            </a:ext>
+            <a:ext uri="{AF507438-7753-43E0-B8FC-AC1667EBCBE1}">
+              <a14:hiddenEffects xmlns:a14="http://schemas.microsoft.com/office/drawing/2010/main">
+                <a:effectLst>
+                  <a:outerShdw dist="35921" dir="2700000" algn="ctr" rotWithShape="0">
+                    <a:schemeClr val="bg2"/>
+                  </a:outerShdw>
+                </a:effectLst>
+              </a14:hiddenEffects>
+            </a:ext>
+          </a:extLst>
+        </p:spPr>
+      </p:pic>
+    </p:spTree>
+    <p:extLst>
+      <p:ext uri="{BB962C8B-B14F-4D97-AF65-F5344CB8AC3E}">
+        <p14:creationId xmlns:p14="http://schemas.microsoft.com/office/powerpoint/2010/main" val="4221960372"/>
+      </p:ext>
+    </p:extLst>
+  </p:cSld>
+  <p:clrMapOvr>
+    <a:masterClrMapping/>
+  </p:clrMapOvr>
+</p:sld>
+</file>
+
+<file path=ppt/slides/slide3.xml><?xml version="1.0" encoding="utf-8"?>
+<p:sld xmlns:a="http://schemas.openxmlformats.org/drawingml/2006/main" xmlns:r="http://schemas.openxmlformats.org/officeDocument/2006/relationships" xmlns:p="http://schemas.openxmlformats.org/presentationml/2006/main">
+  <p:cSld>
+    <p:spTree>
+      <p:nvGrpSpPr>
+        <p:cNvPr id="1" name=""/>
+        <p:cNvGrpSpPr/>
+        <p:nvPr/>
+      </p:nvGrpSpPr>
+      <p:grpSpPr>
+        <a:xfrm>
+          <a:off x="0" y="0"/>
+          <a:ext cx="0" cy="0"/>
+          <a:chOff x="0" y="0"/>
+          <a:chExt cx="0" cy="0"/>
+        </a:xfrm>
+      </p:grpSpPr>
+      <p:sp>
+        <p:nvSpPr>
+          <p:cNvPr id="2" name="タイトル 1"/>
+          <p:cNvSpPr>
+            <a:spLocks noGrp="1"/>
+          </p:cNvSpPr>
+          <p:nvPr>
+            <p:ph type="title"/>
+          </p:nvPr>
+        </p:nvSpPr>
+        <p:spPr/>
+        <p:txBody>
+          <a:bodyPr/>
+          <a:lstStyle/>
+          <a:p>
+            <a:r>
               <a:rPr lang="ja-JP" altLang="en-US" dirty="0"/>
               <a:t>オイラーツアー</a:t>
             </a:r>
@@ -3538,7 +4090,7 @@
         </p:blipFill>
         <p:spPr bwMode="auto">
           <a:xfrm>
-            <a:off x="1822450" y="1314747"/>
+            <a:off x="1806590" y="1844824"/>
             <a:ext cx="5499100" cy="3554413"/>
           </a:xfrm>
           <a:prstGeom prst="rect">
@@ -3587,7 +4139,7 @@
         </p:nvSpPr>
         <p:spPr>
           <a:xfrm>
-            <a:off x="2897814" y="5381927"/>
+            <a:off x="2881954" y="1196752"/>
             <a:ext cx="3348372" cy="584775"/>
           </a:xfrm>
           <a:prstGeom prst="rect">
@@ -3617,7 +4169,7 @@
         </p:nvCxnSpPr>
         <p:spPr>
           <a:xfrm flipH="1">
-            <a:off x="2776083" y="1833157"/>
+            <a:off x="2760223" y="2363234"/>
             <a:ext cx="1224136" cy="504056"/>
           </a:xfrm>
           <a:prstGeom prst="straightConnector1">
@@ -3655,7 +4207,7 @@
         </p:nvCxnSpPr>
         <p:spPr>
           <a:xfrm flipH="1">
-            <a:off x="1619672" y="2898923"/>
+            <a:off x="1603812" y="3429000"/>
             <a:ext cx="864096" cy="1008112"/>
           </a:xfrm>
           <a:prstGeom prst="straightConnector1">
@@ -3693,7 +4245,7 @@
         </p:nvCxnSpPr>
         <p:spPr>
           <a:xfrm flipV="1">
-            <a:off x="2776084" y="3619003"/>
+            <a:off x="2760224" y="4149080"/>
             <a:ext cx="211740" cy="864096"/>
           </a:xfrm>
           <a:prstGeom prst="straightConnector1">
@@ -3731,7 +4283,7 @@
         </p:nvCxnSpPr>
         <p:spPr>
           <a:xfrm>
-            <a:off x="3131841" y="3619003"/>
+            <a:off x="3115981" y="4149080"/>
             <a:ext cx="144015" cy="916921"/>
           </a:xfrm>
           <a:prstGeom prst="straightConnector1">
@@ -3769,7 +4321,7 @@
         </p:nvCxnSpPr>
         <p:spPr>
           <a:xfrm flipH="1" flipV="1">
-            <a:off x="3635896" y="2898923"/>
+            <a:off x="3620036" y="3429000"/>
             <a:ext cx="796371" cy="1008112"/>
           </a:xfrm>
           <a:prstGeom prst="straightConnector1">
@@ -3807,7 +4359,7 @@
         </p:nvCxnSpPr>
         <p:spPr>
           <a:xfrm flipV="1">
-            <a:off x="3635896" y="2377156"/>
+            <a:off x="3620036" y="2907233"/>
             <a:ext cx="720080" cy="319840"/>
           </a:xfrm>
           <a:prstGeom prst="straightConnector1">
@@ -3845,7 +4397,7 @@
         </p:nvCxnSpPr>
         <p:spPr>
           <a:xfrm>
-            <a:off x="4860032" y="2377156"/>
+            <a:off x="4844172" y="2907233"/>
             <a:ext cx="720080" cy="319840"/>
           </a:xfrm>
           <a:prstGeom prst="straightConnector1">
@@ -3883,7 +4435,7 @@
         </p:nvCxnSpPr>
         <p:spPr>
           <a:xfrm flipH="1" flipV="1">
-            <a:off x="6660232" y="2898923"/>
+            <a:off x="6644372" y="3429000"/>
             <a:ext cx="796371" cy="1008112"/>
           </a:xfrm>
           <a:prstGeom prst="straightConnector1">
@@ -3921,7 +4473,7 @@
         </p:nvCxnSpPr>
         <p:spPr>
           <a:xfrm flipH="1">
-            <a:off x="4716016" y="2898923"/>
+            <a:off x="4700156" y="3429000"/>
             <a:ext cx="864096" cy="1008112"/>
           </a:xfrm>
           <a:prstGeom prst="straightConnector1">
@@ -3959,7 +4511,7 @@
         </p:nvCxnSpPr>
         <p:spPr>
           <a:xfrm flipV="1">
-            <a:off x="5818421" y="3619003"/>
+            <a:off x="5802561" y="4149080"/>
             <a:ext cx="211740" cy="864096"/>
           </a:xfrm>
           <a:prstGeom prst="straightConnector1">
@@ -3997,7 +4549,7 @@
         </p:nvCxnSpPr>
         <p:spPr>
           <a:xfrm>
-            <a:off x="6174178" y="3619003"/>
+            <a:off x="6158318" y="4149080"/>
             <a:ext cx="144015" cy="916921"/>
           </a:xfrm>
           <a:prstGeom prst="straightConnector1">
@@ -4035,7 +4587,7 @@
         </p:nvCxnSpPr>
         <p:spPr>
           <a:xfrm flipH="1" flipV="1">
-            <a:off x="5142099" y="1833157"/>
+            <a:off x="5126239" y="2363234"/>
             <a:ext cx="1104087" cy="429776"/>
           </a:xfrm>
           <a:prstGeom prst="straightConnector1">
@@ -4065,10 +4617,910 @@
           </a:fontRef>
         </p:style>
       </p:cxnSp>
+      <p:graphicFrame>
+        <p:nvGraphicFramePr>
+          <p:cNvPr id="4" name="表 3"/>
+          <p:cNvGraphicFramePr>
+            <a:graphicFrameLocks noGrp="1"/>
+          </p:cNvGraphicFramePr>
+          <p:nvPr>
+            <p:extLst>
+              <p:ext uri="{D42A27DB-BD31-4B8C-83A1-F6EECF244321}">
+                <p14:modId xmlns:p14="http://schemas.microsoft.com/office/powerpoint/2010/main" val="996563106"/>
+              </p:ext>
+            </p:extLst>
+          </p:nvPr>
+        </p:nvGraphicFramePr>
+        <p:xfrm>
+          <a:off x="524140" y="5661248"/>
+          <a:ext cx="8064000" cy="576000"/>
+        </p:xfrm>
+        <a:graphic>
+          <a:graphicData uri="http://schemas.openxmlformats.org/drawingml/2006/table">
+            <a:tbl>
+              <a:tblPr firstRow="1" bandRow="1">
+                <a:tableStyleId>{5C22544A-7EE6-4342-B048-85BDC9FD1C3A}</a:tableStyleId>
+              </a:tblPr>
+              <a:tblGrid>
+                <a:gridCol w="576000"/>
+                <a:gridCol w="576000"/>
+                <a:gridCol w="576000"/>
+                <a:gridCol w="576000"/>
+                <a:gridCol w="576000"/>
+                <a:gridCol w="576000"/>
+                <a:gridCol w="576000"/>
+                <a:gridCol w="576000"/>
+                <a:gridCol w="576000"/>
+                <a:gridCol w="576000"/>
+                <a:gridCol w="576000"/>
+                <a:gridCol w="576000"/>
+                <a:gridCol w="576000"/>
+                <a:gridCol w="576000"/>
+              </a:tblGrid>
+              <a:tr h="576000">
+                <a:tc>
+                  <a:txBody>
+                    <a:bodyPr/>
+                    <a:lstStyle/>
+                    <a:p>
+                      <a:pPr algn="ctr"/>
+                      <a:r>
+                        <a:rPr kumimoji="1" lang="en-US" altLang="ja-JP" sz="2600" dirty="0" smtClean="0">
+                          <a:solidFill>
+                            <a:schemeClr val="tx1"/>
+                          </a:solidFill>
+                        </a:rPr>
+                        <a:t>0</a:t>
+                      </a:r>
+                      <a:endParaRPr kumimoji="1" lang="ja-JP" altLang="en-US" sz="2600" dirty="0">
+                        <a:solidFill>
+                          <a:schemeClr val="tx1"/>
+                        </a:solidFill>
+                      </a:endParaRPr>
+                    </a:p>
+                  </a:txBody>
+                  <a:tcPr marL="132891" marR="132891" marT="66446" marB="66446" anchor="ctr">
+                    <a:lnL w="12700" cap="flat" cmpd="sng" algn="ctr">
+                      <a:solidFill>
+                        <a:schemeClr val="tx1"/>
+                      </a:solidFill>
+                      <a:prstDash val="solid"/>
+                      <a:round/>
+                      <a:headEnd type="none" w="med" len="med"/>
+                      <a:tailEnd type="none" w="med" len="med"/>
+                    </a:lnL>
+                    <a:lnR w="12700" cap="flat" cmpd="sng" algn="ctr">
+                      <a:solidFill>
+                        <a:schemeClr val="tx1"/>
+                      </a:solidFill>
+                      <a:prstDash val="solid"/>
+                      <a:round/>
+                      <a:headEnd type="none" w="med" len="med"/>
+                      <a:tailEnd type="none" w="med" len="med"/>
+                    </a:lnR>
+                    <a:lnT w="12700" cap="flat" cmpd="sng" algn="ctr">
+                      <a:solidFill>
+                        <a:schemeClr val="tx1"/>
+                      </a:solidFill>
+                      <a:prstDash val="solid"/>
+                      <a:round/>
+                      <a:headEnd type="none" w="med" len="med"/>
+                      <a:tailEnd type="none" w="med" len="med"/>
+                    </a:lnT>
+                    <a:lnB w="12700" cap="flat" cmpd="sng" algn="ctr">
+                      <a:solidFill>
+                        <a:schemeClr val="tx1"/>
+                      </a:solidFill>
+                      <a:prstDash val="solid"/>
+                      <a:round/>
+                      <a:headEnd type="none" w="med" len="med"/>
+                      <a:tailEnd type="none" w="med" len="med"/>
+                    </a:lnB>
+                    <a:noFill/>
+                  </a:tcPr>
+                </a:tc>
+                <a:tc>
+                  <a:txBody>
+                    <a:bodyPr/>
+                    <a:lstStyle/>
+                    <a:p>
+                      <a:pPr algn="ctr"/>
+                      <a:r>
+                        <a:rPr kumimoji="1" lang="en-US" altLang="ja-JP" sz="2600" dirty="0" smtClean="0">
+                          <a:solidFill>
+                            <a:schemeClr val="tx1"/>
+                          </a:solidFill>
+                        </a:rPr>
+                        <a:t>1</a:t>
+                      </a:r>
+                      <a:endParaRPr kumimoji="1" lang="ja-JP" altLang="en-US" sz="2600" dirty="0">
+                        <a:solidFill>
+                          <a:schemeClr val="tx1"/>
+                        </a:solidFill>
+                      </a:endParaRPr>
+                    </a:p>
+                  </a:txBody>
+                  <a:tcPr marL="132891" marR="132891" marT="66446" marB="66446" anchor="ctr">
+                    <a:lnL w="12700" cap="flat" cmpd="sng" algn="ctr">
+                      <a:solidFill>
+                        <a:schemeClr val="tx1"/>
+                      </a:solidFill>
+                      <a:prstDash val="solid"/>
+                      <a:round/>
+                      <a:headEnd type="none" w="med" len="med"/>
+                      <a:tailEnd type="none" w="med" len="med"/>
+                    </a:lnL>
+                    <a:lnR w="12700" cap="flat" cmpd="sng" algn="ctr">
+                      <a:solidFill>
+                        <a:schemeClr val="tx1"/>
+                      </a:solidFill>
+                      <a:prstDash val="solid"/>
+                      <a:round/>
+                      <a:headEnd type="none" w="med" len="med"/>
+                      <a:tailEnd type="none" w="med" len="med"/>
+                    </a:lnR>
+                    <a:lnT w="12700" cap="flat" cmpd="sng" algn="ctr">
+                      <a:solidFill>
+                        <a:schemeClr val="tx1"/>
+                      </a:solidFill>
+                      <a:prstDash val="solid"/>
+                      <a:round/>
+                      <a:headEnd type="none" w="med" len="med"/>
+                      <a:tailEnd type="none" w="med" len="med"/>
+                    </a:lnT>
+                    <a:lnB w="12700" cap="flat" cmpd="sng" algn="ctr">
+                      <a:solidFill>
+                        <a:schemeClr val="tx1"/>
+                      </a:solidFill>
+                      <a:prstDash val="solid"/>
+                      <a:round/>
+                      <a:headEnd type="none" w="med" len="med"/>
+                      <a:tailEnd type="none" w="med" len="med"/>
+                    </a:lnB>
+                    <a:noFill/>
+                  </a:tcPr>
+                </a:tc>
+                <a:tc>
+                  <a:txBody>
+                    <a:bodyPr/>
+                    <a:lstStyle/>
+                    <a:p>
+                      <a:pPr algn="ctr"/>
+                      <a:r>
+                        <a:rPr kumimoji="1" lang="en-US" altLang="ja-JP" sz="2600" dirty="0" smtClean="0">
+                          <a:solidFill>
+                            <a:schemeClr val="tx1"/>
+                          </a:solidFill>
+                        </a:rPr>
+                        <a:t>2</a:t>
+                      </a:r>
+                      <a:endParaRPr kumimoji="1" lang="ja-JP" altLang="en-US" sz="2600" dirty="0">
+                        <a:solidFill>
+                          <a:schemeClr val="tx1"/>
+                        </a:solidFill>
+                      </a:endParaRPr>
+                    </a:p>
+                  </a:txBody>
+                  <a:tcPr marL="132891" marR="132891" marT="66446" marB="66446" anchor="ctr">
+                    <a:lnL w="12700" cap="flat" cmpd="sng" algn="ctr">
+                      <a:solidFill>
+                        <a:schemeClr val="tx1"/>
+                      </a:solidFill>
+                      <a:prstDash val="solid"/>
+                      <a:round/>
+                      <a:headEnd type="none" w="med" len="med"/>
+                      <a:tailEnd type="none" w="med" len="med"/>
+                    </a:lnL>
+                    <a:lnR w="12700" cap="flat" cmpd="sng" algn="ctr">
+                      <a:solidFill>
+                        <a:schemeClr val="tx1"/>
+                      </a:solidFill>
+                      <a:prstDash val="solid"/>
+                      <a:round/>
+                      <a:headEnd type="none" w="med" len="med"/>
+                      <a:tailEnd type="none" w="med" len="med"/>
+                    </a:lnR>
+                    <a:lnT w="12700" cap="flat" cmpd="sng" algn="ctr">
+                      <a:solidFill>
+                        <a:schemeClr val="tx1"/>
+                      </a:solidFill>
+                      <a:prstDash val="solid"/>
+                      <a:round/>
+                      <a:headEnd type="none" w="med" len="med"/>
+                      <a:tailEnd type="none" w="med" len="med"/>
+                    </a:lnT>
+                    <a:lnB w="12700" cap="flat" cmpd="sng" algn="ctr">
+                      <a:solidFill>
+                        <a:schemeClr val="tx1"/>
+                      </a:solidFill>
+                      <a:prstDash val="solid"/>
+                      <a:round/>
+                      <a:headEnd type="none" w="med" len="med"/>
+                      <a:tailEnd type="none" w="med" len="med"/>
+                    </a:lnB>
+                    <a:noFill/>
+                  </a:tcPr>
+                </a:tc>
+                <a:tc>
+                  <a:txBody>
+                    <a:bodyPr/>
+                    <a:lstStyle/>
+                    <a:p>
+                      <a:pPr algn="ctr"/>
+                      <a:r>
+                        <a:rPr kumimoji="1" lang="en-US" altLang="ja-JP" sz="2600" dirty="0" smtClean="0">
+                          <a:solidFill>
+                            <a:schemeClr val="tx1"/>
+                          </a:solidFill>
+                        </a:rPr>
+                        <a:t>2</a:t>
+                      </a:r>
+                      <a:endParaRPr kumimoji="1" lang="ja-JP" altLang="en-US" sz="2600" dirty="0">
+                        <a:solidFill>
+                          <a:schemeClr val="tx1"/>
+                        </a:solidFill>
+                      </a:endParaRPr>
+                    </a:p>
+                  </a:txBody>
+                  <a:tcPr marL="132891" marR="132891" marT="66446" marB="66446" anchor="ctr">
+                    <a:lnL w="12700" cap="flat" cmpd="sng" algn="ctr">
+                      <a:solidFill>
+                        <a:schemeClr val="tx1"/>
+                      </a:solidFill>
+                      <a:prstDash val="solid"/>
+                      <a:round/>
+                      <a:headEnd type="none" w="med" len="med"/>
+                      <a:tailEnd type="none" w="med" len="med"/>
+                    </a:lnL>
+                    <a:lnR w="12700" cap="flat" cmpd="sng" algn="ctr">
+                      <a:solidFill>
+                        <a:schemeClr val="tx1"/>
+                      </a:solidFill>
+                      <a:prstDash val="solid"/>
+                      <a:round/>
+                      <a:headEnd type="none" w="med" len="med"/>
+                      <a:tailEnd type="none" w="med" len="med"/>
+                    </a:lnR>
+                    <a:lnT w="12700" cap="flat" cmpd="sng" algn="ctr">
+                      <a:solidFill>
+                        <a:schemeClr val="tx1"/>
+                      </a:solidFill>
+                      <a:prstDash val="solid"/>
+                      <a:round/>
+                      <a:headEnd type="none" w="med" len="med"/>
+                      <a:tailEnd type="none" w="med" len="med"/>
+                    </a:lnT>
+                    <a:lnB w="12700" cap="flat" cmpd="sng" algn="ctr">
+                      <a:solidFill>
+                        <a:schemeClr val="tx1"/>
+                      </a:solidFill>
+                      <a:prstDash val="solid"/>
+                      <a:round/>
+                      <a:headEnd type="none" w="med" len="med"/>
+                      <a:tailEnd type="none" w="med" len="med"/>
+                    </a:lnB>
+                    <a:noFill/>
+                  </a:tcPr>
+                </a:tc>
+                <a:tc>
+                  <a:txBody>
+                    <a:bodyPr/>
+                    <a:lstStyle/>
+                    <a:p>
+                      <a:pPr algn="ctr"/>
+                      <a:r>
+                        <a:rPr kumimoji="1" lang="en-US" altLang="ja-JP" sz="2600" dirty="0" smtClean="0">
+                          <a:solidFill>
+                            <a:schemeClr val="tx1"/>
+                          </a:solidFill>
+                        </a:rPr>
+                        <a:t>3</a:t>
+                      </a:r>
+                      <a:endParaRPr kumimoji="1" lang="ja-JP" altLang="en-US" sz="2600" dirty="0">
+                        <a:solidFill>
+                          <a:schemeClr val="tx1"/>
+                        </a:solidFill>
+                      </a:endParaRPr>
+                    </a:p>
+                  </a:txBody>
+                  <a:tcPr marL="132891" marR="132891" marT="66446" marB="66446" anchor="ctr">
+                    <a:lnL w="12700" cap="flat" cmpd="sng" algn="ctr">
+                      <a:solidFill>
+                        <a:schemeClr val="tx1"/>
+                      </a:solidFill>
+                      <a:prstDash val="solid"/>
+                      <a:round/>
+                      <a:headEnd type="none" w="med" len="med"/>
+                      <a:tailEnd type="none" w="med" len="med"/>
+                    </a:lnL>
+                    <a:lnR w="12700" cap="flat" cmpd="sng" algn="ctr">
+                      <a:solidFill>
+                        <a:schemeClr val="tx1"/>
+                      </a:solidFill>
+                      <a:prstDash val="solid"/>
+                      <a:round/>
+                      <a:headEnd type="none" w="med" len="med"/>
+                      <a:tailEnd type="none" w="med" len="med"/>
+                    </a:lnR>
+                    <a:lnT w="12700" cap="flat" cmpd="sng" algn="ctr">
+                      <a:solidFill>
+                        <a:schemeClr val="tx1"/>
+                      </a:solidFill>
+                      <a:prstDash val="solid"/>
+                      <a:round/>
+                      <a:headEnd type="none" w="med" len="med"/>
+                      <a:tailEnd type="none" w="med" len="med"/>
+                    </a:lnT>
+                    <a:lnB w="12700" cap="flat" cmpd="sng" algn="ctr">
+                      <a:solidFill>
+                        <a:schemeClr val="tx1"/>
+                      </a:solidFill>
+                      <a:prstDash val="solid"/>
+                      <a:round/>
+                      <a:headEnd type="none" w="med" len="med"/>
+                      <a:tailEnd type="none" w="med" len="med"/>
+                    </a:lnB>
+                    <a:noFill/>
+                  </a:tcPr>
+                </a:tc>
+                <a:tc>
+                  <a:txBody>
+                    <a:bodyPr/>
+                    <a:lstStyle/>
+                    <a:p>
+                      <a:pPr algn="ctr"/>
+                      <a:r>
+                        <a:rPr kumimoji="1" lang="en-US" altLang="ja-JP" sz="2600" dirty="0" smtClean="0">
+                          <a:solidFill>
+                            <a:schemeClr val="tx1"/>
+                          </a:solidFill>
+                        </a:rPr>
+                        <a:t>3</a:t>
+                      </a:r>
+                      <a:endParaRPr kumimoji="1" lang="ja-JP" altLang="en-US" sz="2600" dirty="0">
+                        <a:solidFill>
+                          <a:schemeClr val="tx1"/>
+                        </a:solidFill>
+                      </a:endParaRPr>
+                    </a:p>
+                  </a:txBody>
+                  <a:tcPr marL="132891" marR="132891" marT="66446" marB="66446" anchor="ctr">
+                    <a:lnL w="12700" cap="flat" cmpd="sng" algn="ctr">
+                      <a:solidFill>
+                        <a:schemeClr val="tx1"/>
+                      </a:solidFill>
+                      <a:prstDash val="solid"/>
+                      <a:round/>
+                      <a:headEnd type="none" w="med" len="med"/>
+                      <a:tailEnd type="none" w="med" len="med"/>
+                    </a:lnL>
+                    <a:lnR w="12700" cap="flat" cmpd="sng" algn="ctr">
+                      <a:solidFill>
+                        <a:schemeClr val="tx1"/>
+                      </a:solidFill>
+                      <a:prstDash val="solid"/>
+                      <a:round/>
+                      <a:headEnd type="none" w="med" len="med"/>
+                      <a:tailEnd type="none" w="med" len="med"/>
+                    </a:lnR>
+                    <a:lnT w="12700" cap="flat" cmpd="sng" algn="ctr">
+                      <a:solidFill>
+                        <a:schemeClr val="tx1"/>
+                      </a:solidFill>
+                      <a:prstDash val="solid"/>
+                      <a:round/>
+                      <a:headEnd type="none" w="med" len="med"/>
+                      <a:tailEnd type="none" w="med" len="med"/>
+                    </a:lnT>
+                    <a:lnB w="12700" cap="flat" cmpd="sng" algn="ctr">
+                      <a:solidFill>
+                        <a:schemeClr val="tx1"/>
+                      </a:solidFill>
+                      <a:prstDash val="solid"/>
+                      <a:round/>
+                      <a:headEnd type="none" w="med" len="med"/>
+                      <a:tailEnd type="none" w="med" len="med"/>
+                    </a:lnB>
+                    <a:noFill/>
+                  </a:tcPr>
+                </a:tc>
+                <a:tc>
+                  <a:txBody>
+                    <a:bodyPr/>
+                    <a:lstStyle/>
+                    <a:p>
+                      <a:pPr algn="ctr"/>
+                      <a:r>
+                        <a:rPr kumimoji="1" lang="en-US" altLang="ja-JP" sz="2600" dirty="0" smtClean="0">
+                          <a:solidFill>
+                            <a:schemeClr val="tx1"/>
+                          </a:solidFill>
+                        </a:rPr>
+                        <a:t>1</a:t>
+                      </a:r>
+                      <a:endParaRPr kumimoji="1" lang="ja-JP" altLang="en-US" sz="2600" dirty="0">
+                        <a:solidFill>
+                          <a:schemeClr val="tx1"/>
+                        </a:solidFill>
+                      </a:endParaRPr>
+                    </a:p>
+                  </a:txBody>
+                  <a:tcPr marL="132891" marR="132891" marT="66446" marB="66446" anchor="ctr">
+                    <a:lnL w="12700" cap="flat" cmpd="sng" algn="ctr">
+                      <a:solidFill>
+                        <a:schemeClr val="tx1"/>
+                      </a:solidFill>
+                      <a:prstDash val="solid"/>
+                      <a:round/>
+                      <a:headEnd type="none" w="med" len="med"/>
+                      <a:tailEnd type="none" w="med" len="med"/>
+                    </a:lnL>
+                    <a:lnR w="12700" cap="flat" cmpd="sng" algn="ctr">
+                      <a:solidFill>
+                        <a:schemeClr val="tx1"/>
+                      </a:solidFill>
+                      <a:prstDash val="solid"/>
+                      <a:round/>
+                      <a:headEnd type="none" w="med" len="med"/>
+                      <a:tailEnd type="none" w="med" len="med"/>
+                    </a:lnR>
+                    <a:lnT w="12700" cap="flat" cmpd="sng" algn="ctr">
+                      <a:solidFill>
+                        <a:schemeClr val="tx1"/>
+                      </a:solidFill>
+                      <a:prstDash val="solid"/>
+                      <a:round/>
+                      <a:headEnd type="none" w="med" len="med"/>
+                      <a:tailEnd type="none" w="med" len="med"/>
+                    </a:lnT>
+                    <a:lnB w="12700" cap="flat" cmpd="sng" algn="ctr">
+                      <a:solidFill>
+                        <a:schemeClr val="tx1"/>
+                      </a:solidFill>
+                      <a:prstDash val="solid"/>
+                      <a:round/>
+                      <a:headEnd type="none" w="med" len="med"/>
+                      <a:tailEnd type="none" w="med" len="med"/>
+                    </a:lnB>
+                    <a:noFill/>
+                  </a:tcPr>
+                </a:tc>
+                <a:tc>
+                  <a:txBody>
+                    <a:bodyPr/>
+                    <a:lstStyle/>
+                    <a:p>
+                      <a:pPr algn="ctr"/>
+                      <a:r>
+                        <a:rPr kumimoji="1" lang="en-US" altLang="ja-JP" sz="2600" dirty="0" smtClean="0">
+                          <a:solidFill>
+                            <a:schemeClr val="tx1"/>
+                          </a:solidFill>
+                        </a:rPr>
+                        <a:t>4</a:t>
+                      </a:r>
+                      <a:endParaRPr kumimoji="1" lang="ja-JP" altLang="en-US" sz="2600" dirty="0">
+                        <a:solidFill>
+                          <a:schemeClr val="tx1"/>
+                        </a:solidFill>
+                      </a:endParaRPr>
+                    </a:p>
+                  </a:txBody>
+                  <a:tcPr marL="132891" marR="132891" marT="66446" marB="66446" anchor="ctr">
+                    <a:lnL w="12700" cap="flat" cmpd="sng" algn="ctr">
+                      <a:solidFill>
+                        <a:schemeClr val="tx1"/>
+                      </a:solidFill>
+                      <a:prstDash val="solid"/>
+                      <a:round/>
+                      <a:headEnd type="none" w="med" len="med"/>
+                      <a:tailEnd type="none" w="med" len="med"/>
+                    </a:lnL>
+                    <a:lnR w="12700" cap="flat" cmpd="sng" algn="ctr">
+                      <a:solidFill>
+                        <a:schemeClr val="tx1"/>
+                      </a:solidFill>
+                      <a:prstDash val="solid"/>
+                      <a:round/>
+                      <a:headEnd type="none" w="med" len="med"/>
+                      <a:tailEnd type="none" w="med" len="med"/>
+                    </a:lnR>
+                    <a:lnT w="12700" cap="flat" cmpd="sng" algn="ctr">
+                      <a:solidFill>
+                        <a:schemeClr val="tx1"/>
+                      </a:solidFill>
+                      <a:prstDash val="solid"/>
+                      <a:round/>
+                      <a:headEnd type="none" w="med" len="med"/>
+                      <a:tailEnd type="none" w="med" len="med"/>
+                    </a:lnT>
+                    <a:lnB w="12700" cap="flat" cmpd="sng" algn="ctr">
+                      <a:solidFill>
+                        <a:schemeClr val="tx1"/>
+                      </a:solidFill>
+                      <a:prstDash val="solid"/>
+                      <a:round/>
+                      <a:headEnd type="none" w="med" len="med"/>
+                      <a:tailEnd type="none" w="med" len="med"/>
+                    </a:lnB>
+                    <a:noFill/>
+                  </a:tcPr>
+                </a:tc>
+                <a:tc>
+                  <a:txBody>
+                    <a:bodyPr/>
+                    <a:lstStyle/>
+                    <a:p>
+                      <a:pPr algn="ctr"/>
+                      <a:r>
+                        <a:rPr kumimoji="1" lang="en-US" altLang="ja-JP" sz="2600" dirty="0" smtClean="0">
+                          <a:solidFill>
+                            <a:schemeClr val="tx1"/>
+                          </a:solidFill>
+                        </a:rPr>
+                        <a:t>5</a:t>
+                      </a:r>
+                      <a:endParaRPr kumimoji="1" lang="ja-JP" altLang="en-US" sz="2600" dirty="0">
+                        <a:solidFill>
+                          <a:schemeClr val="tx1"/>
+                        </a:solidFill>
+                      </a:endParaRPr>
+                    </a:p>
+                  </a:txBody>
+                  <a:tcPr marL="132891" marR="132891" marT="66446" marB="66446" anchor="ctr">
+                    <a:lnL w="12700" cap="flat" cmpd="sng" algn="ctr">
+                      <a:solidFill>
+                        <a:schemeClr val="tx1"/>
+                      </a:solidFill>
+                      <a:prstDash val="solid"/>
+                      <a:round/>
+                      <a:headEnd type="none" w="med" len="med"/>
+                      <a:tailEnd type="none" w="med" len="med"/>
+                    </a:lnL>
+                    <a:lnR w="12700" cap="flat" cmpd="sng" algn="ctr">
+                      <a:solidFill>
+                        <a:schemeClr val="tx1"/>
+                      </a:solidFill>
+                      <a:prstDash val="solid"/>
+                      <a:round/>
+                      <a:headEnd type="none" w="med" len="med"/>
+                      <a:tailEnd type="none" w="med" len="med"/>
+                    </a:lnR>
+                    <a:lnT w="12700" cap="flat" cmpd="sng" algn="ctr">
+                      <a:solidFill>
+                        <a:schemeClr val="tx1"/>
+                      </a:solidFill>
+                      <a:prstDash val="solid"/>
+                      <a:round/>
+                      <a:headEnd type="none" w="med" len="med"/>
+                      <a:tailEnd type="none" w="med" len="med"/>
+                    </a:lnT>
+                    <a:lnB w="12700" cap="flat" cmpd="sng" algn="ctr">
+                      <a:solidFill>
+                        <a:schemeClr val="tx1"/>
+                      </a:solidFill>
+                      <a:prstDash val="solid"/>
+                      <a:round/>
+                      <a:headEnd type="none" w="med" len="med"/>
+                      <a:tailEnd type="none" w="med" len="med"/>
+                    </a:lnB>
+                    <a:noFill/>
+                  </a:tcPr>
+                </a:tc>
+                <a:tc>
+                  <a:txBody>
+                    <a:bodyPr/>
+                    <a:lstStyle/>
+                    <a:p>
+                      <a:pPr algn="ctr"/>
+                      <a:r>
+                        <a:rPr kumimoji="1" lang="en-US" altLang="ja-JP" sz="2600" dirty="0" smtClean="0">
+                          <a:solidFill>
+                            <a:schemeClr val="tx1"/>
+                          </a:solidFill>
+                        </a:rPr>
+                        <a:t>5</a:t>
+                      </a:r>
+                      <a:endParaRPr kumimoji="1" lang="ja-JP" altLang="en-US" sz="2600" dirty="0">
+                        <a:solidFill>
+                          <a:schemeClr val="tx1"/>
+                        </a:solidFill>
+                      </a:endParaRPr>
+                    </a:p>
+                  </a:txBody>
+                  <a:tcPr marL="132891" marR="132891" marT="66446" marB="66446" anchor="ctr">
+                    <a:lnL w="12700" cap="flat" cmpd="sng" algn="ctr">
+                      <a:solidFill>
+                        <a:schemeClr val="tx1"/>
+                      </a:solidFill>
+                      <a:prstDash val="solid"/>
+                      <a:round/>
+                      <a:headEnd type="none" w="med" len="med"/>
+                      <a:tailEnd type="none" w="med" len="med"/>
+                    </a:lnL>
+                    <a:lnR w="12700" cap="flat" cmpd="sng" algn="ctr">
+                      <a:solidFill>
+                        <a:schemeClr val="tx1"/>
+                      </a:solidFill>
+                      <a:prstDash val="solid"/>
+                      <a:round/>
+                      <a:headEnd type="none" w="med" len="med"/>
+                      <a:tailEnd type="none" w="med" len="med"/>
+                    </a:lnR>
+                    <a:lnT w="12700" cap="flat" cmpd="sng" algn="ctr">
+                      <a:solidFill>
+                        <a:schemeClr val="tx1"/>
+                      </a:solidFill>
+                      <a:prstDash val="solid"/>
+                      <a:round/>
+                      <a:headEnd type="none" w="med" len="med"/>
+                      <a:tailEnd type="none" w="med" len="med"/>
+                    </a:lnT>
+                    <a:lnB w="12700" cap="flat" cmpd="sng" algn="ctr">
+                      <a:solidFill>
+                        <a:schemeClr val="tx1"/>
+                      </a:solidFill>
+                      <a:prstDash val="solid"/>
+                      <a:round/>
+                      <a:headEnd type="none" w="med" len="med"/>
+                      <a:tailEnd type="none" w="med" len="med"/>
+                    </a:lnB>
+                    <a:noFill/>
+                  </a:tcPr>
+                </a:tc>
+                <a:tc>
+                  <a:txBody>
+                    <a:bodyPr/>
+                    <a:lstStyle/>
+                    <a:p>
+                      <a:pPr algn="ctr"/>
+                      <a:r>
+                        <a:rPr kumimoji="1" lang="en-US" altLang="ja-JP" sz="2600" dirty="0" smtClean="0">
+                          <a:solidFill>
+                            <a:schemeClr val="tx1"/>
+                          </a:solidFill>
+                        </a:rPr>
+                        <a:t>6</a:t>
+                      </a:r>
+                      <a:endParaRPr kumimoji="1" lang="ja-JP" altLang="en-US" sz="2600" dirty="0">
+                        <a:solidFill>
+                          <a:schemeClr val="tx1"/>
+                        </a:solidFill>
+                      </a:endParaRPr>
+                    </a:p>
+                  </a:txBody>
+                  <a:tcPr marL="132891" marR="132891" marT="66446" marB="66446" anchor="ctr">
+                    <a:lnL w="12700" cap="flat" cmpd="sng" algn="ctr">
+                      <a:solidFill>
+                        <a:schemeClr val="tx1"/>
+                      </a:solidFill>
+                      <a:prstDash val="solid"/>
+                      <a:round/>
+                      <a:headEnd type="none" w="med" len="med"/>
+                      <a:tailEnd type="none" w="med" len="med"/>
+                    </a:lnL>
+                    <a:lnR w="12700" cap="flat" cmpd="sng" algn="ctr">
+                      <a:solidFill>
+                        <a:schemeClr val="tx1"/>
+                      </a:solidFill>
+                      <a:prstDash val="solid"/>
+                      <a:round/>
+                      <a:headEnd type="none" w="med" len="med"/>
+                      <a:tailEnd type="none" w="med" len="med"/>
+                    </a:lnR>
+                    <a:lnT w="12700" cap="flat" cmpd="sng" algn="ctr">
+                      <a:solidFill>
+                        <a:schemeClr val="tx1"/>
+                      </a:solidFill>
+                      <a:prstDash val="solid"/>
+                      <a:round/>
+                      <a:headEnd type="none" w="med" len="med"/>
+                      <a:tailEnd type="none" w="med" len="med"/>
+                    </a:lnT>
+                    <a:lnB w="12700" cap="flat" cmpd="sng" algn="ctr">
+                      <a:solidFill>
+                        <a:schemeClr val="tx1"/>
+                      </a:solidFill>
+                      <a:prstDash val="solid"/>
+                      <a:round/>
+                      <a:headEnd type="none" w="med" len="med"/>
+                      <a:tailEnd type="none" w="med" len="med"/>
+                    </a:lnB>
+                    <a:noFill/>
+                  </a:tcPr>
+                </a:tc>
+                <a:tc>
+                  <a:txBody>
+                    <a:bodyPr/>
+                    <a:lstStyle/>
+                    <a:p>
+                      <a:pPr algn="ctr"/>
+                      <a:r>
+                        <a:rPr kumimoji="1" lang="en-US" altLang="ja-JP" sz="2600" dirty="0" smtClean="0">
+                          <a:solidFill>
+                            <a:schemeClr val="tx1"/>
+                          </a:solidFill>
+                        </a:rPr>
+                        <a:t>6</a:t>
+                      </a:r>
+                      <a:endParaRPr kumimoji="1" lang="ja-JP" altLang="en-US" sz="2600" dirty="0">
+                        <a:solidFill>
+                          <a:schemeClr val="tx1"/>
+                        </a:solidFill>
+                      </a:endParaRPr>
+                    </a:p>
+                  </a:txBody>
+                  <a:tcPr marL="132891" marR="132891" marT="66446" marB="66446" anchor="ctr">
+                    <a:lnL w="12700" cap="flat" cmpd="sng" algn="ctr">
+                      <a:solidFill>
+                        <a:schemeClr val="tx1"/>
+                      </a:solidFill>
+                      <a:prstDash val="solid"/>
+                      <a:round/>
+                      <a:headEnd type="none" w="med" len="med"/>
+                      <a:tailEnd type="none" w="med" len="med"/>
+                    </a:lnL>
+                    <a:lnR w="12700" cap="flat" cmpd="sng" algn="ctr">
+                      <a:solidFill>
+                        <a:schemeClr val="tx1"/>
+                      </a:solidFill>
+                      <a:prstDash val="solid"/>
+                      <a:round/>
+                      <a:headEnd type="none" w="med" len="med"/>
+                      <a:tailEnd type="none" w="med" len="med"/>
+                    </a:lnR>
+                    <a:lnT w="12700" cap="flat" cmpd="sng" algn="ctr">
+                      <a:solidFill>
+                        <a:schemeClr val="tx1"/>
+                      </a:solidFill>
+                      <a:prstDash val="solid"/>
+                      <a:round/>
+                      <a:headEnd type="none" w="med" len="med"/>
+                      <a:tailEnd type="none" w="med" len="med"/>
+                    </a:lnT>
+                    <a:lnB w="12700" cap="flat" cmpd="sng" algn="ctr">
+                      <a:solidFill>
+                        <a:schemeClr val="tx1"/>
+                      </a:solidFill>
+                      <a:prstDash val="solid"/>
+                      <a:round/>
+                      <a:headEnd type="none" w="med" len="med"/>
+                      <a:tailEnd type="none" w="med" len="med"/>
+                    </a:lnB>
+                    <a:noFill/>
+                  </a:tcPr>
+                </a:tc>
+                <a:tc>
+                  <a:txBody>
+                    <a:bodyPr/>
+                    <a:lstStyle/>
+                    <a:p>
+                      <a:pPr algn="ctr"/>
+                      <a:r>
+                        <a:rPr kumimoji="1" lang="en-US" altLang="ja-JP" sz="2600" dirty="0" smtClean="0">
+                          <a:solidFill>
+                            <a:schemeClr val="tx1"/>
+                          </a:solidFill>
+                        </a:rPr>
+                        <a:t>4</a:t>
+                      </a:r>
+                      <a:endParaRPr kumimoji="1" lang="ja-JP" altLang="en-US" sz="2600" dirty="0">
+                        <a:solidFill>
+                          <a:schemeClr val="tx1"/>
+                        </a:solidFill>
+                      </a:endParaRPr>
+                    </a:p>
+                  </a:txBody>
+                  <a:tcPr marL="132891" marR="132891" marT="66446" marB="66446" anchor="ctr">
+                    <a:lnL w="12700" cap="flat" cmpd="sng" algn="ctr">
+                      <a:solidFill>
+                        <a:schemeClr val="tx1"/>
+                      </a:solidFill>
+                      <a:prstDash val="solid"/>
+                      <a:round/>
+                      <a:headEnd type="none" w="med" len="med"/>
+                      <a:tailEnd type="none" w="med" len="med"/>
+                    </a:lnL>
+                    <a:lnR w="12700" cap="flat" cmpd="sng" algn="ctr">
+                      <a:solidFill>
+                        <a:schemeClr val="tx1"/>
+                      </a:solidFill>
+                      <a:prstDash val="solid"/>
+                      <a:round/>
+                      <a:headEnd type="none" w="med" len="med"/>
+                      <a:tailEnd type="none" w="med" len="med"/>
+                    </a:lnR>
+                    <a:lnT w="12700" cap="flat" cmpd="sng" algn="ctr">
+                      <a:solidFill>
+                        <a:schemeClr val="tx1"/>
+                      </a:solidFill>
+                      <a:prstDash val="solid"/>
+                      <a:round/>
+                      <a:headEnd type="none" w="med" len="med"/>
+                      <a:tailEnd type="none" w="med" len="med"/>
+                    </a:lnT>
+                    <a:lnB w="12700" cap="flat" cmpd="sng" algn="ctr">
+                      <a:solidFill>
+                        <a:schemeClr val="tx1"/>
+                      </a:solidFill>
+                      <a:prstDash val="solid"/>
+                      <a:round/>
+                      <a:headEnd type="none" w="med" len="med"/>
+                      <a:tailEnd type="none" w="med" len="med"/>
+                    </a:lnB>
+                    <a:noFill/>
+                  </a:tcPr>
+                </a:tc>
+                <a:tc>
+                  <a:txBody>
+                    <a:bodyPr/>
+                    <a:lstStyle/>
+                    <a:p>
+                      <a:pPr algn="ctr"/>
+                      <a:r>
+                        <a:rPr kumimoji="1" lang="en-US" altLang="ja-JP" sz="2600" dirty="0" smtClean="0">
+                          <a:solidFill>
+                            <a:schemeClr val="tx1"/>
+                          </a:solidFill>
+                        </a:rPr>
+                        <a:t>0</a:t>
+                      </a:r>
+                      <a:endParaRPr kumimoji="1" lang="ja-JP" altLang="en-US" sz="2600" dirty="0">
+                        <a:solidFill>
+                          <a:schemeClr val="tx1"/>
+                        </a:solidFill>
+                      </a:endParaRPr>
+                    </a:p>
+                  </a:txBody>
+                  <a:tcPr marL="132891" marR="132891" marT="66446" marB="66446" anchor="ctr">
+                    <a:lnL w="12700" cap="flat" cmpd="sng" algn="ctr">
+                      <a:solidFill>
+                        <a:schemeClr val="tx1"/>
+                      </a:solidFill>
+                      <a:prstDash val="solid"/>
+                      <a:round/>
+                      <a:headEnd type="none" w="med" len="med"/>
+                      <a:tailEnd type="none" w="med" len="med"/>
+                    </a:lnL>
+                    <a:lnR w="12700" cap="flat" cmpd="sng" algn="ctr">
+                      <a:solidFill>
+                        <a:schemeClr val="tx1"/>
+                      </a:solidFill>
+                      <a:prstDash val="solid"/>
+                      <a:round/>
+                      <a:headEnd type="none" w="med" len="med"/>
+                      <a:tailEnd type="none" w="med" len="med"/>
+                    </a:lnR>
+                    <a:lnT w="12700" cap="flat" cmpd="sng" algn="ctr">
+                      <a:solidFill>
+                        <a:schemeClr val="tx1"/>
+                      </a:solidFill>
+                      <a:prstDash val="solid"/>
+                      <a:round/>
+                      <a:headEnd type="none" w="med" len="med"/>
+                      <a:tailEnd type="none" w="med" len="med"/>
+                    </a:lnT>
+                    <a:lnB w="12700" cap="flat" cmpd="sng" algn="ctr">
+                      <a:solidFill>
+                        <a:schemeClr val="tx1"/>
+                      </a:solidFill>
+                      <a:prstDash val="solid"/>
+                      <a:round/>
+                      <a:headEnd type="none" w="med" len="med"/>
+                      <a:tailEnd type="none" w="med" len="med"/>
+                    </a:lnB>
+                    <a:noFill/>
+                  </a:tcPr>
+                </a:tc>
+              </a:tr>
+            </a:tbl>
+          </a:graphicData>
+        </a:graphic>
+      </p:graphicFrame>
     </p:spTree>
     <p:extLst>
       <p:ext uri="{BB962C8B-B14F-4D97-AF65-F5344CB8AC3E}">
-        <p14:creationId xmlns:p14="http://schemas.microsoft.com/office/powerpoint/2010/main" val="2146303716"/>
+        <p14:creationId xmlns:p14="http://schemas.microsoft.com/office/powerpoint/2010/main" val="3049068613"/>
       </p:ext>
     </p:extLst>
   </p:cSld>
@@ -4082,742 +5534,6 @@
       </p:par>
     </p:tnLst>
   </p:timing>
-</p:sld>
-</file>
-
-<file path=ppt/slides/slide3.xml><?xml version="1.0" encoding="utf-8"?>
-<p:sld xmlns:a="http://schemas.openxmlformats.org/drawingml/2006/main" xmlns:r="http://schemas.openxmlformats.org/officeDocument/2006/relationships" xmlns:p="http://schemas.openxmlformats.org/presentationml/2006/main">
-  <p:cSld>
-    <p:spTree>
-      <p:nvGrpSpPr>
-        <p:cNvPr id="1" name=""/>
-        <p:cNvGrpSpPr/>
-        <p:nvPr/>
-      </p:nvGrpSpPr>
-      <p:grpSpPr>
-        <a:xfrm>
-          <a:off x="0" y="0"/>
-          <a:ext cx="0" cy="0"/>
-          <a:chOff x="0" y="0"/>
-          <a:chExt cx="0" cy="0"/>
-        </a:xfrm>
-      </p:grpSpPr>
-      <p:sp>
-        <p:nvSpPr>
-          <p:cNvPr id="2" name="タイトル 1"/>
-          <p:cNvSpPr>
-            <a:spLocks noGrp="1"/>
-          </p:cNvSpPr>
-          <p:nvPr>
-            <p:ph type="title"/>
-          </p:nvPr>
-        </p:nvSpPr>
-        <p:spPr/>
-        <p:txBody>
-          <a:bodyPr/>
-          <a:lstStyle/>
-          <a:p>
-            <a:r>
-              <a:rPr lang="ja-JP" altLang="en-US" dirty="0" smtClean="0"/>
-              <a:t>オイラーツアー</a:t>
-            </a:r>
-            <a:endParaRPr kumimoji="1" lang="ja-JP" altLang="en-US" dirty="0"/>
-          </a:p>
-        </p:txBody>
-      </p:sp>
-      <p:cxnSp>
-        <p:nvCxnSpPr>
-          <p:cNvPr id="4" name="直線コネクタ 3"/>
-          <p:cNvCxnSpPr/>
-          <p:nvPr/>
-        </p:nvCxnSpPr>
-        <p:spPr>
-          <a:xfrm>
-            <a:off x="3032212" y="2227102"/>
-            <a:ext cx="0" cy="914400"/>
-          </a:xfrm>
-          <a:prstGeom prst="line">
-            <a:avLst/>
-          </a:prstGeom>
-          <a:ln w="57150">
-            <a:solidFill>
-              <a:schemeClr val="accent6">
-                <a:lumMod val="75000"/>
-              </a:schemeClr>
-            </a:solidFill>
-          </a:ln>
-        </p:spPr>
-        <p:style>
-          <a:lnRef idx="1">
-            <a:schemeClr val="accent1"/>
-          </a:lnRef>
-          <a:fillRef idx="0">
-            <a:schemeClr val="accent1"/>
-          </a:fillRef>
-          <a:effectRef idx="0">
-            <a:schemeClr val="accent1"/>
-          </a:effectRef>
-          <a:fontRef idx="minor">
-            <a:schemeClr val="tx1"/>
-          </a:fontRef>
-        </p:style>
-      </p:cxnSp>
-      <p:cxnSp>
-        <p:nvCxnSpPr>
-          <p:cNvPr id="5" name="直線コネクタ 4"/>
-          <p:cNvCxnSpPr/>
-          <p:nvPr/>
-        </p:nvCxnSpPr>
-        <p:spPr>
-          <a:xfrm>
-            <a:off x="3032212" y="3141502"/>
-            <a:ext cx="2763924" cy="0"/>
-          </a:xfrm>
-          <a:prstGeom prst="line">
-            <a:avLst/>
-          </a:prstGeom>
-          <a:ln w="57150">
-            <a:solidFill>
-              <a:schemeClr val="accent6">
-                <a:lumMod val="75000"/>
-              </a:schemeClr>
-            </a:solidFill>
-          </a:ln>
-        </p:spPr>
-        <p:style>
-          <a:lnRef idx="1">
-            <a:schemeClr val="accent1"/>
-          </a:lnRef>
-          <a:fillRef idx="0">
-            <a:schemeClr val="accent1"/>
-          </a:fillRef>
-          <a:effectRef idx="0">
-            <a:schemeClr val="accent1"/>
-          </a:effectRef>
-          <a:fontRef idx="minor">
-            <a:schemeClr val="tx1"/>
-          </a:fontRef>
-        </p:style>
-      </p:cxnSp>
-      <p:cxnSp>
-        <p:nvCxnSpPr>
-          <p:cNvPr id="6" name="直線コネクタ 5"/>
-          <p:cNvCxnSpPr/>
-          <p:nvPr/>
-        </p:nvCxnSpPr>
-        <p:spPr>
-          <a:xfrm>
-            <a:off x="5770875" y="2204864"/>
-            <a:ext cx="0" cy="914400"/>
-          </a:xfrm>
-          <a:prstGeom prst="line">
-            <a:avLst/>
-          </a:prstGeom>
-          <a:ln w="57150">
-            <a:solidFill>
-              <a:schemeClr val="accent6">
-                <a:lumMod val="75000"/>
-              </a:schemeClr>
-            </a:solidFill>
-          </a:ln>
-        </p:spPr>
-        <p:style>
-          <a:lnRef idx="1">
-            <a:schemeClr val="accent1"/>
-          </a:lnRef>
-          <a:fillRef idx="0">
-            <a:schemeClr val="accent1"/>
-          </a:fillRef>
-          <a:effectRef idx="0">
-            <a:schemeClr val="accent1"/>
-          </a:effectRef>
-          <a:fontRef idx="minor">
-            <a:schemeClr val="tx1"/>
-          </a:fontRef>
-        </p:style>
-      </p:cxnSp>
-      <p:cxnSp>
-        <p:nvCxnSpPr>
-          <p:cNvPr id="7" name="直線コネクタ 6"/>
-          <p:cNvCxnSpPr/>
-          <p:nvPr/>
-        </p:nvCxnSpPr>
-        <p:spPr>
-          <a:xfrm>
-            <a:off x="3760676" y="1180590"/>
-            <a:ext cx="0" cy="914400"/>
-          </a:xfrm>
-          <a:prstGeom prst="line">
-            <a:avLst/>
-          </a:prstGeom>
-          <a:ln w="38100">
-            <a:solidFill>
-              <a:schemeClr val="accent1"/>
-            </a:solidFill>
-          </a:ln>
-        </p:spPr>
-        <p:style>
-          <a:lnRef idx="1">
-            <a:schemeClr val="accent1"/>
-          </a:lnRef>
-          <a:fillRef idx="0">
-            <a:schemeClr val="accent1"/>
-          </a:fillRef>
-          <a:effectRef idx="0">
-            <a:schemeClr val="accent1"/>
-          </a:effectRef>
-          <a:fontRef idx="minor">
-            <a:schemeClr val="tx1"/>
-          </a:fontRef>
-        </p:style>
-      </p:cxnSp>
-      <p:cxnSp>
-        <p:nvCxnSpPr>
-          <p:cNvPr id="8" name="直線コネクタ 7"/>
-          <p:cNvCxnSpPr/>
-          <p:nvPr/>
-        </p:nvCxnSpPr>
-        <p:spPr>
-          <a:xfrm>
-            <a:off x="3760676" y="2094990"/>
-            <a:ext cx="1387388" cy="0"/>
-          </a:xfrm>
-          <a:prstGeom prst="line">
-            <a:avLst/>
-          </a:prstGeom>
-          <a:ln w="38100">
-            <a:solidFill>
-              <a:schemeClr val="accent1"/>
-            </a:solidFill>
-          </a:ln>
-        </p:spPr>
-        <p:style>
-          <a:lnRef idx="1">
-            <a:schemeClr val="accent1"/>
-          </a:lnRef>
-          <a:fillRef idx="0">
-            <a:schemeClr val="accent1"/>
-          </a:fillRef>
-          <a:effectRef idx="0">
-            <a:schemeClr val="accent1"/>
-          </a:effectRef>
-          <a:fontRef idx="minor">
-            <a:schemeClr val="tx1"/>
-          </a:fontRef>
-        </p:style>
-      </p:cxnSp>
-      <p:cxnSp>
-        <p:nvCxnSpPr>
-          <p:cNvPr id="9" name="直線コネクタ 8"/>
-          <p:cNvCxnSpPr/>
-          <p:nvPr/>
-        </p:nvCxnSpPr>
-        <p:spPr>
-          <a:xfrm>
-            <a:off x="5148064" y="1194589"/>
-            <a:ext cx="0" cy="914400"/>
-          </a:xfrm>
-          <a:prstGeom prst="line">
-            <a:avLst/>
-          </a:prstGeom>
-          <a:ln w="38100">
-            <a:solidFill>
-              <a:schemeClr val="accent1"/>
-            </a:solidFill>
-          </a:ln>
-        </p:spPr>
-        <p:style>
-          <a:lnRef idx="1">
-            <a:schemeClr val="accent1"/>
-          </a:lnRef>
-          <a:fillRef idx="0">
-            <a:schemeClr val="accent1"/>
-          </a:fillRef>
-          <a:effectRef idx="0">
-            <a:schemeClr val="accent1"/>
-          </a:effectRef>
-          <a:fontRef idx="minor">
-            <a:schemeClr val="tx1"/>
-          </a:fontRef>
-        </p:style>
-      </p:cxnSp>
-      <p:cxnSp>
-        <p:nvCxnSpPr>
-          <p:cNvPr id="11" name="直線コネクタ 10"/>
-          <p:cNvCxnSpPr/>
-          <p:nvPr/>
-        </p:nvCxnSpPr>
-        <p:spPr>
-          <a:xfrm>
-            <a:off x="2411760" y="3356992"/>
-            <a:ext cx="0" cy="914400"/>
-          </a:xfrm>
-          <a:prstGeom prst="line">
-            <a:avLst/>
-          </a:prstGeom>
-          <a:ln w="38100">
-            <a:solidFill>
-              <a:schemeClr val="accent1"/>
-            </a:solidFill>
-          </a:ln>
-        </p:spPr>
-        <p:style>
-          <a:lnRef idx="1">
-            <a:schemeClr val="accent1"/>
-          </a:lnRef>
-          <a:fillRef idx="0">
-            <a:schemeClr val="accent1"/>
-          </a:fillRef>
-          <a:effectRef idx="0">
-            <a:schemeClr val="accent1"/>
-          </a:effectRef>
-          <a:fontRef idx="minor">
-            <a:schemeClr val="tx1"/>
-          </a:fontRef>
-        </p:style>
-      </p:cxnSp>
-      <p:cxnSp>
-        <p:nvCxnSpPr>
-          <p:cNvPr id="12" name="直線コネクタ 11"/>
-          <p:cNvCxnSpPr/>
-          <p:nvPr/>
-        </p:nvCxnSpPr>
-        <p:spPr>
-          <a:xfrm>
-            <a:off x="2411760" y="4271392"/>
-            <a:ext cx="4176464" cy="0"/>
-          </a:xfrm>
-          <a:prstGeom prst="line">
-            <a:avLst/>
-          </a:prstGeom>
-          <a:ln w="38100">
-            <a:solidFill>
-              <a:schemeClr val="accent1"/>
-            </a:solidFill>
-          </a:ln>
-        </p:spPr>
-        <p:style>
-          <a:lnRef idx="1">
-            <a:schemeClr val="accent1"/>
-          </a:lnRef>
-          <a:fillRef idx="0">
-            <a:schemeClr val="accent1"/>
-          </a:fillRef>
-          <a:effectRef idx="0">
-            <a:schemeClr val="accent1"/>
-          </a:effectRef>
-          <a:fontRef idx="minor">
-            <a:schemeClr val="tx1"/>
-          </a:fontRef>
-        </p:style>
-      </p:cxnSp>
-      <p:cxnSp>
-        <p:nvCxnSpPr>
-          <p:cNvPr id="13" name="直線コネクタ 12"/>
-          <p:cNvCxnSpPr/>
-          <p:nvPr/>
-        </p:nvCxnSpPr>
-        <p:spPr>
-          <a:xfrm>
-            <a:off x="6588224" y="3394858"/>
-            <a:ext cx="0" cy="914400"/>
-          </a:xfrm>
-          <a:prstGeom prst="line">
-            <a:avLst/>
-          </a:prstGeom>
-          <a:ln w="38100">
-            <a:solidFill>
-              <a:schemeClr val="accent1"/>
-            </a:solidFill>
-          </a:ln>
-        </p:spPr>
-        <p:style>
-          <a:lnRef idx="1">
-            <a:schemeClr val="accent1"/>
-          </a:lnRef>
-          <a:fillRef idx="0">
-            <a:schemeClr val="accent1"/>
-          </a:fillRef>
-          <a:effectRef idx="0">
-            <a:schemeClr val="accent1"/>
-          </a:effectRef>
-          <a:fontRef idx="minor">
-            <a:schemeClr val="tx1"/>
-          </a:fontRef>
-        </p:style>
-      </p:cxnSp>
-      <p:cxnSp>
-        <p:nvCxnSpPr>
-          <p:cNvPr id="26" name="直線コネクタ 25"/>
-          <p:cNvCxnSpPr/>
-          <p:nvPr/>
-        </p:nvCxnSpPr>
-        <p:spPr>
-          <a:xfrm>
-            <a:off x="592324" y="2223375"/>
-            <a:ext cx="0" cy="914400"/>
-          </a:xfrm>
-          <a:prstGeom prst="line">
-            <a:avLst/>
-          </a:prstGeom>
-          <a:ln w="38100">
-            <a:solidFill>
-              <a:schemeClr val="accent1"/>
-            </a:solidFill>
-          </a:ln>
-        </p:spPr>
-        <p:style>
-          <a:lnRef idx="1">
-            <a:schemeClr val="accent1"/>
-          </a:lnRef>
-          <a:fillRef idx="0">
-            <a:schemeClr val="accent1"/>
-          </a:fillRef>
-          <a:effectRef idx="0">
-            <a:schemeClr val="accent1"/>
-          </a:effectRef>
-          <a:fontRef idx="minor">
-            <a:schemeClr val="tx1"/>
-          </a:fontRef>
-        </p:style>
-      </p:cxnSp>
-      <p:cxnSp>
-        <p:nvCxnSpPr>
-          <p:cNvPr id="27" name="直線コネクタ 26"/>
-          <p:cNvCxnSpPr/>
-          <p:nvPr/>
-        </p:nvCxnSpPr>
-        <p:spPr>
-          <a:xfrm>
-            <a:off x="592324" y="3137775"/>
-            <a:ext cx="1387388" cy="0"/>
-          </a:xfrm>
-          <a:prstGeom prst="line">
-            <a:avLst/>
-          </a:prstGeom>
-          <a:ln w="38100">
-            <a:solidFill>
-              <a:schemeClr val="accent1"/>
-            </a:solidFill>
-          </a:ln>
-        </p:spPr>
-        <p:style>
-          <a:lnRef idx="1">
-            <a:schemeClr val="accent1"/>
-          </a:lnRef>
-          <a:fillRef idx="0">
-            <a:schemeClr val="accent1"/>
-          </a:fillRef>
-          <a:effectRef idx="0">
-            <a:schemeClr val="accent1"/>
-          </a:effectRef>
-          <a:fontRef idx="minor">
-            <a:schemeClr val="tx1"/>
-          </a:fontRef>
-        </p:style>
-      </p:cxnSp>
-      <p:cxnSp>
-        <p:nvCxnSpPr>
-          <p:cNvPr id="28" name="直線コネクタ 27"/>
-          <p:cNvCxnSpPr/>
-          <p:nvPr/>
-        </p:nvCxnSpPr>
-        <p:spPr>
-          <a:xfrm>
-            <a:off x="1979712" y="2237374"/>
-            <a:ext cx="0" cy="914400"/>
-          </a:xfrm>
-          <a:prstGeom prst="line">
-            <a:avLst/>
-          </a:prstGeom>
-          <a:ln w="38100">
-            <a:solidFill>
-              <a:schemeClr val="accent1"/>
-            </a:solidFill>
-          </a:ln>
-        </p:spPr>
-        <p:style>
-          <a:lnRef idx="1">
-            <a:schemeClr val="accent1"/>
-          </a:lnRef>
-          <a:fillRef idx="0">
-            <a:schemeClr val="accent1"/>
-          </a:fillRef>
-          <a:effectRef idx="0">
-            <a:schemeClr val="accent1"/>
-          </a:effectRef>
-          <a:fontRef idx="minor">
-            <a:schemeClr val="tx1"/>
-          </a:fontRef>
-        </p:style>
-      </p:cxnSp>
-      <p:cxnSp>
-        <p:nvCxnSpPr>
-          <p:cNvPr id="29" name="直線コネクタ 28"/>
-          <p:cNvCxnSpPr/>
-          <p:nvPr/>
-        </p:nvCxnSpPr>
-        <p:spPr>
-          <a:xfrm>
-            <a:off x="6948264" y="2227102"/>
-            <a:ext cx="0" cy="914400"/>
-          </a:xfrm>
-          <a:prstGeom prst="line">
-            <a:avLst/>
-          </a:prstGeom>
-          <a:ln w="38100">
-            <a:solidFill>
-              <a:schemeClr val="accent1"/>
-            </a:solidFill>
-          </a:ln>
-        </p:spPr>
-        <p:style>
-          <a:lnRef idx="1">
-            <a:schemeClr val="accent1"/>
-          </a:lnRef>
-          <a:fillRef idx="0">
-            <a:schemeClr val="accent1"/>
-          </a:fillRef>
-          <a:effectRef idx="0">
-            <a:schemeClr val="accent1"/>
-          </a:effectRef>
-          <a:fontRef idx="minor">
-            <a:schemeClr val="tx1"/>
-          </a:fontRef>
-        </p:style>
-      </p:cxnSp>
-      <p:cxnSp>
-        <p:nvCxnSpPr>
-          <p:cNvPr id="30" name="直線コネクタ 29"/>
-          <p:cNvCxnSpPr/>
-          <p:nvPr/>
-        </p:nvCxnSpPr>
-        <p:spPr>
-          <a:xfrm>
-            <a:off x="6948264" y="3141502"/>
-            <a:ext cx="1387388" cy="0"/>
-          </a:xfrm>
-          <a:prstGeom prst="line">
-            <a:avLst/>
-          </a:prstGeom>
-          <a:ln w="38100">
-            <a:solidFill>
-              <a:schemeClr val="accent1"/>
-            </a:solidFill>
-          </a:ln>
-        </p:spPr>
-        <p:style>
-          <a:lnRef idx="1">
-            <a:schemeClr val="accent1"/>
-          </a:lnRef>
-          <a:fillRef idx="0">
-            <a:schemeClr val="accent1"/>
-          </a:fillRef>
-          <a:effectRef idx="0">
-            <a:schemeClr val="accent1"/>
-          </a:effectRef>
-          <a:fontRef idx="minor">
-            <a:schemeClr val="tx1"/>
-          </a:fontRef>
-        </p:style>
-      </p:cxnSp>
-      <p:cxnSp>
-        <p:nvCxnSpPr>
-          <p:cNvPr id="31" name="直線コネクタ 30"/>
-          <p:cNvCxnSpPr/>
-          <p:nvPr/>
-        </p:nvCxnSpPr>
-        <p:spPr>
-          <a:xfrm>
-            <a:off x="8335652" y="2241101"/>
-            <a:ext cx="0" cy="914400"/>
-          </a:xfrm>
-          <a:prstGeom prst="line">
-            <a:avLst/>
-          </a:prstGeom>
-          <a:ln w="38100">
-            <a:solidFill>
-              <a:schemeClr val="accent1"/>
-            </a:solidFill>
-          </a:ln>
-        </p:spPr>
-        <p:style>
-          <a:lnRef idx="1">
-            <a:schemeClr val="accent1"/>
-          </a:lnRef>
-          <a:fillRef idx="0">
-            <a:schemeClr val="accent1"/>
-          </a:fillRef>
-          <a:effectRef idx="0">
-            <a:schemeClr val="accent1"/>
-          </a:effectRef>
-          <a:fontRef idx="minor">
-            <a:schemeClr val="tx1"/>
-          </a:fontRef>
-        </p:style>
-      </p:cxnSp>
-      <p:sp>
-        <p:nvSpPr>
-          <p:cNvPr id="33" name="テキスト ボックス 32"/>
-          <p:cNvSpPr txBox="1"/>
-          <p:nvPr/>
-        </p:nvSpPr>
-        <p:spPr>
-          <a:xfrm>
-            <a:off x="1118955" y="4797152"/>
-            <a:ext cx="6768752" cy="584775"/>
-          </a:xfrm>
-          <a:prstGeom prst="rect">
-            <a:avLst/>
-          </a:prstGeom>
-          <a:noFill/>
-        </p:spPr>
-        <p:txBody>
-          <a:bodyPr wrap="square" rtlCol="0">
-            <a:spAutoFit/>
-          </a:bodyPr>
-          <a:lstStyle/>
-          <a:p>
-            <a:r>
-              <a:rPr lang="ja-JP" altLang="en-US" sz="3200" dirty="0" smtClean="0"/>
-              <a:t>ある頂点と別の頂点の関係は４通りだけ</a:t>
-            </a:r>
-            <a:endParaRPr kumimoji="1" lang="ja-JP" altLang="en-US" sz="3200" dirty="0"/>
-          </a:p>
-        </p:txBody>
-      </p:sp>
-      <p:sp>
-        <p:nvSpPr>
-          <p:cNvPr id="34" name="円/楕円 33"/>
-          <p:cNvSpPr/>
-          <p:nvPr/>
-        </p:nvSpPr>
-        <p:spPr>
-          <a:xfrm>
-            <a:off x="179512" y="1484784"/>
-            <a:ext cx="2304256" cy="2304256"/>
-          </a:xfrm>
-          <a:prstGeom prst="ellipse">
-            <a:avLst/>
-          </a:prstGeom>
-          <a:noFill/>
-          <a:ln w="57150">
-            <a:solidFill>
-              <a:srgbClr val="FF0000"/>
-            </a:solidFill>
-          </a:ln>
-        </p:spPr>
-        <p:style>
-          <a:lnRef idx="2">
-            <a:schemeClr val="accent1">
-              <a:shade val="50000"/>
-            </a:schemeClr>
-          </a:lnRef>
-          <a:fillRef idx="1">
-            <a:schemeClr val="accent1"/>
-          </a:fillRef>
-          <a:effectRef idx="0">
-            <a:schemeClr val="accent1"/>
-          </a:effectRef>
-          <a:fontRef idx="minor">
-            <a:schemeClr val="lt1"/>
-          </a:fontRef>
-        </p:style>
-        <p:txBody>
-          <a:bodyPr rtlCol="0" anchor="ctr"/>
-          <a:lstStyle/>
-          <a:p>
-            <a:pPr algn="ctr"/>
-            <a:endParaRPr kumimoji="1" lang="ja-JP" altLang="en-US"/>
-          </a:p>
-        </p:txBody>
-      </p:sp>
-      <p:sp>
-        <p:nvSpPr>
-          <p:cNvPr id="35" name="円/楕円 34"/>
-          <p:cNvSpPr/>
-          <p:nvPr/>
-        </p:nvSpPr>
-        <p:spPr>
-          <a:xfrm>
-            <a:off x="6516216" y="1484784"/>
-            <a:ext cx="2304256" cy="2304256"/>
-          </a:xfrm>
-          <a:prstGeom prst="ellipse">
-            <a:avLst/>
-          </a:prstGeom>
-          <a:noFill/>
-          <a:ln w="57150">
-            <a:solidFill>
-              <a:srgbClr val="FF0000"/>
-            </a:solidFill>
-          </a:ln>
-        </p:spPr>
-        <p:style>
-          <a:lnRef idx="2">
-            <a:schemeClr val="accent1">
-              <a:shade val="50000"/>
-            </a:schemeClr>
-          </a:lnRef>
-          <a:fillRef idx="1">
-            <a:schemeClr val="accent1"/>
-          </a:fillRef>
-          <a:effectRef idx="0">
-            <a:schemeClr val="accent1"/>
-          </a:effectRef>
-          <a:fontRef idx="minor">
-            <a:schemeClr val="lt1"/>
-          </a:fontRef>
-        </p:style>
-        <p:txBody>
-          <a:bodyPr rtlCol="0" anchor="ctr"/>
-          <a:lstStyle/>
-          <a:p>
-            <a:pPr algn="ctr"/>
-            <a:endParaRPr kumimoji="1" lang="ja-JP" altLang="en-US"/>
-          </a:p>
-        </p:txBody>
-      </p:sp>
-      <p:sp>
-        <p:nvSpPr>
-          <p:cNvPr id="36" name="テキスト ボックス 35"/>
-          <p:cNvSpPr txBox="1"/>
-          <p:nvPr/>
-        </p:nvSpPr>
-        <p:spPr>
-          <a:xfrm>
-            <a:off x="1115616" y="5540051"/>
-            <a:ext cx="6768752" cy="584775"/>
-          </a:xfrm>
-          <a:prstGeom prst="rect">
-            <a:avLst/>
-          </a:prstGeom>
-          <a:noFill/>
-        </p:spPr>
-        <p:txBody>
-          <a:bodyPr wrap="square" rtlCol="0">
-            <a:spAutoFit/>
-          </a:bodyPr>
-          <a:lstStyle/>
-          <a:p>
-            <a:r>
-              <a:rPr kumimoji="1" lang="ja-JP" altLang="en-US" sz="3200" dirty="0" smtClean="0"/>
-              <a:t>区間の中である値に一番近い値を求める</a:t>
-            </a:r>
-            <a:endParaRPr kumimoji="1" lang="ja-JP" altLang="en-US" sz="3200" dirty="0"/>
-          </a:p>
-        </p:txBody>
-      </p:sp>
-    </p:spTree>
-    <p:extLst>
-      <p:ext uri="{BB962C8B-B14F-4D97-AF65-F5344CB8AC3E}">
-        <p14:creationId xmlns:p14="http://schemas.microsoft.com/office/powerpoint/2010/main" val="790885234"/>
-      </p:ext>
-    </p:extLst>
-  </p:cSld>
-  <p:clrMapOvr>
-    <a:masterClrMapping/>
-  </p:clrMapOvr>
 </p:sld>
 </file>
 
@@ -4855,192 +5571,922 @@
           <a:p>
             <a:r>
               <a:rPr lang="ja-JP" altLang="en-US" dirty="0"/>
-              <a:t>想定</a:t>
-            </a:r>
-            <a:r>
-              <a:rPr lang="ja-JP" altLang="en-US" dirty="0" smtClean="0"/>
-              <a:t>解法</a:t>
+              <a:t>オイラーツアー</a:t>
             </a:r>
             <a:endParaRPr kumimoji="1" lang="ja-JP" altLang="en-US" dirty="0"/>
           </a:p>
         </p:txBody>
       </p:sp>
-      <p:sp>
-        <p:nvSpPr>
-          <p:cNvPr id="25" name="テキスト ボックス 24"/>
-          <p:cNvSpPr txBox="1"/>
-          <p:nvPr/>
-        </p:nvSpPr>
-        <p:spPr>
-          <a:xfrm>
-            <a:off x="1358026" y="3684973"/>
-            <a:ext cx="6192688" cy="584775"/>
-          </a:xfrm>
-          <a:prstGeom prst="rect">
-            <a:avLst/>
-          </a:prstGeom>
-          <a:noFill/>
-        </p:spPr>
-        <p:txBody>
-          <a:bodyPr wrap="square" rtlCol="0">
-            <a:spAutoFit/>
-          </a:bodyPr>
-          <a:lstStyle/>
-          <a:p>
-            <a:r>
-              <a:rPr kumimoji="1" lang="ja-JP" altLang="en-US" sz="3200" dirty="0" smtClean="0"/>
-              <a:t>すでに終わった区間だけを見ればよい</a:t>
-            </a:r>
-            <a:endParaRPr kumimoji="1" lang="ja-JP" altLang="en-US" sz="3200" dirty="0"/>
-          </a:p>
-        </p:txBody>
-      </p:sp>
-      <p:sp>
-        <p:nvSpPr>
-          <p:cNvPr id="26" name="テキスト ボックス 25"/>
-          <p:cNvSpPr txBox="1"/>
-          <p:nvPr/>
-        </p:nvSpPr>
-        <p:spPr>
-          <a:xfrm>
-            <a:off x="975175" y="4377297"/>
-            <a:ext cx="6958390" cy="1077218"/>
-          </a:xfrm>
-          <a:prstGeom prst="rect">
-            <a:avLst/>
-          </a:prstGeom>
-          <a:noFill/>
-        </p:spPr>
-        <p:txBody>
-          <a:bodyPr wrap="square" rtlCol="0">
-            <a:spAutoFit/>
-          </a:bodyPr>
-          <a:lstStyle/>
-          <a:p>
-            <a:r>
-              <a:rPr kumimoji="1" lang="ja-JP" altLang="en-US" sz="3200" dirty="0" smtClean="0"/>
-              <a:t>オイラーツアー上をたどる途中で見終わった頂点の値を追加していけばよい</a:t>
-            </a:r>
-            <a:endParaRPr kumimoji="1" lang="ja-JP" altLang="en-US" sz="3200" dirty="0"/>
-          </a:p>
-        </p:txBody>
-      </p:sp>
-      <mc:AlternateContent xmlns:mc="http://schemas.openxmlformats.org/markup-compatibility/2006">
-        <mc:Choice xmlns:a14="http://schemas.microsoft.com/office/drawing/2010/main" Requires="a14">
-          <p:sp>
-            <p:nvSpPr>
-              <p:cNvPr id="27" name="テキスト ボックス 26"/>
-              <p:cNvSpPr txBox="1"/>
-              <p:nvPr/>
-            </p:nvSpPr>
-            <p:spPr>
-              <a:xfrm>
-                <a:off x="609593" y="5517232"/>
-                <a:ext cx="8064896" cy="1077218"/>
-              </a:xfrm>
-              <a:prstGeom prst="rect">
-                <a:avLst/>
-              </a:prstGeom>
-              <a:noFill/>
-            </p:spPr>
-            <p:txBody>
-              <a:bodyPr wrap="square" rtlCol="0">
-                <a:spAutoFit/>
-              </a:bodyPr>
-              <a:lstStyle/>
-              <a:p>
-                <a:r>
-                  <a:rPr lang="ja-JP" altLang="en-US" sz="3200" dirty="0" smtClean="0"/>
-                  <a:t>２回木の上をたどって値を追加していくだけなので計算量は全体で</a:t>
-                </a:r>
-                <a14:m>
-                  <m:oMath xmlns:m="http://schemas.openxmlformats.org/officeDocument/2006/math">
-                    <m:r>
-                      <a:rPr lang="en-US" altLang="ja-JP" sz="3200" b="0" i="1" smtClean="0">
-                        <a:latin typeface="Cambria Math"/>
-                      </a:rPr>
-                      <m:t>𝑂</m:t>
-                    </m:r>
-                    <m:r>
-                      <a:rPr lang="en-US" altLang="ja-JP" sz="3200" b="0" i="1" smtClean="0">
-                        <a:latin typeface="Cambria Math"/>
-                      </a:rPr>
-                      <m:t>(</m:t>
-                    </m:r>
-                    <m:r>
-                      <a:rPr lang="en-US" altLang="ja-JP" sz="3200" b="0" i="1" smtClean="0">
-                        <a:latin typeface="Cambria Math"/>
-                      </a:rPr>
-                      <m:t>𝑛𝑙𝑜𝑔</m:t>
-                    </m:r>
-                    <m:r>
-                      <a:rPr lang="en-US" altLang="ja-JP" sz="3200" b="0" i="1" smtClean="0">
-                        <a:latin typeface="Cambria Math"/>
-                      </a:rPr>
-                      <m:t>𝑛</m:t>
-                    </m:r>
-                    <m:r>
-                      <a:rPr lang="en-US" altLang="ja-JP" sz="3200" b="0" i="1" smtClean="0">
-                        <a:latin typeface="Cambria Math"/>
-                      </a:rPr>
-                      <m:t>)</m:t>
-                    </m:r>
-                  </m:oMath>
-                </a14:m>
-                <a:endParaRPr kumimoji="1" lang="ja-JP" altLang="en-US" sz="3200" dirty="0"/>
-              </a:p>
-            </p:txBody>
-          </p:sp>
-        </mc:Choice>
-        <mc:Fallback>
-          <p:sp>
-            <p:nvSpPr>
-              <p:cNvPr id="27" name="テキスト ボックス 26"/>
-              <p:cNvSpPr txBox="1">
-                <a:spLocks noRot="1" noChangeAspect="1" noMove="1" noResize="1" noEditPoints="1" noAdjustHandles="1" noChangeArrowheads="1" noChangeShapeType="1" noTextEdit="1"/>
-              </p:cNvSpPr>
-              <p:nvPr/>
-            </p:nvSpPr>
-            <p:spPr>
-              <a:xfrm>
-                <a:off x="609593" y="5517232"/>
-                <a:ext cx="8064896" cy="1077218"/>
-              </a:xfrm>
-              <a:prstGeom prst="rect">
-                <a:avLst/>
-              </a:prstGeom>
-              <a:blipFill rotWithShape="1">
-                <a:blip r:embed="rId2"/>
-                <a:stretch>
-                  <a:fillRect l="-1965" t="-7345" r="-454" b="-16384"/>
-                </a:stretch>
-              </a:blipFill>
-            </p:spPr>
-            <p:txBody>
-              <a:bodyPr/>
-              <a:lstStyle/>
-              <a:p>
-                <a:r>
-                  <a:rPr lang="ja-JP" altLang="en-US">
+      <p:graphicFrame>
+        <p:nvGraphicFramePr>
+          <p:cNvPr id="4" name="表 3"/>
+          <p:cNvGraphicFramePr>
+            <a:graphicFrameLocks noGrp="1"/>
+          </p:cNvGraphicFramePr>
+          <p:nvPr>
+            <p:extLst>
+              <p:ext uri="{D42A27DB-BD31-4B8C-83A1-F6EECF244321}">
+                <p14:modId xmlns:p14="http://schemas.microsoft.com/office/powerpoint/2010/main" val="3681144566"/>
+              </p:ext>
+            </p:extLst>
+          </p:nvPr>
+        </p:nvGraphicFramePr>
+        <p:xfrm>
+          <a:off x="524140" y="3645024"/>
+          <a:ext cx="8064000" cy="576000"/>
+        </p:xfrm>
+        <a:graphic>
+          <a:graphicData uri="http://schemas.openxmlformats.org/drawingml/2006/table">
+            <a:tbl>
+              <a:tblPr firstRow="1" bandRow="1">
+                <a:tableStyleId>{5C22544A-7EE6-4342-B048-85BDC9FD1C3A}</a:tableStyleId>
+              </a:tblPr>
+              <a:tblGrid>
+                <a:gridCol w="576000"/>
+                <a:gridCol w="576000"/>
+                <a:gridCol w="576000"/>
+                <a:gridCol w="576000"/>
+                <a:gridCol w="576000"/>
+                <a:gridCol w="576000"/>
+                <a:gridCol w="576000"/>
+                <a:gridCol w="576000"/>
+                <a:gridCol w="576000"/>
+                <a:gridCol w="576000"/>
+                <a:gridCol w="576000"/>
+                <a:gridCol w="576000"/>
+                <a:gridCol w="576000"/>
+                <a:gridCol w="576000"/>
+              </a:tblGrid>
+              <a:tr h="576000">
+                <a:tc>
+                  <a:txBody>
+                    <a:bodyPr/>
+                    <a:lstStyle/>
+                    <a:p>
+                      <a:pPr algn="ctr"/>
+                      <a:r>
+                        <a:rPr kumimoji="1" lang="en-US" altLang="ja-JP" sz="2600" dirty="0" smtClean="0">
+                          <a:solidFill>
+                            <a:schemeClr val="tx1"/>
+                          </a:solidFill>
+                        </a:rPr>
+                        <a:t>0</a:t>
+                      </a:r>
+                      <a:endParaRPr kumimoji="1" lang="ja-JP" altLang="en-US" sz="2600" dirty="0">
+                        <a:solidFill>
+                          <a:schemeClr val="tx1"/>
+                        </a:solidFill>
+                      </a:endParaRPr>
+                    </a:p>
+                  </a:txBody>
+                  <a:tcPr marL="132891" marR="132891" marT="66446" marB="66446" anchor="ctr">
+                    <a:lnL w="12700" cap="flat" cmpd="sng" algn="ctr">
+                      <a:solidFill>
+                        <a:schemeClr val="tx1"/>
+                      </a:solidFill>
+                      <a:prstDash val="solid"/>
+                      <a:round/>
+                      <a:headEnd type="none" w="med" len="med"/>
+                      <a:tailEnd type="none" w="med" len="med"/>
+                    </a:lnL>
+                    <a:lnR w="12700" cap="flat" cmpd="sng" algn="ctr">
+                      <a:solidFill>
+                        <a:schemeClr val="tx1"/>
+                      </a:solidFill>
+                      <a:prstDash val="solid"/>
+                      <a:round/>
+                      <a:headEnd type="none" w="med" len="med"/>
+                      <a:tailEnd type="none" w="med" len="med"/>
+                    </a:lnR>
+                    <a:lnT w="12700" cap="flat" cmpd="sng" algn="ctr">
+                      <a:solidFill>
+                        <a:schemeClr val="tx1"/>
+                      </a:solidFill>
+                      <a:prstDash val="solid"/>
+                      <a:round/>
+                      <a:headEnd type="none" w="med" len="med"/>
+                      <a:tailEnd type="none" w="med" len="med"/>
+                    </a:lnT>
+                    <a:lnB w="12700" cap="flat" cmpd="sng" algn="ctr">
+                      <a:solidFill>
+                        <a:schemeClr val="tx1"/>
+                      </a:solidFill>
+                      <a:prstDash val="solid"/>
+                      <a:round/>
+                      <a:headEnd type="none" w="med" len="med"/>
+                      <a:tailEnd type="none" w="med" len="med"/>
+                    </a:lnB>
                     <a:noFill/>
-                  </a:rPr>
-                  <a:t> </a:t>
-                </a:r>
-              </a:p>
-            </p:txBody>
-          </p:sp>
-        </mc:Fallback>
-      </mc:AlternateContent>
+                  </a:tcPr>
+                </a:tc>
+                <a:tc>
+                  <a:txBody>
+                    <a:bodyPr/>
+                    <a:lstStyle/>
+                    <a:p>
+                      <a:pPr algn="ctr"/>
+                      <a:r>
+                        <a:rPr kumimoji="1" lang="en-US" altLang="ja-JP" sz="2600" dirty="0" smtClean="0">
+                          <a:solidFill>
+                            <a:schemeClr val="tx1"/>
+                          </a:solidFill>
+                        </a:rPr>
+                        <a:t>1</a:t>
+                      </a:r>
+                      <a:endParaRPr kumimoji="1" lang="ja-JP" altLang="en-US" sz="2600" dirty="0">
+                        <a:solidFill>
+                          <a:schemeClr val="tx1"/>
+                        </a:solidFill>
+                      </a:endParaRPr>
+                    </a:p>
+                  </a:txBody>
+                  <a:tcPr marL="132891" marR="132891" marT="66446" marB="66446" anchor="ctr">
+                    <a:lnL w="12700" cap="flat" cmpd="sng" algn="ctr">
+                      <a:solidFill>
+                        <a:schemeClr val="tx1"/>
+                      </a:solidFill>
+                      <a:prstDash val="solid"/>
+                      <a:round/>
+                      <a:headEnd type="none" w="med" len="med"/>
+                      <a:tailEnd type="none" w="med" len="med"/>
+                    </a:lnL>
+                    <a:lnR w="12700" cap="flat" cmpd="sng" algn="ctr">
+                      <a:solidFill>
+                        <a:schemeClr val="tx1"/>
+                      </a:solidFill>
+                      <a:prstDash val="solid"/>
+                      <a:round/>
+                      <a:headEnd type="none" w="med" len="med"/>
+                      <a:tailEnd type="none" w="med" len="med"/>
+                    </a:lnR>
+                    <a:lnT w="12700" cap="flat" cmpd="sng" algn="ctr">
+                      <a:solidFill>
+                        <a:schemeClr val="tx1"/>
+                      </a:solidFill>
+                      <a:prstDash val="solid"/>
+                      <a:round/>
+                      <a:headEnd type="none" w="med" len="med"/>
+                      <a:tailEnd type="none" w="med" len="med"/>
+                    </a:lnT>
+                    <a:lnB w="12700" cap="flat" cmpd="sng" algn="ctr">
+                      <a:solidFill>
+                        <a:schemeClr val="tx1"/>
+                      </a:solidFill>
+                      <a:prstDash val="solid"/>
+                      <a:round/>
+                      <a:headEnd type="none" w="med" len="med"/>
+                      <a:tailEnd type="none" w="med" len="med"/>
+                    </a:lnB>
+                    <a:noFill/>
+                  </a:tcPr>
+                </a:tc>
+                <a:tc>
+                  <a:txBody>
+                    <a:bodyPr/>
+                    <a:lstStyle/>
+                    <a:p>
+                      <a:pPr algn="ctr"/>
+                      <a:r>
+                        <a:rPr kumimoji="1" lang="en-US" altLang="ja-JP" sz="2600" dirty="0" smtClean="0">
+                          <a:solidFill>
+                            <a:schemeClr val="tx1"/>
+                          </a:solidFill>
+                        </a:rPr>
+                        <a:t>2</a:t>
+                      </a:r>
+                      <a:endParaRPr kumimoji="1" lang="ja-JP" altLang="en-US" sz="2600" dirty="0">
+                        <a:solidFill>
+                          <a:schemeClr val="tx1"/>
+                        </a:solidFill>
+                      </a:endParaRPr>
+                    </a:p>
+                  </a:txBody>
+                  <a:tcPr marL="132891" marR="132891" marT="66446" marB="66446" anchor="ctr">
+                    <a:lnL w="12700" cap="flat" cmpd="sng" algn="ctr">
+                      <a:solidFill>
+                        <a:schemeClr val="tx1"/>
+                      </a:solidFill>
+                      <a:prstDash val="solid"/>
+                      <a:round/>
+                      <a:headEnd type="none" w="med" len="med"/>
+                      <a:tailEnd type="none" w="med" len="med"/>
+                    </a:lnL>
+                    <a:lnR w="12700" cap="flat" cmpd="sng" algn="ctr">
+                      <a:solidFill>
+                        <a:schemeClr val="tx1"/>
+                      </a:solidFill>
+                      <a:prstDash val="solid"/>
+                      <a:round/>
+                      <a:headEnd type="none" w="med" len="med"/>
+                      <a:tailEnd type="none" w="med" len="med"/>
+                    </a:lnR>
+                    <a:lnT w="12700" cap="flat" cmpd="sng" algn="ctr">
+                      <a:solidFill>
+                        <a:schemeClr val="tx1"/>
+                      </a:solidFill>
+                      <a:prstDash val="solid"/>
+                      <a:round/>
+                      <a:headEnd type="none" w="med" len="med"/>
+                      <a:tailEnd type="none" w="med" len="med"/>
+                    </a:lnT>
+                    <a:lnB w="12700" cap="flat" cmpd="sng" algn="ctr">
+                      <a:solidFill>
+                        <a:schemeClr val="tx1"/>
+                      </a:solidFill>
+                      <a:prstDash val="solid"/>
+                      <a:round/>
+                      <a:headEnd type="none" w="med" len="med"/>
+                      <a:tailEnd type="none" w="med" len="med"/>
+                    </a:lnB>
+                    <a:noFill/>
+                  </a:tcPr>
+                </a:tc>
+                <a:tc>
+                  <a:txBody>
+                    <a:bodyPr/>
+                    <a:lstStyle/>
+                    <a:p>
+                      <a:pPr algn="ctr"/>
+                      <a:r>
+                        <a:rPr kumimoji="1" lang="en-US" altLang="ja-JP" sz="2600" dirty="0" smtClean="0">
+                          <a:solidFill>
+                            <a:schemeClr val="tx1"/>
+                          </a:solidFill>
+                        </a:rPr>
+                        <a:t>2</a:t>
+                      </a:r>
+                      <a:endParaRPr kumimoji="1" lang="ja-JP" altLang="en-US" sz="2600" dirty="0">
+                        <a:solidFill>
+                          <a:schemeClr val="tx1"/>
+                        </a:solidFill>
+                      </a:endParaRPr>
+                    </a:p>
+                  </a:txBody>
+                  <a:tcPr marL="132891" marR="132891" marT="66446" marB="66446" anchor="ctr">
+                    <a:lnL w="12700" cap="flat" cmpd="sng" algn="ctr">
+                      <a:solidFill>
+                        <a:schemeClr val="tx1"/>
+                      </a:solidFill>
+                      <a:prstDash val="solid"/>
+                      <a:round/>
+                      <a:headEnd type="none" w="med" len="med"/>
+                      <a:tailEnd type="none" w="med" len="med"/>
+                    </a:lnL>
+                    <a:lnR w="12700" cap="flat" cmpd="sng" algn="ctr">
+                      <a:solidFill>
+                        <a:schemeClr val="tx1"/>
+                      </a:solidFill>
+                      <a:prstDash val="solid"/>
+                      <a:round/>
+                      <a:headEnd type="none" w="med" len="med"/>
+                      <a:tailEnd type="none" w="med" len="med"/>
+                    </a:lnR>
+                    <a:lnT w="12700" cap="flat" cmpd="sng" algn="ctr">
+                      <a:solidFill>
+                        <a:schemeClr val="tx1"/>
+                      </a:solidFill>
+                      <a:prstDash val="solid"/>
+                      <a:round/>
+                      <a:headEnd type="none" w="med" len="med"/>
+                      <a:tailEnd type="none" w="med" len="med"/>
+                    </a:lnT>
+                    <a:lnB w="12700" cap="flat" cmpd="sng" algn="ctr">
+                      <a:solidFill>
+                        <a:schemeClr val="tx1"/>
+                      </a:solidFill>
+                      <a:prstDash val="solid"/>
+                      <a:round/>
+                      <a:headEnd type="none" w="med" len="med"/>
+                      <a:tailEnd type="none" w="med" len="med"/>
+                    </a:lnB>
+                    <a:noFill/>
+                  </a:tcPr>
+                </a:tc>
+                <a:tc>
+                  <a:txBody>
+                    <a:bodyPr/>
+                    <a:lstStyle/>
+                    <a:p>
+                      <a:pPr algn="ctr"/>
+                      <a:r>
+                        <a:rPr kumimoji="1" lang="en-US" altLang="ja-JP" sz="2600" dirty="0" smtClean="0">
+                          <a:solidFill>
+                            <a:schemeClr val="tx1"/>
+                          </a:solidFill>
+                        </a:rPr>
+                        <a:t>3</a:t>
+                      </a:r>
+                      <a:endParaRPr kumimoji="1" lang="ja-JP" altLang="en-US" sz="2600" dirty="0">
+                        <a:solidFill>
+                          <a:schemeClr val="tx1"/>
+                        </a:solidFill>
+                      </a:endParaRPr>
+                    </a:p>
+                  </a:txBody>
+                  <a:tcPr marL="132891" marR="132891" marT="66446" marB="66446" anchor="ctr">
+                    <a:lnL w="12700" cap="flat" cmpd="sng" algn="ctr">
+                      <a:solidFill>
+                        <a:schemeClr val="tx1"/>
+                      </a:solidFill>
+                      <a:prstDash val="solid"/>
+                      <a:round/>
+                      <a:headEnd type="none" w="med" len="med"/>
+                      <a:tailEnd type="none" w="med" len="med"/>
+                    </a:lnL>
+                    <a:lnR w="12700" cap="flat" cmpd="sng" algn="ctr">
+                      <a:solidFill>
+                        <a:schemeClr val="tx1"/>
+                      </a:solidFill>
+                      <a:prstDash val="solid"/>
+                      <a:round/>
+                      <a:headEnd type="none" w="med" len="med"/>
+                      <a:tailEnd type="none" w="med" len="med"/>
+                    </a:lnR>
+                    <a:lnT w="12700" cap="flat" cmpd="sng" algn="ctr">
+                      <a:solidFill>
+                        <a:schemeClr val="tx1"/>
+                      </a:solidFill>
+                      <a:prstDash val="solid"/>
+                      <a:round/>
+                      <a:headEnd type="none" w="med" len="med"/>
+                      <a:tailEnd type="none" w="med" len="med"/>
+                    </a:lnT>
+                    <a:lnB w="12700" cap="flat" cmpd="sng" algn="ctr">
+                      <a:solidFill>
+                        <a:schemeClr val="tx1"/>
+                      </a:solidFill>
+                      <a:prstDash val="solid"/>
+                      <a:round/>
+                      <a:headEnd type="none" w="med" len="med"/>
+                      <a:tailEnd type="none" w="med" len="med"/>
+                    </a:lnB>
+                    <a:noFill/>
+                  </a:tcPr>
+                </a:tc>
+                <a:tc>
+                  <a:txBody>
+                    <a:bodyPr/>
+                    <a:lstStyle/>
+                    <a:p>
+                      <a:pPr algn="ctr"/>
+                      <a:r>
+                        <a:rPr kumimoji="1" lang="en-US" altLang="ja-JP" sz="2600" dirty="0" smtClean="0">
+                          <a:solidFill>
+                            <a:schemeClr val="tx1"/>
+                          </a:solidFill>
+                        </a:rPr>
+                        <a:t>3</a:t>
+                      </a:r>
+                      <a:endParaRPr kumimoji="1" lang="ja-JP" altLang="en-US" sz="2600" dirty="0">
+                        <a:solidFill>
+                          <a:schemeClr val="tx1"/>
+                        </a:solidFill>
+                      </a:endParaRPr>
+                    </a:p>
+                  </a:txBody>
+                  <a:tcPr marL="132891" marR="132891" marT="66446" marB="66446" anchor="ctr">
+                    <a:lnL w="12700" cap="flat" cmpd="sng" algn="ctr">
+                      <a:solidFill>
+                        <a:schemeClr val="tx1"/>
+                      </a:solidFill>
+                      <a:prstDash val="solid"/>
+                      <a:round/>
+                      <a:headEnd type="none" w="med" len="med"/>
+                      <a:tailEnd type="none" w="med" len="med"/>
+                    </a:lnL>
+                    <a:lnR w="12700" cap="flat" cmpd="sng" algn="ctr">
+                      <a:solidFill>
+                        <a:schemeClr val="tx1"/>
+                      </a:solidFill>
+                      <a:prstDash val="solid"/>
+                      <a:round/>
+                      <a:headEnd type="none" w="med" len="med"/>
+                      <a:tailEnd type="none" w="med" len="med"/>
+                    </a:lnR>
+                    <a:lnT w="12700" cap="flat" cmpd="sng" algn="ctr">
+                      <a:solidFill>
+                        <a:schemeClr val="tx1"/>
+                      </a:solidFill>
+                      <a:prstDash val="solid"/>
+                      <a:round/>
+                      <a:headEnd type="none" w="med" len="med"/>
+                      <a:tailEnd type="none" w="med" len="med"/>
+                    </a:lnT>
+                    <a:lnB w="12700" cap="flat" cmpd="sng" algn="ctr">
+                      <a:solidFill>
+                        <a:schemeClr val="tx1"/>
+                      </a:solidFill>
+                      <a:prstDash val="solid"/>
+                      <a:round/>
+                      <a:headEnd type="none" w="med" len="med"/>
+                      <a:tailEnd type="none" w="med" len="med"/>
+                    </a:lnB>
+                    <a:noFill/>
+                  </a:tcPr>
+                </a:tc>
+                <a:tc>
+                  <a:txBody>
+                    <a:bodyPr/>
+                    <a:lstStyle/>
+                    <a:p>
+                      <a:pPr algn="ctr"/>
+                      <a:r>
+                        <a:rPr kumimoji="1" lang="en-US" altLang="ja-JP" sz="2600" dirty="0" smtClean="0">
+                          <a:solidFill>
+                            <a:schemeClr val="tx1"/>
+                          </a:solidFill>
+                        </a:rPr>
+                        <a:t>1</a:t>
+                      </a:r>
+                      <a:endParaRPr kumimoji="1" lang="ja-JP" altLang="en-US" sz="2600" dirty="0">
+                        <a:solidFill>
+                          <a:schemeClr val="tx1"/>
+                        </a:solidFill>
+                      </a:endParaRPr>
+                    </a:p>
+                  </a:txBody>
+                  <a:tcPr marL="132891" marR="132891" marT="66446" marB="66446" anchor="ctr">
+                    <a:lnL w="12700" cap="flat" cmpd="sng" algn="ctr">
+                      <a:solidFill>
+                        <a:schemeClr val="tx1"/>
+                      </a:solidFill>
+                      <a:prstDash val="solid"/>
+                      <a:round/>
+                      <a:headEnd type="none" w="med" len="med"/>
+                      <a:tailEnd type="none" w="med" len="med"/>
+                    </a:lnL>
+                    <a:lnR w="12700" cap="flat" cmpd="sng" algn="ctr">
+                      <a:solidFill>
+                        <a:schemeClr val="tx1"/>
+                      </a:solidFill>
+                      <a:prstDash val="solid"/>
+                      <a:round/>
+                      <a:headEnd type="none" w="med" len="med"/>
+                      <a:tailEnd type="none" w="med" len="med"/>
+                    </a:lnR>
+                    <a:lnT w="12700" cap="flat" cmpd="sng" algn="ctr">
+                      <a:solidFill>
+                        <a:schemeClr val="tx1"/>
+                      </a:solidFill>
+                      <a:prstDash val="solid"/>
+                      <a:round/>
+                      <a:headEnd type="none" w="med" len="med"/>
+                      <a:tailEnd type="none" w="med" len="med"/>
+                    </a:lnT>
+                    <a:lnB w="12700" cap="flat" cmpd="sng" algn="ctr">
+                      <a:solidFill>
+                        <a:schemeClr val="tx1"/>
+                      </a:solidFill>
+                      <a:prstDash val="solid"/>
+                      <a:round/>
+                      <a:headEnd type="none" w="med" len="med"/>
+                      <a:tailEnd type="none" w="med" len="med"/>
+                    </a:lnB>
+                    <a:noFill/>
+                  </a:tcPr>
+                </a:tc>
+                <a:tc>
+                  <a:txBody>
+                    <a:bodyPr/>
+                    <a:lstStyle/>
+                    <a:p>
+                      <a:pPr algn="ctr"/>
+                      <a:r>
+                        <a:rPr kumimoji="1" lang="en-US" altLang="ja-JP" sz="2600" dirty="0" smtClean="0">
+                          <a:solidFill>
+                            <a:schemeClr val="tx1"/>
+                          </a:solidFill>
+                        </a:rPr>
+                        <a:t>4</a:t>
+                      </a:r>
+                      <a:endParaRPr kumimoji="1" lang="ja-JP" altLang="en-US" sz="2600" dirty="0">
+                        <a:solidFill>
+                          <a:schemeClr val="tx1"/>
+                        </a:solidFill>
+                      </a:endParaRPr>
+                    </a:p>
+                  </a:txBody>
+                  <a:tcPr marL="132891" marR="132891" marT="66446" marB="66446" anchor="ctr">
+                    <a:lnL w="12700" cap="flat" cmpd="sng" algn="ctr">
+                      <a:solidFill>
+                        <a:schemeClr val="tx1"/>
+                      </a:solidFill>
+                      <a:prstDash val="solid"/>
+                      <a:round/>
+                      <a:headEnd type="none" w="med" len="med"/>
+                      <a:tailEnd type="none" w="med" len="med"/>
+                    </a:lnL>
+                    <a:lnR w="12700" cap="flat" cmpd="sng" algn="ctr">
+                      <a:solidFill>
+                        <a:schemeClr val="tx1"/>
+                      </a:solidFill>
+                      <a:prstDash val="solid"/>
+                      <a:round/>
+                      <a:headEnd type="none" w="med" len="med"/>
+                      <a:tailEnd type="none" w="med" len="med"/>
+                    </a:lnR>
+                    <a:lnT w="12700" cap="flat" cmpd="sng" algn="ctr">
+                      <a:solidFill>
+                        <a:schemeClr val="tx1"/>
+                      </a:solidFill>
+                      <a:prstDash val="solid"/>
+                      <a:round/>
+                      <a:headEnd type="none" w="med" len="med"/>
+                      <a:tailEnd type="none" w="med" len="med"/>
+                    </a:lnT>
+                    <a:lnB w="12700" cap="flat" cmpd="sng" algn="ctr">
+                      <a:solidFill>
+                        <a:schemeClr val="tx1"/>
+                      </a:solidFill>
+                      <a:prstDash val="solid"/>
+                      <a:round/>
+                      <a:headEnd type="none" w="med" len="med"/>
+                      <a:tailEnd type="none" w="med" len="med"/>
+                    </a:lnB>
+                    <a:noFill/>
+                  </a:tcPr>
+                </a:tc>
+                <a:tc>
+                  <a:txBody>
+                    <a:bodyPr/>
+                    <a:lstStyle/>
+                    <a:p>
+                      <a:pPr algn="ctr"/>
+                      <a:r>
+                        <a:rPr kumimoji="1" lang="en-US" altLang="ja-JP" sz="2600" dirty="0" smtClean="0">
+                          <a:solidFill>
+                            <a:schemeClr val="tx1"/>
+                          </a:solidFill>
+                        </a:rPr>
+                        <a:t>5</a:t>
+                      </a:r>
+                      <a:endParaRPr kumimoji="1" lang="ja-JP" altLang="en-US" sz="2600" dirty="0">
+                        <a:solidFill>
+                          <a:schemeClr val="tx1"/>
+                        </a:solidFill>
+                      </a:endParaRPr>
+                    </a:p>
+                  </a:txBody>
+                  <a:tcPr marL="132891" marR="132891" marT="66446" marB="66446" anchor="ctr">
+                    <a:lnL w="12700" cap="flat" cmpd="sng" algn="ctr">
+                      <a:solidFill>
+                        <a:schemeClr val="tx1"/>
+                      </a:solidFill>
+                      <a:prstDash val="solid"/>
+                      <a:round/>
+                      <a:headEnd type="none" w="med" len="med"/>
+                      <a:tailEnd type="none" w="med" len="med"/>
+                    </a:lnL>
+                    <a:lnR w="12700" cap="flat" cmpd="sng" algn="ctr">
+                      <a:solidFill>
+                        <a:schemeClr val="tx1"/>
+                      </a:solidFill>
+                      <a:prstDash val="solid"/>
+                      <a:round/>
+                      <a:headEnd type="none" w="med" len="med"/>
+                      <a:tailEnd type="none" w="med" len="med"/>
+                    </a:lnR>
+                    <a:lnT w="12700" cap="flat" cmpd="sng" algn="ctr">
+                      <a:solidFill>
+                        <a:schemeClr val="tx1"/>
+                      </a:solidFill>
+                      <a:prstDash val="solid"/>
+                      <a:round/>
+                      <a:headEnd type="none" w="med" len="med"/>
+                      <a:tailEnd type="none" w="med" len="med"/>
+                    </a:lnT>
+                    <a:lnB w="12700" cap="flat" cmpd="sng" algn="ctr">
+                      <a:solidFill>
+                        <a:schemeClr val="tx1"/>
+                      </a:solidFill>
+                      <a:prstDash val="solid"/>
+                      <a:round/>
+                      <a:headEnd type="none" w="med" len="med"/>
+                      <a:tailEnd type="none" w="med" len="med"/>
+                    </a:lnB>
+                    <a:noFill/>
+                  </a:tcPr>
+                </a:tc>
+                <a:tc>
+                  <a:txBody>
+                    <a:bodyPr/>
+                    <a:lstStyle/>
+                    <a:p>
+                      <a:pPr algn="ctr"/>
+                      <a:r>
+                        <a:rPr kumimoji="1" lang="en-US" altLang="ja-JP" sz="2600" dirty="0" smtClean="0">
+                          <a:solidFill>
+                            <a:schemeClr val="tx1"/>
+                          </a:solidFill>
+                        </a:rPr>
+                        <a:t>5</a:t>
+                      </a:r>
+                      <a:endParaRPr kumimoji="1" lang="ja-JP" altLang="en-US" sz="2600" dirty="0">
+                        <a:solidFill>
+                          <a:schemeClr val="tx1"/>
+                        </a:solidFill>
+                      </a:endParaRPr>
+                    </a:p>
+                  </a:txBody>
+                  <a:tcPr marL="132891" marR="132891" marT="66446" marB="66446" anchor="ctr">
+                    <a:lnL w="12700" cap="flat" cmpd="sng" algn="ctr">
+                      <a:solidFill>
+                        <a:schemeClr val="tx1"/>
+                      </a:solidFill>
+                      <a:prstDash val="solid"/>
+                      <a:round/>
+                      <a:headEnd type="none" w="med" len="med"/>
+                      <a:tailEnd type="none" w="med" len="med"/>
+                    </a:lnL>
+                    <a:lnR w="12700" cap="flat" cmpd="sng" algn="ctr">
+                      <a:solidFill>
+                        <a:schemeClr val="tx1"/>
+                      </a:solidFill>
+                      <a:prstDash val="solid"/>
+                      <a:round/>
+                      <a:headEnd type="none" w="med" len="med"/>
+                      <a:tailEnd type="none" w="med" len="med"/>
+                    </a:lnR>
+                    <a:lnT w="12700" cap="flat" cmpd="sng" algn="ctr">
+                      <a:solidFill>
+                        <a:schemeClr val="tx1"/>
+                      </a:solidFill>
+                      <a:prstDash val="solid"/>
+                      <a:round/>
+                      <a:headEnd type="none" w="med" len="med"/>
+                      <a:tailEnd type="none" w="med" len="med"/>
+                    </a:lnT>
+                    <a:lnB w="12700" cap="flat" cmpd="sng" algn="ctr">
+                      <a:solidFill>
+                        <a:schemeClr val="tx1"/>
+                      </a:solidFill>
+                      <a:prstDash val="solid"/>
+                      <a:round/>
+                      <a:headEnd type="none" w="med" len="med"/>
+                      <a:tailEnd type="none" w="med" len="med"/>
+                    </a:lnB>
+                    <a:noFill/>
+                  </a:tcPr>
+                </a:tc>
+                <a:tc>
+                  <a:txBody>
+                    <a:bodyPr/>
+                    <a:lstStyle/>
+                    <a:p>
+                      <a:pPr algn="ctr"/>
+                      <a:r>
+                        <a:rPr kumimoji="1" lang="en-US" altLang="ja-JP" sz="2600" dirty="0" smtClean="0">
+                          <a:solidFill>
+                            <a:schemeClr val="tx1"/>
+                          </a:solidFill>
+                        </a:rPr>
+                        <a:t>6</a:t>
+                      </a:r>
+                      <a:endParaRPr kumimoji="1" lang="ja-JP" altLang="en-US" sz="2600" dirty="0">
+                        <a:solidFill>
+                          <a:schemeClr val="tx1"/>
+                        </a:solidFill>
+                      </a:endParaRPr>
+                    </a:p>
+                  </a:txBody>
+                  <a:tcPr marL="132891" marR="132891" marT="66446" marB="66446" anchor="ctr">
+                    <a:lnL w="12700" cap="flat" cmpd="sng" algn="ctr">
+                      <a:solidFill>
+                        <a:schemeClr val="tx1"/>
+                      </a:solidFill>
+                      <a:prstDash val="solid"/>
+                      <a:round/>
+                      <a:headEnd type="none" w="med" len="med"/>
+                      <a:tailEnd type="none" w="med" len="med"/>
+                    </a:lnL>
+                    <a:lnR w="12700" cap="flat" cmpd="sng" algn="ctr">
+                      <a:solidFill>
+                        <a:schemeClr val="tx1"/>
+                      </a:solidFill>
+                      <a:prstDash val="solid"/>
+                      <a:round/>
+                      <a:headEnd type="none" w="med" len="med"/>
+                      <a:tailEnd type="none" w="med" len="med"/>
+                    </a:lnR>
+                    <a:lnT w="12700" cap="flat" cmpd="sng" algn="ctr">
+                      <a:solidFill>
+                        <a:schemeClr val="tx1"/>
+                      </a:solidFill>
+                      <a:prstDash val="solid"/>
+                      <a:round/>
+                      <a:headEnd type="none" w="med" len="med"/>
+                      <a:tailEnd type="none" w="med" len="med"/>
+                    </a:lnT>
+                    <a:lnB w="12700" cap="flat" cmpd="sng" algn="ctr">
+                      <a:solidFill>
+                        <a:schemeClr val="tx1"/>
+                      </a:solidFill>
+                      <a:prstDash val="solid"/>
+                      <a:round/>
+                      <a:headEnd type="none" w="med" len="med"/>
+                      <a:tailEnd type="none" w="med" len="med"/>
+                    </a:lnB>
+                    <a:noFill/>
+                  </a:tcPr>
+                </a:tc>
+                <a:tc>
+                  <a:txBody>
+                    <a:bodyPr/>
+                    <a:lstStyle/>
+                    <a:p>
+                      <a:pPr algn="ctr"/>
+                      <a:r>
+                        <a:rPr kumimoji="1" lang="en-US" altLang="ja-JP" sz="2600" dirty="0" smtClean="0">
+                          <a:solidFill>
+                            <a:schemeClr val="tx1"/>
+                          </a:solidFill>
+                        </a:rPr>
+                        <a:t>6</a:t>
+                      </a:r>
+                      <a:endParaRPr kumimoji="1" lang="ja-JP" altLang="en-US" sz="2600" dirty="0">
+                        <a:solidFill>
+                          <a:schemeClr val="tx1"/>
+                        </a:solidFill>
+                      </a:endParaRPr>
+                    </a:p>
+                  </a:txBody>
+                  <a:tcPr marL="132891" marR="132891" marT="66446" marB="66446" anchor="ctr">
+                    <a:lnL w="12700" cap="flat" cmpd="sng" algn="ctr">
+                      <a:solidFill>
+                        <a:schemeClr val="tx1"/>
+                      </a:solidFill>
+                      <a:prstDash val="solid"/>
+                      <a:round/>
+                      <a:headEnd type="none" w="med" len="med"/>
+                      <a:tailEnd type="none" w="med" len="med"/>
+                    </a:lnL>
+                    <a:lnR w="12700" cap="flat" cmpd="sng" algn="ctr">
+                      <a:solidFill>
+                        <a:schemeClr val="tx1"/>
+                      </a:solidFill>
+                      <a:prstDash val="solid"/>
+                      <a:round/>
+                      <a:headEnd type="none" w="med" len="med"/>
+                      <a:tailEnd type="none" w="med" len="med"/>
+                    </a:lnR>
+                    <a:lnT w="12700" cap="flat" cmpd="sng" algn="ctr">
+                      <a:solidFill>
+                        <a:schemeClr val="tx1"/>
+                      </a:solidFill>
+                      <a:prstDash val="solid"/>
+                      <a:round/>
+                      <a:headEnd type="none" w="med" len="med"/>
+                      <a:tailEnd type="none" w="med" len="med"/>
+                    </a:lnT>
+                    <a:lnB w="12700" cap="flat" cmpd="sng" algn="ctr">
+                      <a:solidFill>
+                        <a:schemeClr val="tx1"/>
+                      </a:solidFill>
+                      <a:prstDash val="solid"/>
+                      <a:round/>
+                      <a:headEnd type="none" w="med" len="med"/>
+                      <a:tailEnd type="none" w="med" len="med"/>
+                    </a:lnB>
+                    <a:noFill/>
+                  </a:tcPr>
+                </a:tc>
+                <a:tc>
+                  <a:txBody>
+                    <a:bodyPr/>
+                    <a:lstStyle/>
+                    <a:p>
+                      <a:pPr algn="ctr"/>
+                      <a:r>
+                        <a:rPr kumimoji="1" lang="en-US" altLang="ja-JP" sz="2600" dirty="0" smtClean="0">
+                          <a:solidFill>
+                            <a:schemeClr val="tx1"/>
+                          </a:solidFill>
+                        </a:rPr>
+                        <a:t>4</a:t>
+                      </a:r>
+                      <a:endParaRPr kumimoji="1" lang="ja-JP" altLang="en-US" sz="2600" dirty="0">
+                        <a:solidFill>
+                          <a:schemeClr val="tx1"/>
+                        </a:solidFill>
+                      </a:endParaRPr>
+                    </a:p>
+                  </a:txBody>
+                  <a:tcPr marL="132891" marR="132891" marT="66446" marB="66446" anchor="ctr">
+                    <a:lnL w="12700" cap="flat" cmpd="sng" algn="ctr">
+                      <a:solidFill>
+                        <a:schemeClr val="tx1"/>
+                      </a:solidFill>
+                      <a:prstDash val="solid"/>
+                      <a:round/>
+                      <a:headEnd type="none" w="med" len="med"/>
+                      <a:tailEnd type="none" w="med" len="med"/>
+                    </a:lnL>
+                    <a:lnR w="12700" cap="flat" cmpd="sng" algn="ctr">
+                      <a:solidFill>
+                        <a:schemeClr val="tx1"/>
+                      </a:solidFill>
+                      <a:prstDash val="solid"/>
+                      <a:round/>
+                      <a:headEnd type="none" w="med" len="med"/>
+                      <a:tailEnd type="none" w="med" len="med"/>
+                    </a:lnR>
+                    <a:lnT w="12700" cap="flat" cmpd="sng" algn="ctr">
+                      <a:solidFill>
+                        <a:schemeClr val="tx1"/>
+                      </a:solidFill>
+                      <a:prstDash val="solid"/>
+                      <a:round/>
+                      <a:headEnd type="none" w="med" len="med"/>
+                      <a:tailEnd type="none" w="med" len="med"/>
+                    </a:lnT>
+                    <a:lnB w="12700" cap="flat" cmpd="sng" algn="ctr">
+                      <a:solidFill>
+                        <a:schemeClr val="tx1"/>
+                      </a:solidFill>
+                      <a:prstDash val="solid"/>
+                      <a:round/>
+                      <a:headEnd type="none" w="med" len="med"/>
+                      <a:tailEnd type="none" w="med" len="med"/>
+                    </a:lnB>
+                    <a:noFill/>
+                  </a:tcPr>
+                </a:tc>
+                <a:tc>
+                  <a:txBody>
+                    <a:bodyPr/>
+                    <a:lstStyle/>
+                    <a:p>
+                      <a:pPr algn="ctr"/>
+                      <a:r>
+                        <a:rPr kumimoji="1" lang="en-US" altLang="ja-JP" sz="2600" dirty="0" smtClean="0">
+                          <a:solidFill>
+                            <a:schemeClr val="tx1"/>
+                          </a:solidFill>
+                        </a:rPr>
+                        <a:t>0</a:t>
+                      </a:r>
+                      <a:endParaRPr kumimoji="1" lang="ja-JP" altLang="en-US" sz="2600" dirty="0">
+                        <a:solidFill>
+                          <a:schemeClr val="tx1"/>
+                        </a:solidFill>
+                      </a:endParaRPr>
+                    </a:p>
+                  </a:txBody>
+                  <a:tcPr marL="132891" marR="132891" marT="66446" marB="66446" anchor="ctr">
+                    <a:lnL w="12700" cap="flat" cmpd="sng" algn="ctr">
+                      <a:solidFill>
+                        <a:schemeClr val="tx1"/>
+                      </a:solidFill>
+                      <a:prstDash val="solid"/>
+                      <a:round/>
+                      <a:headEnd type="none" w="med" len="med"/>
+                      <a:tailEnd type="none" w="med" len="med"/>
+                    </a:lnL>
+                    <a:lnR w="12700" cap="flat" cmpd="sng" algn="ctr">
+                      <a:solidFill>
+                        <a:schemeClr val="tx1"/>
+                      </a:solidFill>
+                      <a:prstDash val="solid"/>
+                      <a:round/>
+                      <a:headEnd type="none" w="med" len="med"/>
+                      <a:tailEnd type="none" w="med" len="med"/>
+                    </a:lnR>
+                    <a:lnT w="12700" cap="flat" cmpd="sng" algn="ctr">
+                      <a:solidFill>
+                        <a:schemeClr val="tx1"/>
+                      </a:solidFill>
+                      <a:prstDash val="solid"/>
+                      <a:round/>
+                      <a:headEnd type="none" w="med" len="med"/>
+                      <a:tailEnd type="none" w="med" len="med"/>
+                    </a:lnT>
+                    <a:lnB w="12700" cap="flat" cmpd="sng" algn="ctr">
+                      <a:solidFill>
+                        <a:schemeClr val="tx1"/>
+                      </a:solidFill>
+                      <a:prstDash val="solid"/>
+                      <a:round/>
+                      <a:headEnd type="none" w="med" len="med"/>
+                      <a:tailEnd type="none" w="med" len="med"/>
+                    </a:lnB>
+                    <a:noFill/>
+                  </a:tcPr>
+                </a:tc>
+              </a:tr>
+            </a:tbl>
+          </a:graphicData>
+        </a:graphic>
+      </p:graphicFrame>
       <p:pic>
         <p:nvPicPr>
-          <p:cNvPr id="28" name="Picture 2"/>
+          <p:cNvPr id="43" name="Picture 3"/>
           <p:cNvPicPr>
             <a:picLocks noChangeAspect="1" noChangeArrowheads="1"/>
           </p:cNvPicPr>
           <p:nvPr/>
         </p:nvPicPr>
         <p:blipFill>
-          <a:blip r:embed="rId3">
+          <a:blip r:embed="rId2">
             <a:extLst>
               <a:ext uri="{28A0092B-C50C-407E-A947-70E740481C1C}">
                 <a14:useLocalDpi xmlns:a14="http://schemas.microsoft.com/office/drawing/2010/main" val="0"/>
@@ -5054,8 +6500,8 @@
         </p:blipFill>
         <p:spPr bwMode="auto">
           <a:xfrm>
-            <a:off x="1552225" y="1268761"/>
-            <a:ext cx="5804290" cy="2213834"/>
+            <a:off x="2366888" y="1052736"/>
+            <a:ext cx="4221336" cy="2503728"/>
           </a:xfrm>
           <a:prstGeom prst="rect">
             <a:avLst/>
@@ -5095,16 +6541,374 @@
           </a:extLst>
         </p:spPr>
       </p:pic>
+      <p:cxnSp>
+        <p:nvCxnSpPr>
+          <p:cNvPr id="44" name="直線コネクタ 43"/>
+          <p:cNvCxnSpPr/>
+          <p:nvPr/>
+        </p:nvCxnSpPr>
+        <p:spPr>
+          <a:xfrm>
+            <a:off x="1115616" y="4242792"/>
+            <a:ext cx="0" cy="554360"/>
+          </a:xfrm>
+          <a:prstGeom prst="line">
+            <a:avLst/>
+          </a:prstGeom>
+          <a:ln w="38100">
+            <a:solidFill>
+              <a:schemeClr val="accent6">
+                <a:lumMod val="75000"/>
+              </a:schemeClr>
+            </a:solidFill>
+          </a:ln>
+        </p:spPr>
+        <p:style>
+          <a:lnRef idx="1">
+            <a:schemeClr val="accent1"/>
+          </a:lnRef>
+          <a:fillRef idx="0">
+            <a:schemeClr val="accent1"/>
+          </a:fillRef>
+          <a:effectRef idx="0">
+            <a:schemeClr val="accent1"/>
+          </a:effectRef>
+          <a:fontRef idx="minor">
+            <a:schemeClr val="tx1"/>
+          </a:fontRef>
+        </p:style>
+      </p:cxnSp>
+      <p:cxnSp>
+        <p:nvCxnSpPr>
+          <p:cNvPr id="45" name="直線コネクタ 44"/>
+          <p:cNvCxnSpPr/>
+          <p:nvPr/>
+        </p:nvCxnSpPr>
+        <p:spPr>
+          <a:xfrm>
+            <a:off x="1115616" y="4797152"/>
+            <a:ext cx="3456384" cy="0"/>
+          </a:xfrm>
+          <a:prstGeom prst="line">
+            <a:avLst/>
+          </a:prstGeom>
+          <a:ln w="38100">
+            <a:solidFill>
+              <a:schemeClr val="accent6">
+                <a:lumMod val="75000"/>
+              </a:schemeClr>
+            </a:solidFill>
+          </a:ln>
+        </p:spPr>
+        <p:style>
+          <a:lnRef idx="1">
+            <a:schemeClr val="accent1"/>
+          </a:lnRef>
+          <a:fillRef idx="0">
+            <a:schemeClr val="accent1"/>
+          </a:fillRef>
+          <a:effectRef idx="0">
+            <a:schemeClr val="accent1"/>
+          </a:effectRef>
+          <a:fontRef idx="minor">
+            <a:schemeClr val="tx1"/>
+          </a:fontRef>
+        </p:style>
+      </p:cxnSp>
+      <p:cxnSp>
+        <p:nvCxnSpPr>
+          <p:cNvPr id="46" name="直線コネクタ 45"/>
+          <p:cNvCxnSpPr/>
+          <p:nvPr/>
+        </p:nvCxnSpPr>
+        <p:spPr>
+          <a:xfrm>
+            <a:off x="4572000" y="4242792"/>
+            <a:ext cx="0" cy="554360"/>
+          </a:xfrm>
+          <a:prstGeom prst="line">
+            <a:avLst/>
+          </a:prstGeom>
+          <a:ln w="38100">
+            <a:solidFill>
+              <a:schemeClr val="accent6">
+                <a:lumMod val="75000"/>
+              </a:schemeClr>
+            </a:solidFill>
+          </a:ln>
+        </p:spPr>
+        <p:style>
+          <a:lnRef idx="1">
+            <a:schemeClr val="accent1"/>
+          </a:lnRef>
+          <a:fillRef idx="0">
+            <a:schemeClr val="accent1"/>
+          </a:fillRef>
+          <a:effectRef idx="0">
+            <a:schemeClr val="accent1"/>
+          </a:effectRef>
+          <a:fontRef idx="minor">
+            <a:schemeClr val="tx1"/>
+          </a:fontRef>
+        </p:style>
+      </p:cxnSp>
+      <p:cxnSp>
+        <p:nvCxnSpPr>
+          <p:cNvPr id="47" name="直線コネクタ 46"/>
+          <p:cNvCxnSpPr/>
+          <p:nvPr/>
+        </p:nvCxnSpPr>
+        <p:spPr>
+          <a:xfrm>
+            <a:off x="539552" y="4243326"/>
+            <a:ext cx="0" cy="914400"/>
+          </a:xfrm>
+          <a:prstGeom prst="line">
+            <a:avLst/>
+          </a:prstGeom>
+          <a:ln w="38100">
+            <a:solidFill>
+              <a:schemeClr val="accent1"/>
+            </a:solidFill>
+          </a:ln>
+        </p:spPr>
+        <p:style>
+          <a:lnRef idx="1">
+            <a:schemeClr val="accent1"/>
+          </a:lnRef>
+          <a:fillRef idx="0">
+            <a:schemeClr val="accent1"/>
+          </a:fillRef>
+          <a:effectRef idx="0">
+            <a:schemeClr val="accent1"/>
+          </a:effectRef>
+          <a:fontRef idx="minor">
+            <a:schemeClr val="tx1"/>
+          </a:fontRef>
+        </p:style>
+      </p:cxnSp>
+      <p:cxnSp>
+        <p:nvCxnSpPr>
+          <p:cNvPr id="48" name="直線コネクタ 47"/>
+          <p:cNvCxnSpPr/>
+          <p:nvPr/>
+        </p:nvCxnSpPr>
+        <p:spPr>
+          <a:xfrm>
+            <a:off x="539552" y="5157726"/>
+            <a:ext cx="8064896" cy="0"/>
+          </a:xfrm>
+          <a:prstGeom prst="line">
+            <a:avLst/>
+          </a:prstGeom>
+          <a:ln w="38100">
+            <a:solidFill>
+              <a:schemeClr val="accent1"/>
+            </a:solidFill>
+          </a:ln>
+        </p:spPr>
+        <p:style>
+          <a:lnRef idx="1">
+            <a:schemeClr val="accent1"/>
+          </a:lnRef>
+          <a:fillRef idx="0">
+            <a:schemeClr val="accent1"/>
+          </a:fillRef>
+          <a:effectRef idx="0">
+            <a:schemeClr val="accent1"/>
+          </a:effectRef>
+          <a:fontRef idx="minor">
+            <a:schemeClr val="tx1"/>
+          </a:fontRef>
+        </p:style>
+      </p:cxnSp>
+      <p:cxnSp>
+        <p:nvCxnSpPr>
+          <p:cNvPr id="49" name="直線コネクタ 48"/>
+          <p:cNvCxnSpPr/>
+          <p:nvPr/>
+        </p:nvCxnSpPr>
+        <p:spPr>
+          <a:xfrm>
+            <a:off x="8604448" y="4221088"/>
+            <a:ext cx="0" cy="914400"/>
+          </a:xfrm>
+          <a:prstGeom prst="line">
+            <a:avLst/>
+          </a:prstGeom>
+          <a:ln w="38100">
+            <a:solidFill>
+              <a:schemeClr val="accent1"/>
+            </a:solidFill>
+          </a:ln>
+        </p:spPr>
+        <p:style>
+          <a:lnRef idx="1">
+            <a:schemeClr val="accent1"/>
+          </a:lnRef>
+          <a:fillRef idx="0">
+            <a:schemeClr val="accent1"/>
+          </a:fillRef>
+          <a:effectRef idx="0">
+            <a:schemeClr val="accent1"/>
+          </a:effectRef>
+          <a:fontRef idx="minor">
+            <a:schemeClr val="tx1"/>
+          </a:fontRef>
+        </p:style>
+      </p:cxnSp>
+      <p:cxnSp>
+        <p:nvCxnSpPr>
+          <p:cNvPr id="50" name="直線コネクタ 49"/>
+          <p:cNvCxnSpPr/>
+          <p:nvPr/>
+        </p:nvCxnSpPr>
+        <p:spPr>
+          <a:xfrm>
+            <a:off x="1700064" y="4221088"/>
+            <a:ext cx="0" cy="277180"/>
+          </a:xfrm>
+          <a:prstGeom prst="line">
+            <a:avLst/>
+          </a:prstGeom>
+          <a:ln w="38100">
+            <a:solidFill>
+              <a:schemeClr val="accent2"/>
+            </a:solidFill>
+          </a:ln>
+        </p:spPr>
+        <p:style>
+          <a:lnRef idx="1">
+            <a:schemeClr val="accent1"/>
+          </a:lnRef>
+          <a:fillRef idx="0">
+            <a:schemeClr val="accent1"/>
+          </a:fillRef>
+          <a:effectRef idx="0">
+            <a:schemeClr val="accent1"/>
+          </a:effectRef>
+          <a:fontRef idx="minor">
+            <a:schemeClr val="tx1"/>
+          </a:fontRef>
+        </p:style>
+      </p:cxnSp>
+      <p:cxnSp>
+        <p:nvCxnSpPr>
+          <p:cNvPr id="51" name="直線コネクタ 50"/>
+          <p:cNvCxnSpPr/>
+          <p:nvPr/>
+        </p:nvCxnSpPr>
+        <p:spPr>
+          <a:xfrm>
+            <a:off x="1700064" y="4498268"/>
+            <a:ext cx="1143744" cy="0"/>
+          </a:xfrm>
+          <a:prstGeom prst="line">
+            <a:avLst/>
+          </a:prstGeom>
+          <a:ln w="38100">
+            <a:solidFill>
+              <a:schemeClr val="accent2"/>
+            </a:solidFill>
+          </a:ln>
+        </p:spPr>
+        <p:style>
+          <a:lnRef idx="1">
+            <a:schemeClr val="accent1"/>
+          </a:lnRef>
+          <a:fillRef idx="0">
+            <a:schemeClr val="accent1"/>
+          </a:fillRef>
+          <a:effectRef idx="0">
+            <a:schemeClr val="accent1"/>
+          </a:effectRef>
+          <a:fontRef idx="minor">
+            <a:schemeClr val="tx1"/>
+          </a:fontRef>
+        </p:style>
+      </p:cxnSp>
+      <p:cxnSp>
+        <p:nvCxnSpPr>
+          <p:cNvPr id="54" name="直線コネクタ 53"/>
+          <p:cNvCxnSpPr/>
+          <p:nvPr/>
+        </p:nvCxnSpPr>
+        <p:spPr>
+          <a:xfrm>
+            <a:off x="2843808" y="4221088"/>
+            <a:ext cx="0" cy="277180"/>
+          </a:xfrm>
+          <a:prstGeom prst="line">
+            <a:avLst/>
+          </a:prstGeom>
+          <a:ln w="38100">
+            <a:solidFill>
+              <a:schemeClr val="accent2"/>
+            </a:solidFill>
+          </a:ln>
+        </p:spPr>
+        <p:style>
+          <a:lnRef idx="1">
+            <a:schemeClr val="accent1"/>
+          </a:lnRef>
+          <a:fillRef idx="0">
+            <a:schemeClr val="accent1"/>
+          </a:fillRef>
+          <a:effectRef idx="0">
+            <a:schemeClr val="accent1"/>
+          </a:effectRef>
+          <a:fontRef idx="minor">
+            <a:schemeClr val="tx1"/>
+          </a:fontRef>
+        </p:style>
+      </p:cxnSp>
+      <p:sp>
+        <p:nvSpPr>
+          <p:cNvPr id="56" name="テキスト ボックス 55"/>
+          <p:cNvSpPr txBox="1"/>
+          <p:nvPr/>
+        </p:nvSpPr>
+        <p:spPr>
+          <a:xfrm>
+            <a:off x="1655676" y="5661247"/>
+            <a:ext cx="5832648" cy="584775"/>
+          </a:xfrm>
+          <a:prstGeom prst="rect">
+            <a:avLst/>
+          </a:prstGeom>
+          <a:noFill/>
+        </p:spPr>
+        <p:txBody>
+          <a:bodyPr wrap="square" rtlCol="0">
+            <a:spAutoFit/>
+          </a:bodyPr>
+          <a:lstStyle/>
+          <a:p>
+            <a:r>
+              <a:rPr lang="ja-JP" altLang="en-US" sz="3200" dirty="0" smtClean="0"/>
+              <a:t>子孫は完全に親の区間に含まれる</a:t>
+            </a:r>
+            <a:endParaRPr kumimoji="1" lang="ja-JP" altLang="en-US" sz="3200" dirty="0"/>
+          </a:p>
+        </p:txBody>
+      </p:sp>
     </p:spTree>
     <p:extLst>
       <p:ext uri="{BB962C8B-B14F-4D97-AF65-F5344CB8AC3E}">
-        <p14:creationId xmlns:p14="http://schemas.microsoft.com/office/powerpoint/2010/main" val="73569221"/>
+        <p14:creationId xmlns:p14="http://schemas.microsoft.com/office/powerpoint/2010/main" val="2146303716"/>
       </p:ext>
     </p:extLst>
   </p:cSld>
   <p:clrMapOvr>
     <a:masterClrMapping/>
   </p:clrMapOvr>
+  <p:timing>
+    <p:tnLst>
+      <p:par>
+        <p:cTn id="1" dur="indefinite" restart="never" nodeType="tmRoot"/>
+      </p:par>
+    </p:tnLst>
+  </p:timing>
 </p:sld>
 </file>
 
@@ -5141,21 +6945,1268 @@
           <a:lstStyle/>
           <a:p>
             <a:r>
-              <a:rPr kumimoji="1" lang="ja-JP" altLang="en-US" dirty="0" smtClean="0"/>
-              <a:t>統計情報</a:t>
+              <a:rPr lang="ja-JP" altLang="en-US" dirty="0"/>
+              <a:t>オイラーツアー</a:t>
             </a:r>
             <a:endParaRPr kumimoji="1" lang="ja-JP" altLang="en-US" dirty="0"/>
           </a:p>
         </p:txBody>
       </p:sp>
+      <p:graphicFrame>
+        <p:nvGraphicFramePr>
+          <p:cNvPr id="4" name="表 3"/>
+          <p:cNvGraphicFramePr>
+            <a:graphicFrameLocks noGrp="1"/>
+          </p:cNvGraphicFramePr>
+          <p:nvPr>
+            <p:extLst>
+              <p:ext uri="{D42A27DB-BD31-4B8C-83A1-F6EECF244321}">
+                <p14:modId xmlns:p14="http://schemas.microsoft.com/office/powerpoint/2010/main" val="3430575335"/>
+              </p:ext>
+            </p:extLst>
+          </p:nvPr>
+        </p:nvGraphicFramePr>
+        <p:xfrm>
+          <a:off x="524140" y="3645024"/>
+          <a:ext cx="8064000" cy="576000"/>
+        </p:xfrm>
+        <a:graphic>
+          <a:graphicData uri="http://schemas.openxmlformats.org/drawingml/2006/table">
+            <a:tbl>
+              <a:tblPr firstRow="1" bandRow="1">
+                <a:tableStyleId>{5C22544A-7EE6-4342-B048-85BDC9FD1C3A}</a:tableStyleId>
+              </a:tblPr>
+              <a:tblGrid>
+                <a:gridCol w="576000"/>
+                <a:gridCol w="576000"/>
+                <a:gridCol w="576000"/>
+                <a:gridCol w="576000"/>
+                <a:gridCol w="576000"/>
+                <a:gridCol w="576000"/>
+                <a:gridCol w="576000"/>
+                <a:gridCol w="576000"/>
+                <a:gridCol w="576000"/>
+                <a:gridCol w="576000"/>
+                <a:gridCol w="576000"/>
+                <a:gridCol w="576000"/>
+                <a:gridCol w="576000"/>
+                <a:gridCol w="576000"/>
+              </a:tblGrid>
+              <a:tr h="576000">
+                <a:tc>
+                  <a:txBody>
+                    <a:bodyPr/>
+                    <a:lstStyle/>
+                    <a:p>
+                      <a:pPr algn="ctr"/>
+                      <a:r>
+                        <a:rPr kumimoji="1" lang="en-US" altLang="ja-JP" sz="2600" dirty="0" smtClean="0">
+                          <a:solidFill>
+                            <a:schemeClr val="tx1"/>
+                          </a:solidFill>
+                        </a:rPr>
+                        <a:t>0</a:t>
+                      </a:r>
+                      <a:endParaRPr kumimoji="1" lang="ja-JP" altLang="en-US" sz="2600" dirty="0">
+                        <a:solidFill>
+                          <a:schemeClr val="tx1"/>
+                        </a:solidFill>
+                      </a:endParaRPr>
+                    </a:p>
+                  </a:txBody>
+                  <a:tcPr marL="132891" marR="132891" marT="66446" marB="66446" anchor="ctr">
+                    <a:lnL w="12700" cap="flat" cmpd="sng" algn="ctr">
+                      <a:solidFill>
+                        <a:schemeClr val="tx1"/>
+                      </a:solidFill>
+                      <a:prstDash val="solid"/>
+                      <a:round/>
+                      <a:headEnd type="none" w="med" len="med"/>
+                      <a:tailEnd type="none" w="med" len="med"/>
+                    </a:lnL>
+                    <a:lnR w="12700" cap="flat" cmpd="sng" algn="ctr">
+                      <a:solidFill>
+                        <a:schemeClr val="tx1"/>
+                      </a:solidFill>
+                      <a:prstDash val="solid"/>
+                      <a:round/>
+                      <a:headEnd type="none" w="med" len="med"/>
+                      <a:tailEnd type="none" w="med" len="med"/>
+                    </a:lnR>
+                    <a:lnT w="12700" cap="flat" cmpd="sng" algn="ctr">
+                      <a:solidFill>
+                        <a:schemeClr val="tx1"/>
+                      </a:solidFill>
+                      <a:prstDash val="solid"/>
+                      <a:round/>
+                      <a:headEnd type="none" w="med" len="med"/>
+                      <a:tailEnd type="none" w="med" len="med"/>
+                    </a:lnT>
+                    <a:lnB w="12700" cap="flat" cmpd="sng" algn="ctr">
+                      <a:solidFill>
+                        <a:schemeClr val="tx1"/>
+                      </a:solidFill>
+                      <a:prstDash val="solid"/>
+                      <a:round/>
+                      <a:headEnd type="none" w="med" len="med"/>
+                      <a:tailEnd type="none" w="med" len="med"/>
+                    </a:lnB>
+                    <a:noFill/>
+                  </a:tcPr>
+                </a:tc>
+                <a:tc>
+                  <a:txBody>
+                    <a:bodyPr/>
+                    <a:lstStyle/>
+                    <a:p>
+                      <a:pPr algn="ctr"/>
+                      <a:r>
+                        <a:rPr kumimoji="1" lang="en-US" altLang="ja-JP" sz="2600" dirty="0" smtClean="0">
+                          <a:solidFill>
+                            <a:schemeClr val="tx1"/>
+                          </a:solidFill>
+                        </a:rPr>
+                        <a:t>1</a:t>
+                      </a:r>
+                      <a:endParaRPr kumimoji="1" lang="ja-JP" altLang="en-US" sz="2600" dirty="0">
+                        <a:solidFill>
+                          <a:schemeClr val="tx1"/>
+                        </a:solidFill>
+                      </a:endParaRPr>
+                    </a:p>
+                  </a:txBody>
+                  <a:tcPr marL="132891" marR="132891" marT="66446" marB="66446" anchor="ctr">
+                    <a:lnL w="12700" cap="flat" cmpd="sng" algn="ctr">
+                      <a:solidFill>
+                        <a:schemeClr val="tx1"/>
+                      </a:solidFill>
+                      <a:prstDash val="solid"/>
+                      <a:round/>
+                      <a:headEnd type="none" w="med" len="med"/>
+                      <a:tailEnd type="none" w="med" len="med"/>
+                    </a:lnL>
+                    <a:lnR w="12700" cap="flat" cmpd="sng" algn="ctr">
+                      <a:solidFill>
+                        <a:schemeClr val="tx1"/>
+                      </a:solidFill>
+                      <a:prstDash val="solid"/>
+                      <a:round/>
+                      <a:headEnd type="none" w="med" len="med"/>
+                      <a:tailEnd type="none" w="med" len="med"/>
+                    </a:lnR>
+                    <a:lnT w="12700" cap="flat" cmpd="sng" algn="ctr">
+                      <a:solidFill>
+                        <a:schemeClr val="tx1"/>
+                      </a:solidFill>
+                      <a:prstDash val="solid"/>
+                      <a:round/>
+                      <a:headEnd type="none" w="med" len="med"/>
+                      <a:tailEnd type="none" w="med" len="med"/>
+                    </a:lnT>
+                    <a:lnB w="12700" cap="flat" cmpd="sng" algn="ctr">
+                      <a:solidFill>
+                        <a:schemeClr val="tx1"/>
+                      </a:solidFill>
+                      <a:prstDash val="solid"/>
+                      <a:round/>
+                      <a:headEnd type="none" w="med" len="med"/>
+                      <a:tailEnd type="none" w="med" len="med"/>
+                    </a:lnB>
+                    <a:noFill/>
+                  </a:tcPr>
+                </a:tc>
+                <a:tc>
+                  <a:txBody>
+                    <a:bodyPr/>
+                    <a:lstStyle/>
+                    <a:p>
+                      <a:pPr algn="ctr"/>
+                      <a:r>
+                        <a:rPr kumimoji="1" lang="en-US" altLang="ja-JP" sz="2600" dirty="0" smtClean="0">
+                          <a:solidFill>
+                            <a:schemeClr val="tx1"/>
+                          </a:solidFill>
+                        </a:rPr>
+                        <a:t>2</a:t>
+                      </a:r>
+                      <a:endParaRPr kumimoji="1" lang="ja-JP" altLang="en-US" sz="2600" dirty="0">
+                        <a:solidFill>
+                          <a:schemeClr val="tx1"/>
+                        </a:solidFill>
+                      </a:endParaRPr>
+                    </a:p>
+                  </a:txBody>
+                  <a:tcPr marL="132891" marR="132891" marT="66446" marB="66446" anchor="ctr">
+                    <a:lnL w="12700" cap="flat" cmpd="sng" algn="ctr">
+                      <a:solidFill>
+                        <a:schemeClr val="tx1"/>
+                      </a:solidFill>
+                      <a:prstDash val="solid"/>
+                      <a:round/>
+                      <a:headEnd type="none" w="med" len="med"/>
+                      <a:tailEnd type="none" w="med" len="med"/>
+                    </a:lnL>
+                    <a:lnR w="12700" cap="flat" cmpd="sng" algn="ctr">
+                      <a:solidFill>
+                        <a:schemeClr val="tx1"/>
+                      </a:solidFill>
+                      <a:prstDash val="solid"/>
+                      <a:round/>
+                      <a:headEnd type="none" w="med" len="med"/>
+                      <a:tailEnd type="none" w="med" len="med"/>
+                    </a:lnR>
+                    <a:lnT w="12700" cap="flat" cmpd="sng" algn="ctr">
+                      <a:solidFill>
+                        <a:schemeClr val="tx1"/>
+                      </a:solidFill>
+                      <a:prstDash val="solid"/>
+                      <a:round/>
+                      <a:headEnd type="none" w="med" len="med"/>
+                      <a:tailEnd type="none" w="med" len="med"/>
+                    </a:lnT>
+                    <a:lnB w="12700" cap="flat" cmpd="sng" algn="ctr">
+                      <a:solidFill>
+                        <a:schemeClr val="tx1"/>
+                      </a:solidFill>
+                      <a:prstDash val="solid"/>
+                      <a:round/>
+                      <a:headEnd type="none" w="med" len="med"/>
+                      <a:tailEnd type="none" w="med" len="med"/>
+                    </a:lnB>
+                    <a:noFill/>
+                  </a:tcPr>
+                </a:tc>
+                <a:tc>
+                  <a:txBody>
+                    <a:bodyPr/>
+                    <a:lstStyle/>
+                    <a:p>
+                      <a:pPr algn="ctr"/>
+                      <a:r>
+                        <a:rPr kumimoji="1" lang="en-US" altLang="ja-JP" sz="2600" dirty="0" smtClean="0">
+                          <a:solidFill>
+                            <a:schemeClr val="tx1"/>
+                          </a:solidFill>
+                        </a:rPr>
+                        <a:t>2</a:t>
+                      </a:r>
+                      <a:endParaRPr kumimoji="1" lang="ja-JP" altLang="en-US" sz="2600" dirty="0">
+                        <a:solidFill>
+                          <a:schemeClr val="tx1"/>
+                        </a:solidFill>
+                      </a:endParaRPr>
+                    </a:p>
+                  </a:txBody>
+                  <a:tcPr marL="132891" marR="132891" marT="66446" marB="66446" anchor="ctr">
+                    <a:lnL w="12700" cap="flat" cmpd="sng" algn="ctr">
+                      <a:solidFill>
+                        <a:schemeClr val="tx1"/>
+                      </a:solidFill>
+                      <a:prstDash val="solid"/>
+                      <a:round/>
+                      <a:headEnd type="none" w="med" len="med"/>
+                      <a:tailEnd type="none" w="med" len="med"/>
+                    </a:lnL>
+                    <a:lnR w="12700" cap="flat" cmpd="sng" algn="ctr">
+                      <a:solidFill>
+                        <a:schemeClr val="tx1"/>
+                      </a:solidFill>
+                      <a:prstDash val="solid"/>
+                      <a:round/>
+                      <a:headEnd type="none" w="med" len="med"/>
+                      <a:tailEnd type="none" w="med" len="med"/>
+                    </a:lnR>
+                    <a:lnT w="12700" cap="flat" cmpd="sng" algn="ctr">
+                      <a:solidFill>
+                        <a:schemeClr val="tx1"/>
+                      </a:solidFill>
+                      <a:prstDash val="solid"/>
+                      <a:round/>
+                      <a:headEnd type="none" w="med" len="med"/>
+                      <a:tailEnd type="none" w="med" len="med"/>
+                    </a:lnT>
+                    <a:lnB w="12700" cap="flat" cmpd="sng" algn="ctr">
+                      <a:solidFill>
+                        <a:schemeClr val="tx1"/>
+                      </a:solidFill>
+                      <a:prstDash val="solid"/>
+                      <a:round/>
+                      <a:headEnd type="none" w="med" len="med"/>
+                      <a:tailEnd type="none" w="med" len="med"/>
+                    </a:lnB>
+                    <a:noFill/>
+                  </a:tcPr>
+                </a:tc>
+                <a:tc>
+                  <a:txBody>
+                    <a:bodyPr/>
+                    <a:lstStyle/>
+                    <a:p>
+                      <a:pPr algn="ctr"/>
+                      <a:r>
+                        <a:rPr kumimoji="1" lang="en-US" altLang="ja-JP" sz="2600" dirty="0" smtClean="0">
+                          <a:solidFill>
+                            <a:schemeClr val="tx1"/>
+                          </a:solidFill>
+                        </a:rPr>
+                        <a:t>3</a:t>
+                      </a:r>
+                      <a:endParaRPr kumimoji="1" lang="ja-JP" altLang="en-US" sz="2600" dirty="0">
+                        <a:solidFill>
+                          <a:schemeClr val="tx1"/>
+                        </a:solidFill>
+                      </a:endParaRPr>
+                    </a:p>
+                  </a:txBody>
+                  <a:tcPr marL="132891" marR="132891" marT="66446" marB="66446" anchor="ctr">
+                    <a:lnL w="12700" cap="flat" cmpd="sng" algn="ctr">
+                      <a:solidFill>
+                        <a:schemeClr val="tx1"/>
+                      </a:solidFill>
+                      <a:prstDash val="solid"/>
+                      <a:round/>
+                      <a:headEnd type="none" w="med" len="med"/>
+                      <a:tailEnd type="none" w="med" len="med"/>
+                    </a:lnL>
+                    <a:lnR w="12700" cap="flat" cmpd="sng" algn="ctr">
+                      <a:solidFill>
+                        <a:schemeClr val="tx1"/>
+                      </a:solidFill>
+                      <a:prstDash val="solid"/>
+                      <a:round/>
+                      <a:headEnd type="none" w="med" len="med"/>
+                      <a:tailEnd type="none" w="med" len="med"/>
+                    </a:lnR>
+                    <a:lnT w="12700" cap="flat" cmpd="sng" algn="ctr">
+                      <a:solidFill>
+                        <a:schemeClr val="tx1"/>
+                      </a:solidFill>
+                      <a:prstDash val="solid"/>
+                      <a:round/>
+                      <a:headEnd type="none" w="med" len="med"/>
+                      <a:tailEnd type="none" w="med" len="med"/>
+                    </a:lnT>
+                    <a:lnB w="12700" cap="flat" cmpd="sng" algn="ctr">
+                      <a:solidFill>
+                        <a:schemeClr val="tx1"/>
+                      </a:solidFill>
+                      <a:prstDash val="solid"/>
+                      <a:round/>
+                      <a:headEnd type="none" w="med" len="med"/>
+                      <a:tailEnd type="none" w="med" len="med"/>
+                    </a:lnB>
+                    <a:noFill/>
+                  </a:tcPr>
+                </a:tc>
+                <a:tc>
+                  <a:txBody>
+                    <a:bodyPr/>
+                    <a:lstStyle/>
+                    <a:p>
+                      <a:pPr algn="ctr"/>
+                      <a:r>
+                        <a:rPr kumimoji="1" lang="en-US" altLang="ja-JP" sz="2600" dirty="0" smtClean="0">
+                          <a:solidFill>
+                            <a:schemeClr val="tx1"/>
+                          </a:solidFill>
+                        </a:rPr>
+                        <a:t>3</a:t>
+                      </a:r>
+                      <a:endParaRPr kumimoji="1" lang="ja-JP" altLang="en-US" sz="2600" dirty="0">
+                        <a:solidFill>
+                          <a:schemeClr val="tx1"/>
+                        </a:solidFill>
+                      </a:endParaRPr>
+                    </a:p>
+                  </a:txBody>
+                  <a:tcPr marL="132891" marR="132891" marT="66446" marB="66446" anchor="ctr">
+                    <a:lnL w="12700" cap="flat" cmpd="sng" algn="ctr">
+                      <a:solidFill>
+                        <a:schemeClr val="tx1"/>
+                      </a:solidFill>
+                      <a:prstDash val="solid"/>
+                      <a:round/>
+                      <a:headEnd type="none" w="med" len="med"/>
+                      <a:tailEnd type="none" w="med" len="med"/>
+                    </a:lnL>
+                    <a:lnR w="12700" cap="flat" cmpd="sng" algn="ctr">
+                      <a:solidFill>
+                        <a:schemeClr val="tx1"/>
+                      </a:solidFill>
+                      <a:prstDash val="solid"/>
+                      <a:round/>
+                      <a:headEnd type="none" w="med" len="med"/>
+                      <a:tailEnd type="none" w="med" len="med"/>
+                    </a:lnR>
+                    <a:lnT w="12700" cap="flat" cmpd="sng" algn="ctr">
+                      <a:solidFill>
+                        <a:schemeClr val="tx1"/>
+                      </a:solidFill>
+                      <a:prstDash val="solid"/>
+                      <a:round/>
+                      <a:headEnd type="none" w="med" len="med"/>
+                      <a:tailEnd type="none" w="med" len="med"/>
+                    </a:lnT>
+                    <a:lnB w="12700" cap="flat" cmpd="sng" algn="ctr">
+                      <a:solidFill>
+                        <a:schemeClr val="tx1"/>
+                      </a:solidFill>
+                      <a:prstDash val="solid"/>
+                      <a:round/>
+                      <a:headEnd type="none" w="med" len="med"/>
+                      <a:tailEnd type="none" w="med" len="med"/>
+                    </a:lnB>
+                    <a:noFill/>
+                  </a:tcPr>
+                </a:tc>
+                <a:tc>
+                  <a:txBody>
+                    <a:bodyPr/>
+                    <a:lstStyle/>
+                    <a:p>
+                      <a:pPr algn="ctr"/>
+                      <a:r>
+                        <a:rPr kumimoji="1" lang="en-US" altLang="ja-JP" sz="2600" dirty="0" smtClean="0">
+                          <a:solidFill>
+                            <a:schemeClr val="tx1"/>
+                          </a:solidFill>
+                        </a:rPr>
+                        <a:t>1</a:t>
+                      </a:r>
+                      <a:endParaRPr kumimoji="1" lang="ja-JP" altLang="en-US" sz="2600" dirty="0">
+                        <a:solidFill>
+                          <a:schemeClr val="tx1"/>
+                        </a:solidFill>
+                      </a:endParaRPr>
+                    </a:p>
+                  </a:txBody>
+                  <a:tcPr marL="132891" marR="132891" marT="66446" marB="66446" anchor="ctr">
+                    <a:lnL w="12700" cap="flat" cmpd="sng" algn="ctr">
+                      <a:solidFill>
+                        <a:schemeClr val="tx1"/>
+                      </a:solidFill>
+                      <a:prstDash val="solid"/>
+                      <a:round/>
+                      <a:headEnd type="none" w="med" len="med"/>
+                      <a:tailEnd type="none" w="med" len="med"/>
+                    </a:lnL>
+                    <a:lnR w="12700" cap="flat" cmpd="sng" algn="ctr">
+                      <a:solidFill>
+                        <a:schemeClr val="tx1"/>
+                      </a:solidFill>
+                      <a:prstDash val="solid"/>
+                      <a:round/>
+                      <a:headEnd type="none" w="med" len="med"/>
+                      <a:tailEnd type="none" w="med" len="med"/>
+                    </a:lnR>
+                    <a:lnT w="12700" cap="flat" cmpd="sng" algn="ctr">
+                      <a:solidFill>
+                        <a:schemeClr val="tx1"/>
+                      </a:solidFill>
+                      <a:prstDash val="solid"/>
+                      <a:round/>
+                      <a:headEnd type="none" w="med" len="med"/>
+                      <a:tailEnd type="none" w="med" len="med"/>
+                    </a:lnT>
+                    <a:lnB w="12700" cap="flat" cmpd="sng" algn="ctr">
+                      <a:solidFill>
+                        <a:schemeClr val="tx1"/>
+                      </a:solidFill>
+                      <a:prstDash val="solid"/>
+                      <a:round/>
+                      <a:headEnd type="none" w="med" len="med"/>
+                      <a:tailEnd type="none" w="med" len="med"/>
+                    </a:lnB>
+                    <a:noFill/>
+                  </a:tcPr>
+                </a:tc>
+                <a:tc>
+                  <a:txBody>
+                    <a:bodyPr/>
+                    <a:lstStyle/>
+                    <a:p>
+                      <a:pPr algn="ctr"/>
+                      <a:r>
+                        <a:rPr kumimoji="1" lang="en-US" altLang="ja-JP" sz="2600" dirty="0" smtClean="0">
+                          <a:solidFill>
+                            <a:schemeClr val="tx1"/>
+                          </a:solidFill>
+                        </a:rPr>
+                        <a:t>4</a:t>
+                      </a:r>
+                      <a:endParaRPr kumimoji="1" lang="ja-JP" altLang="en-US" sz="2600" dirty="0">
+                        <a:solidFill>
+                          <a:schemeClr val="tx1"/>
+                        </a:solidFill>
+                      </a:endParaRPr>
+                    </a:p>
+                  </a:txBody>
+                  <a:tcPr marL="132891" marR="132891" marT="66446" marB="66446" anchor="ctr">
+                    <a:lnL w="12700" cap="flat" cmpd="sng" algn="ctr">
+                      <a:solidFill>
+                        <a:schemeClr val="tx1"/>
+                      </a:solidFill>
+                      <a:prstDash val="solid"/>
+                      <a:round/>
+                      <a:headEnd type="none" w="med" len="med"/>
+                      <a:tailEnd type="none" w="med" len="med"/>
+                    </a:lnL>
+                    <a:lnR w="12700" cap="flat" cmpd="sng" algn="ctr">
+                      <a:solidFill>
+                        <a:schemeClr val="tx1"/>
+                      </a:solidFill>
+                      <a:prstDash val="solid"/>
+                      <a:round/>
+                      <a:headEnd type="none" w="med" len="med"/>
+                      <a:tailEnd type="none" w="med" len="med"/>
+                    </a:lnR>
+                    <a:lnT w="12700" cap="flat" cmpd="sng" algn="ctr">
+                      <a:solidFill>
+                        <a:schemeClr val="tx1"/>
+                      </a:solidFill>
+                      <a:prstDash val="solid"/>
+                      <a:round/>
+                      <a:headEnd type="none" w="med" len="med"/>
+                      <a:tailEnd type="none" w="med" len="med"/>
+                    </a:lnT>
+                    <a:lnB w="12700" cap="flat" cmpd="sng" algn="ctr">
+                      <a:solidFill>
+                        <a:schemeClr val="tx1"/>
+                      </a:solidFill>
+                      <a:prstDash val="solid"/>
+                      <a:round/>
+                      <a:headEnd type="none" w="med" len="med"/>
+                      <a:tailEnd type="none" w="med" len="med"/>
+                    </a:lnB>
+                    <a:noFill/>
+                  </a:tcPr>
+                </a:tc>
+                <a:tc>
+                  <a:txBody>
+                    <a:bodyPr/>
+                    <a:lstStyle/>
+                    <a:p>
+                      <a:pPr algn="ctr"/>
+                      <a:r>
+                        <a:rPr kumimoji="1" lang="en-US" altLang="ja-JP" sz="2600" dirty="0" smtClean="0">
+                          <a:solidFill>
+                            <a:schemeClr val="tx1"/>
+                          </a:solidFill>
+                        </a:rPr>
+                        <a:t>5</a:t>
+                      </a:r>
+                      <a:endParaRPr kumimoji="1" lang="ja-JP" altLang="en-US" sz="2600" dirty="0">
+                        <a:solidFill>
+                          <a:schemeClr val="tx1"/>
+                        </a:solidFill>
+                      </a:endParaRPr>
+                    </a:p>
+                  </a:txBody>
+                  <a:tcPr marL="132891" marR="132891" marT="66446" marB="66446" anchor="ctr">
+                    <a:lnL w="12700" cap="flat" cmpd="sng" algn="ctr">
+                      <a:solidFill>
+                        <a:schemeClr val="tx1"/>
+                      </a:solidFill>
+                      <a:prstDash val="solid"/>
+                      <a:round/>
+                      <a:headEnd type="none" w="med" len="med"/>
+                      <a:tailEnd type="none" w="med" len="med"/>
+                    </a:lnL>
+                    <a:lnR w="12700" cap="flat" cmpd="sng" algn="ctr">
+                      <a:solidFill>
+                        <a:schemeClr val="tx1"/>
+                      </a:solidFill>
+                      <a:prstDash val="solid"/>
+                      <a:round/>
+                      <a:headEnd type="none" w="med" len="med"/>
+                      <a:tailEnd type="none" w="med" len="med"/>
+                    </a:lnR>
+                    <a:lnT w="12700" cap="flat" cmpd="sng" algn="ctr">
+                      <a:solidFill>
+                        <a:schemeClr val="tx1"/>
+                      </a:solidFill>
+                      <a:prstDash val="solid"/>
+                      <a:round/>
+                      <a:headEnd type="none" w="med" len="med"/>
+                      <a:tailEnd type="none" w="med" len="med"/>
+                    </a:lnT>
+                    <a:lnB w="12700" cap="flat" cmpd="sng" algn="ctr">
+                      <a:solidFill>
+                        <a:schemeClr val="tx1"/>
+                      </a:solidFill>
+                      <a:prstDash val="solid"/>
+                      <a:round/>
+                      <a:headEnd type="none" w="med" len="med"/>
+                      <a:tailEnd type="none" w="med" len="med"/>
+                    </a:lnB>
+                    <a:noFill/>
+                  </a:tcPr>
+                </a:tc>
+                <a:tc>
+                  <a:txBody>
+                    <a:bodyPr/>
+                    <a:lstStyle/>
+                    <a:p>
+                      <a:pPr algn="ctr"/>
+                      <a:r>
+                        <a:rPr kumimoji="1" lang="en-US" altLang="ja-JP" sz="2600" dirty="0" smtClean="0">
+                          <a:solidFill>
+                            <a:schemeClr val="tx1"/>
+                          </a:solidFill>
+                        </a:rPr>
+                        <a:t>5</a:t>
+                      </a:r>
+                      <a:endParaRPr kumimoji="1" lang="ja-JP" altLang="en-US" sz="2600" dirty="0">
+                        <a:solidFill>
+                          <a:schemeClr val="tx1"/>
+                        </a:solidFill>
+                      </a:endParaRPr>
+                    </a:p>
+                  </a:txBody>
+                  <a:tcPr marL="132891" marR="132891" marT="66446" marB="66446" anchor="ctr">
+                    <a:lnL w="12700" cap="flat" cmpd="sng" algn="ctr">
+                      <a:solidFill>
+                        <a:schemeClr val="tx1"/>
+                      </a:solidFill>
+                      <a:prstDash val="solid"/>
+                      <a:round/>
+                      <a:headEnd type="none" w="med" len="med"/>
+                      <a:tailEnd type="none" w="med" len="med"/>
+                    </a:lnL>
+                    <a:lnR w="12700" cap="flat" cmpd="sng" algn="ctr">
+                      <a:solidFill>
+                        <a:schemeClr val="tx1"/>
+                      </a:solidFill>
+                      <a:prstDash val="solid"/>
+                      <a:round/>
+                      <a:headEnd type="none" w="med" len="med"/>
+                      <a:tailEnd type="none" w="med" len="med"/>
+                    </a:lnR>
+                    <a:lnT w="12700" cap="flat" cmpd="sng" algn="ctr">
+                      <a:solidFill>
+                        <a:schemeClr val="tx1"/>
+                      </a:solidFill>
+                      <a:prstDash val="solid"/>
+                      <a:round/>
+                      <a:headEnd type="none" w="med" len="med"/>
+                      <a:tailEnd type="none" w="med" len="med"/>
+                    </a:lnT>
+                    <a:lnB w="12700" cap="flat" cmpd="sng" algn="ctr">
+                      <a:solidFill>
+                        <a:schemeClr val="tx1"/>
+                      </a:solidFill>
+                      <a:prstDash val="solid"/>
+                      <a:round/>
+                      <a:headEnd type="none" w="med" len="med"/>
+                      <a:tailEnd type="none" w="med" len="med"/>
+                    </a:lnB>
+                    <a:noFill/>
+                  </a:tcPr>
+                </a:tc>
+                <a:tc>
+                  <a:txBody>
+                    <a:bodyPr/>
+                    <a:lstStyle/>
+                    <a:p>
+                      <a:pPr algn="ctr"/>
+                      <a:r>
+                        <a:rPr kumimoji="1" lang="en-US" altLang="ja-JP" sz="2600" dirty="0" smtClean="0">
+                          <a:solidFill>
+                            <a:schemeClr val="tx1"/>
+                          </a:solidFill>
+                        </a:rPr>
+                        <a:t>6</a:t>
+                      </a:r>
+                      <a:endParaRPr kumimoji="1" lang="ja-JP" altLang="en-US" sz="2600" dirty="0">
+                        <a:solidFill>
+                          <a:schemeClr val="tx1"/>
+                        </a:solidFill>
+                      </a:endParaRPr>
+                    </a:p>
+                  </a:txBody>
+                  <a:tcPr marL="132891" marR="132891" marT="66446" marB="66446" anchor="ctr">
+                    <a:lnL w="12700" cap="flat" cmpd="sng" algn="ctr">
+                      <a:solidFill>
+                        <a:schemeClr val="tx1"/>
+                      </a:solidFill>
+                      <a:prstDash val="solid"/>
+                      <a:round/>
+                      <a:headEnd type="none" w="med" len="med"/>
+                      <a:tailEnd type="none" w="med" len="med"/>
+                    </a:lnL>
+                    <a:lnR w="12700" cap="flat" cmpd="sng" algn="ctr">
+                      <a:solidFill>
+                        <a:schemeClr val="tx1"/>
+                      </a:solidFill>
+                      <a:prstDash val="solid"/>
+                      <a:round/>
+                      <a:headEnd type="none" w="med" len="med"/>
+                      <a:tailEnd type="none" w="med" len="med"/>
+                    </a:lnR>
+                    <a:lnT w="12700" cap="flat" cmpd="sng" algn="ctr">
+                      <a:solidFill>
+                        <a:schemeClr val="tx1"/>
+                      </a:solidFill>
+                      <a:prstDash val="solid"/>
+                      <a:round/>
+                      <a:headEnd type="none" w="med" len="med"/>
+                      <a:tailEnd type="none" w="med" len="med"/>
+                    </a:lnT>
+                    <a:lnB w="12700" cap="flat" cmpd="sng" algn="ctr">
+                      <a:solidFill>
+                        <a:schemeClr val="tx1"/>
+                      </a:solidFill>
+                      <a:prstDash val="solid"/>
+                      <a:round/>
+                      <a:headEnd type="none" w="med" len="med"/>
+                      <a:tailEnd type="none" w="med" len="med"/>
+                    </a:lnB>
+                    <a:noFill/>
+                  </a:tcPr>
+                </a:tc>
+                <a:tc>
+                  <a:txBody>
+                    <a:bodyPr/>
+                    <a:lstStyle/>
+                    <a:p>
+                      <a:pPr algn="ctr"/>
+                      <a:r>
+                        <a:rPr kumimoji="1" lang="en-US" altLang="ja-JP" sz="2600" dirty="0" smtClean="0">
+                          <a:solidFill>
+                            <a:schemeClr val="tx1"/>
+                          </a:solidFill>
+                        </a:rPr>
+                        <a:t>6</a:t>
+                      </a:r>
+                      <a:endParaRPr kumimoji="1" lang="ja-JP" altLang="en-US" sz="2600" dirty="0">
+                        <a:solidFill>
+                          <a:schemeClr val="tx1"/>
+                        </a:solidFill>
+                      </a:endParaRPr>
+                    </a:p>
+                  </a:txBody>
+                  <a:tcPr marL="132891" marR="132891" marT="66446" marB="66446" anchor="ctr">
+                    <a:lnL w="12700" cap="flat" cmpd="sng" algn="ctr">
+                      <a:solidFill>
+                        <a:schemeClr val="tx1"/>
+                      </a:solidFill>
+                      <a:prstDash val="solid"/>
+                      <a:round/>
+                      <a:headEnd type="none" w="med" len="med"/>
+                      <a:tailEnd type="none" w="med" len="med"/>
+                    </a:lnL>
+                    <a:lnR w="12700" cap="flat" cmpd="sng" algn="ctr">
+                      <a:solidFill>
+                        <a:schemeClr val="tx1"/>
+                      </a:solidFill>
+                      <a:prstDash val="solid"/>
+                      <a:round/>
+                      <a:headEnd type="none" w="med" len="med"/>
+                      <a:tailEnd type="none" w="med" len="med"/>
+                    </a:lnR>
+                    <a:lnT w="12700" cap="flat" cmpd="sng" algn="ctr">
+                      <a:solidFill>
+                        <a:schemeClr val="tx1"/>
+                      </a:solidFill>
+                      <a:prstDash val="solid"/>
+                      <a:round/>
+                      <a:headEnd type="none" w="med" len="med"/>
+                      <a:tailEnd type="none" w="med" len="med"/>
+                    </a:lnT>
+                    <a:lnB w="12700" cap="flat" cmpd="sng" algn="ctr">
+                      <a:solidFill>
+                        <a:schemeClr val="tx1"/>
+                      </a:solidFill>
+                      <a:prstDash val="solid"/>
+                      <a:round/>
+                      <a:headEnd type="none" w="med" len="med"/>
+                      <a:tailEnd type="none" w="med" len="med"/>
+                    </a:lnB>
+                    <a:noFill/>
+                  </a:tcPr>
+                </a:tc>
+                <a:tc>
+                  <a:txBody>
+                    <a:bodyPr/>
+                    <a:lstStyle/>
+                    <a:p>
+                      <a:pPr algn="ctr"/>
+                      <a:r>
+                        <a:rPr kumimoji="1" lang="en-US" altLang="ja-JP" sz="2600" dirty="0" smtClean="0">
+                          <a:solidFill>
+                            <a:schemeClr val="tx1"/>
+                          </a:solidFill>
+                        </a:rPr>
+                        <a:t>4</a:t>
+                      </a:r>
+                      <a:endParaRPr kumimoji="1" lang="ja-JP" altLang="en-US" sz="2600" dirty="0">
+                        <a:solidFill>
+                          <a:schemeClr val="tx1"/>
+                        </a:solidFill>
+                      </a:endParaRPr>
+                    </a:p>
+                  </a:txBody>
+                  <a:tcPr marL="132891" marR="132891" marT="66446" marB="66446" anchor="ctr">
+                    <a:lnL w="12700" cap="flat" cmpd="sng" algn="ctr">
+                      <a:solidFill>
+                        <a:schemeClr val="tx1"/>
+                      </a:solidFill>
+                      <a:prstDash val="solid"/>
+                      <a:round/>
+                      <a:headEnd type="none" w="med" len="med"/>
+                      <a:tailEnd type="none" w="med" len="med"/>
+                    </a:lnL>
+                    <a:lnR w="12700" cap="flat" cmpd="sng" algn="ctr">
+                      <a:solidFill>
+                        <a:schemeClr val="tx1"/>
+                      </a:solidFill>
+                      <a:prstDash val="solid"/>
+                      <a:round/>
+                      <a:headEnd type="none" w="med" len="med"/>
+                      <a:tailEnd type="none" w="med" len="med"/>
+                    </a:lnR>
+                    <a:lnT w="12700" cap="flat" cmpd="sng" algn="ctr">
+                      <a:solidFill>
+                        <a:schemeClr val="tx1"/>
+                      </a:solidFill>
+                      <a:prstDash val="solid"/>
+                      <a:round/>
+                      <a:headEnd type="none" w="med" len="med"/>
+                      <a:tailEnd type="none" w="med" len="med"/>
+                    </a:lnT>
+                    <a:lnB w="12700" cap="flat" cmpd="sng" algn="ctr">
+                      <a:solidFill>
+                        <a:schemeClr val="tx1"/>
+                      </a:solidFill>
+                      <a:prstDash val="solid"/>
+                      <a:round/>
+                      <a:headEnd type="none" w="med" len="med"/>
+                      <a:tailEnd type="none" w="med" len="med"/>
+                    </a:lnB>
+                    <a:noFill/>
+                  </a:tcPr>
+                </a:tc>
+                <a:tc>
+                  <a:txBody>
+                    <a:bodyPr/>
+                    <a:lstStyle/>
+                    <a:p>
+                      <a:pPr algn="ctr"/>
+                      <a:r>
+                        <a:rPr kumimoji="1" lang="en-US" altLang="ja-JP" sz="2600" dirty="0" smtClean="0">
+                          <a:solidFill>
+                            <a:schemeClr val="tx1"/>
+                          </a:solidFill>
+                        </a:rPr>
+                        <a:t>0</a:t>
+                      </a:r>
+                      <a:endParaRPr kumimoji="1" lang="ja-JP" altLang="en-US" sz="2600" dirty="0">
+                        <a:solidFill>
+                          <a:schemeClr val="tx1"/>
+                        </a:solidFill>
+                      </a:endParaRPr>
+                    </a:p>
+                  </a:txBody>
+                  <a:tcPr marL="132891" marR="132891" marT="66446" marB="66446" anchor="ctr">
+                    <a:lnL w="12700" cap="flat" cmpd="sng" algn="ctr">
+                      <a:solidFill>
+                        <a:schemeClr val="tx1"/>
+                      </a:solidFill>
+                      <a:prstDash val="solid"/>
+                      <a:round/>
+                      <a:headEnd type="none" w="med" len="med"/>
+                      <a:tailEnd type="none" w="med" len="med"/>
+                    </a:lnL>
+                    <a:lnR w="12700" cap="flat" cmpd="sng" algn="ctr">
+                      <a:solidFill>
+                        <a:schemeClr val="tx1"/>
+                      </a:solidFill>
+                      <a:prstDash val="solid"/>
+                      <a:round/>
+                      <a:headEnd type="none" w="med" len="med"/>
+                      <a:tailEnd type="none" w="med" len="med"/>
+                    </a:lnR>
+                    <a:lnT w="12700" cap="flat" cmpd="sng" algn="ctr">
+                      <a:solidFill>
+                        <a:schemeClr val="tx1"/>
+                      </a:solidFill>
+                      <a:prstDash val="solid"/>
+                      <a:round/>
+                      <a:headEnd type="none" w="med" len="med"/>
+                      <a:tailEnd type="none" w="med" len="med"/>
+                    </a:lnT>
+                    <a:lnB w="12700" cap="flat" cmpd="sng" algn="ctr">
+                      <a:solidFill>
+                        <a:schemeClr val="tx1"/>
+                      </a:solidFill>
+                      <a:prstDash val="solid"/>
+                      <a:round/>
+                      <a:headEnd type="none" w="med" len="med"/>
+                      <a:tailEnd type="none" w="med" len="med"/>
+                    </a:lnB>
+                    <a:noFill/>
+                  </a:tcPr>
+                </a:tc>
+              </a:tr>
+            </a:tbl>
+          </a:graphicData>
+        </a:graphic>
+      </p:graphicFrame>
+      <p:pic>
+        <p:nvPicPr>
+          <p:cNvPr id="43" name="Picture 3"/>
+          <p:cNvPicPr>
+            <a:picLocks noChangeAspect="1" noChangeArrowheads="1"/>
+          </p:cNvPicPr>
+          <p:nvPr/>
+        </p:nvPicPr>
+        <p:blipFill>
+          <a:blip r:embed="rId2">
+            <a:extLst>
+              <a:ext uri="{28A0092B-C50C-407E-A947-70E740481C1C}">
+                <a14:useLocalDpi xmlns:a14="http://schemas.microsoft.com/office/drawing/2010/main" val="0"/>
+              </a:ext>
+            </a:extLst>
+          </a:blip>
+          <a:srcRect/>
+          <a:stretch>
+            <a:fillRect/>
+          </a:stretch>
+        </p:blipFill>
+        <p:spPr bwMode="auto">
+          <a:xfrm>
+            <a:off x="2366888" y="1052736"/>
+            <a:ext cx="4221336" cy="2503728"/>
+          </a:xfrm>
+          <a:prstGeom prst="rect">
+            <a:avLst/>
+          </a:prstGeom>
+          <a:noFill/>
+          <a:ln>
+            <a:noFill/>
+          </a:ln>
+          <a:effectLst/>
+          <a:extLst>
+            <a:ext uri="{909E8E84-426E-40DD-AFC4-6F175D3DCCD1}">
+              <a14:hiddenFill xmlns:a14="http://schemas.microsoft.com/office/drawing/2010/main">
+                <a:solidFill>
+                  <a:schemeClr val="accent1"/>
+                </a:solidFill>
+              </a14:hiddenFill>
+            </a:ext>
+            <a:ext uri="{91240B29-F687-4F45-9708-019B960494DF}">
+              <a14:hiddenLine xmlns:a14="http://schemas.microsoft.com/office/drawing/2010/main" w="9525">
+                <a:solidFill>
+                  <a:schemeClr val="tx1"/>
+                </a:solidFill>
+                <a:miter lim="800000"/>
+                <a:headEnd/>
+                <a:tailEnd/>
+              </a14:hiddenLine>
+            </a:ext>
+            <a:ext uri="{AF507438-7753-43E0-B8FC-AC1667EBCBE1}">
+              <a14:hiddenEffects xmlns:a14="http://schemas.microsoft.com/office/drawing/2010/main">
+                <a:effectLst>
+                  <a:outerShdw dist="35921" dir="2700000" algn="ctr" rotWithShape="0">
+                    <a:schemeClr val="bg2"/>
+                  </a:outerShdw>
+                </a:effectLst>
+              </a14:hiddenEffects>
+            </a:ext>
+          </a:extLst>
+        </p:spPr>
+      </p:pic>
+      <p:cxnSp>
+        <p:nvCxnSpPr>
+          <p:cNvPr id="44" name="直線コネクタ 43"/>
+          <p:cNvCxnSpPr/>
+          <p:nvPr/>
+        </p:nvCxnSpPr>
+        <p:spPr>
+          <a:xfrm>
+            <a:off x="1115616" y="4242792"/>
+            <a:ext cx="0" cy="554360"/>
+          </a:xfrm>
+          <a:prstGeom prst="line">
+            <a:avLst/>
+          </a:prstGeom>
+          <a:ln w="38100">
+            <a:solidFill>
+              <a:schemeClr val="accent6">
+                <a:lumMod val="75000"/>
+              </a:schemeClr>
+            </a:solidFill>
+          </a:ln>
+        </p:spPr>
+        <p:style>
+          <a:lnRef idx="1">
+            <a:schemeClr val="accent1"/>
+          </a:lnRef>
+          <a:fillRef idx="0">
+            <a:schemeClr val="accent1"/>
+          </a:fillRef>
+          <a:effectRef idx="0">
+            <a:schemeClr val="accent1"/>
+          </a:effectRef>
+          <a:fontRef idx="minor">
+            <a:schemeClr val="tx1"/>
+          </a:fontRef>
+        </p:style>
+      </p:cxnSp>
+      <p:cxnSp>
+        <p:nvCxnSpPr>
+          <p:cNvPr id="45" name="直線コネクタ 44"/>
+          <p:cNvCxnSpPr/>
+          <p:nvPr/>
+        </p:nvCxnSpPr>
+        <p:spPr>
+          <a:xfrm>
+            <a:off x="1115616" y="4797152"/>
+            <a:ext cx="3456384" cy="0"/>
+          </a:xfrm>
+          <a:prstGeom prst="line">
+            <a:avLst/>
+          </a:prstGeom>
+          <a:ln w="38100">
+            <a:solidFill>
+              <a:schemeClr val="accent6">
+                <a:lumMod val="75000"/>
+              </a:schemeClr>
+            </a:solidFill>
+          </a:ln>
+        </p:spPr>
+        <p:style>
+          <a:lnRef idx="1">
+            <a:schemeClr val="accent1"/>
+          </a:lnRef>
+          <a:fillRef idx="0">
+            <a:schemeClr val="accent1"/>
+          </a:fillRef>
+          <a:effectRef idx="0">
+            <a:schemeClr val="accent1"/>
+          </a:effectRef>
+          <a:fontRef idx="minor">
+            <a:schemeClr val="tx1"/>
+          </a:fontRef>
+        </p:style>
+      </p:cxnSp>
+      <p:cxnSp>
+        <p:nvCxnSpPr>
+          <p:cNvPr id="46" name="直線コネクタ 45"/>
+          <p:cNvCxnSpPr/>
+          <p:nvPr/>
+        </p:nvCxnSpPr>
+        <p:spPr>
+          <a:xfrm>
+            <a:off x="4572000" y="4242792"/>
+            <a:ext cx="0" cy="554360"/>
+          </a:xfrm>
+          <a:prstGeom prst="line">
+            <a:avLst/>
+          </a:prstGeom>
+          <a:ln w="38100">
+            <a:solidFill>
+              <a:schemeClr val="accent6">
+                <a:lumMod val="75000"/>
+              </a:schemeClr>
+            </a:solidFill>
+          </a:ln>
+        </p:spPr>
+        <p:style>
+          <a:lnRef idx="1">
+            <a:schemeClr val="accent1"/>
+          </a:lnRef>
+          <a:fillRef idx="0">
+            <a:schemeClr val="accent1"/>
+          </a:fillRef>
+          <a:effectRef idx="0">
+            <a:schemeClr val="accent1"/>
+          </a:effectRef>
+          <a:fontRef idx="minor">
+            <a:schemeClr val="tx1"/>
+          </a:fontRef>
+        </p:style>
+      </p:cxnSp>
+      <p:cxnSp>
+        <p:nvCxnSpPr>
+          <p:cNvPr id="50" name="直線コネクタ 49"/>
+          <p:cNvCxnSpPr/>
+          <p:nvPr/>
+        </p:nvCxnSpPr>
+        <p:spPr>
+          <a:xfrm>
+            <a:off x="5136482" y="4221088"/>
+            <a:ext cx="0" cy="277180"/>
+          </a:xfrm>
+          <a:prstGeom prst="line">
+            <a:avLst/>
+          </a:prstGeom>
+          <a:ln w="38100">
+            <a:solidFill>
+              <a:schemeClr val="accent2"/>
+            </a:solidFill>
+          </a:ln>
+        </p:spPr>
+        <p:style>
+          <a:lnRef idx="1">
+            <a:schemeClr val="accent1"/>
+          </a:lnRef>
+          <a:fillRef idx="0">
+            <a:schemeClr val="accent1"/>
+          </a:fillRef>
+          <a:effectRef idx="0">
+            <a:schemeClr val="accent1"/>
+          </a:effectRef>
+          <a:fontRef idx="minor">
+            <a:schemeClr val="tx1"/>
+          </a:fontRef>
+        </p:style>
+      </p:cxnSp>
+      <p:cxnSp>
+        <p:nvCxnSpPr>
+          <p:cNvPr id="51" name="直線コネクタ 50"/>
+          <p:cNvCxnSpPr/>
+          <p:nvPr/>
+        </p:nvCxnSpPr>
+        <p:spPr>
+          <a:xfrm>
+            <a:off x="5136482" y="4498268"/>
+            <a:ext cx="1143744" cy="0"/>
+          </a:xfrm>
+          <a:prstGeom prst="line">
+            <a:avLst/>
+          </a:prstGeom>
+          <a:ln w="38100">
+            <a:solidFill>
+              <a:schemeClr val="accent2"/>
+            </a:solidFill>
+          </a:ln>
+        </p:spPr>
+        <p:style>
+          <a:lnRef idx="1">
+            <a:schemeClr val="accent1"/>
+          </a:lnRef>
+          <a:fillRef idx="0">
+            <a:schemeClr val="accent1"/>
+          </a:fillRef>
+          <a:effectRef idx="0">
+            <a:schemeClr val="accent1"/>
+          </a:effectRef>
+          <a:fontRef idx="minor">
+            <a:schemeClr val="tx1"/>
+          </a:fontRef>
+        </p:style>
+      </p:cxnSp>
+      <p:cxnSp>
+        <p:nvCxnSpPr>
+          <p:cNvPr id="54" name="直線コネクタ 53"/>
+          <p:cNvCxnSpPr/>
+          <p:nvPr/>
+        </p:nvCxnSpPr>
+        <p:spPr>
+          <a:xfrm>
+            <a:off x="6280226" y="4221088"/>
+            <a:ext cx="0" cy="277180"/>
+          </a:xfrm>
+          <a:prstGeom prst="line">
+            <a:avLst/>
+          </a:prstGeom>
+          <a:ln w="38100">
+            <a:solidFill>
+              <a:schemeClr val="accent2"/>
+            </a:solidFill>
+          </a:ln>
+        </p:spPr>
+        <p:style>
+          <a:lnRef idx="1">
+            <a:schemeClr val="accent1"/>
+          </a:lnRef>
+          <a:fillRef idx="0">
+            <a:schemeClr val="accent1"/>
+          </a:fillRef>
+          <a:effectRef idx="0">
+            <a:schemeClr val="accent1"/>
+          </a:effectRef>
+          <a:fontRef idx="minor">
+            <a:schemeClr val="tx1"/>
+          </a:fontRef>
+        </p:style>
+      </p:cxnSp>
       <p:sp>
         <p:nvSpPr>
-          <p:cNvPr id="3" name="コンテンツ プレースホルダー 2"/>
+          <p:cNvPr id="56" name="テキスト ボックス 55"/>
+          <p:cNvSpPr txBox="1"/>
+          <p:nvPr/>
+        </p:nvSpPr>
+        <p:spPr>
+          <a:xfrm>
+            <a:off x="2033718" y="5229200"/>
+            <a:ext cx="5076564" cy="1077218"/>
+          </a:xfrm>
+          <a:prstGeom prst="rect">
+            <a:avLst/>
+          </a:prstGeom>
+          <a:noFill/>
+        </p:spPr>
+        <p:txBody>
+          <a:bodyPr wrap="square" rtlCol="0">
+            <a:spAutoFit/>
+          </a:bodyPr>
+          <a:lstStyle/>
+          <a:p>
+            <a:r>
+              <a:rPr lang="ja-JP" altLang="en-US" sz="3200" dirty="0" smtClean="0"/>
+              <a:t>子孫でも祖先でもない頂点は全く交わらない区間となる</a:t>
+            </a:r>
+            <a:endParaRPr kumimoji="1" lang="ja-JP" altLang="en-US" sz="3200" dirty="0"/>
+          </a:p>
+        </p:txBody>
+      </p:sp>
+    </p:spTree>
+    <p:extLst>
+      <p:ext uri="{BB962C8B-B14F-4D97-AF65-F5344CB8AC3E}">
+        <p14:creationId xmlns:p14="http://schemas.microsoft.com/office/powerpoint/2010/main" val="2775460658"/>
+      </p:ext>
+    </p:extLst>
+  </p:cSld>
+  <p:clrMapOvr>
+    <a:masterClrMapping/>
+  </p:clrMapOvr>
+  <p:timing>
+    <p:tnLst>
+      <p:par>
+        <p:cTn id="1" dur="indefinite" restart="never" nodeType="tmRoot"/>
+      </p:par>
+    </p:tnLst>
+  </p:timing>
+</p:sld>
+</file>
+
+<file path=ppt/slides/slide6.xml><?xml version="1.0" encoding="utf-8"?>
+<p:sld xmlns:a="http://schemas.openxmlformats.org/drawingml/2006/main" xmlns:r="http://schemas.openxmlformats.org/officeDocument/2006/relationships" xmlns:p="http://schemas.openxmlformats.org/presentationml/2006/main">
+  <p:cSld>
+    <p:spTree>
+      <p:nvGrpSpPr>
+        <p:cNvPr id="1" name=""/>
+        <p:cNvGrpSpPr/>
+        <p:nvPr/>
+      </p:nvGrpSpPr>
+      <p:grpSpPr>
+        <a:xfrm>
+          <a:off x="0" y="0"/>
+          <a:ext cx="0" cy="0"/>
+          <a:chOff x="0" y="0"/>
+          <a:chExt cx="0" cy="0"/>
+        </a:xfrm>
+      </p:grpSpPr>
+      <p:sp>
+        <p:nvSpPr>
+          <p:cNvPr id="2" name="タイトル 1"/>
           <p:cNvSpPr>
             <a:spLocks noGrp="1"/>
           </p:cNvSpPr>
           <p:nvPr>
-            <p:ph idx="1"/>
+            <p:ph type="title"/>
           </p:nvPr>
         </p:nvSpPr>
         <p:spPr/>
@@ -5164,54 +8215,2791 @@
           <a:lstStyle/>
           <a:p>
             <a:r>
-              <a:rPr kumimoji="1" lang="en-US" altLang="ja-JP" dirty="0" smtClean="0"/>
-              <a:t>First Accept: yutaka1999 (136:43)</a:t>
-            </a:r>
-          </a:p>
-          <a:p>
-            <a:r>
-              <a:rPr lang="en-US" altLang="ja-JP" dirty="0" smtClean="0"/>
-              <a:t>First Accept (onsite): </a:t>
-            </a:r>
-            <a:r>
-              <a:rPr lang="en-US" altLang="ja-JP" dirty="0" err="1" smtClean="0"/>
-              <a:t>semiexp</a:t>
-            </a:r>
-            <a:r>
-              <a:rPr lang="en-US" altLang="ja-JP" dirty="0" smtClean="0"/>
-              <a:t> (268:57)</a:t>
-            </a:r>
-          </a:p>
-          <a:p>
-            <a:r>
-              <a:rPr kumimoji="1" lang="en-US" altLang="ja-JP" dirty="0" smtClean="0"/>
-              <a:t>Accepted: 7 (19%)</a:t>
-            </a:r>
-          </a:p>
-          <a:p>
-            <a:r>
-              <a:rPr lang="en-US" altLang="ja-JP" dirty="0" smtClean="0"/>
-              <a:t>Trying: 15</a:t>
-            </a:r>
-            <a:endParaRPr kumimoji="1" lang="en-US" altLang="ja-JP" dirty="0" smtClean="0"/>
-          </a:p>
-          <a:p>
-            <a:r>
-              <a:rPr lang="en-US" altLang="ja-JP" dirty="0" smtClean="0"/>
-              <a:t>Total Submission</a:t>
-            </a:r>
-            <a:r>
-              <a:rPr lang="en-US" altLang="ja-JP" smtClean="0"/>
-              <a:t>: 37</a:t>
+              <a:rPr lang="ja-JP" altLang="en-US" dirty="0" smtClean="0"/>
+              <a:t>オイラーツアー</a:t>
             </a:r>
             <a:endParaRPr kumimoji="1" lang="ja-JP" altLang="en-US" dirty="0"/>
+          </a:p>
+        </p:txBody>
+      </p:sp>
+      <p:cxnSp>
+        <p:nvCxnSpPr>
+          <p:cNvPr id="4" name="直線コネクタ 3"/>
+          <p:cNvCxnSpPr/>
+          <p:nvPr/>
+        </p:nvCxnSpPr>
+        <p:spPr>
+          <a:xfrm>
+            <a:off x="3156992" y="4603366"/>
+            <a:ext cx="0" cy="516155"/>
+          </a:xfrm>
+          <a:prstGeom prst="line">
+            <a:avLst/>
+          </a:prstGeom>
+          <a:ln w="57150">
+            <a:solidFill>
+              <a:schemeClr val="accent6">
+                <a:lumMod val="75000"/>
+              </a:schemeClr>
+            </a:solidFill>
+          </a:ln>
+        </p:spPr>
+        <p:style>
+          <a:lnRef idx="1">
+            <a:schemeClr val="accent1"/>
+          </a:lnRef>
+          <a:fillRef idx="0">
+            <a:schemeClr val="accent1"/>
+          </a:fillRef>
+          <a:effectRef idx="0">
+            <a:schemeClr val="accent1"/>
+          </a:effectRef>
+          <a:fontRef idx="minor">
+            <a:schemeClr val="tx1"/>
+          </a:fontRef>
+        </p:style>
+      </p:cxnSp>
+      <p:cxnSp>
+        <p:nvCxnSpPr>
+          <p:cNvPr id="5" name="直線コネクタ 4"/>
+          <p:cNvCxnSpPr/>
+          <p:nvPr/>
+        </p:nvCxnSpPr>
+        <p:spPr>
+          <a:xfrm>
+            <a:off x="3156992" y="5134054"/>
+            <a:ext cx="2763924" cy="0"/>
+          </a:xfrm>
+          <a:prstGeom prst="line">
+            <a:avLst/>
+          </a:prstGeom>
+          <a:ln w="57150">
+            <a:solidFill>
+              <a:schemeClr val="accent6">
+                <a:lumMod val="75000"/>
+              </a:schemeClr>
+            </a:solidFill>
+          </a:ln>
+        </p:spPr>
+        <p:style>
+          <a:lnRef idx="1">
+            <a:schemeClr val="accent1"/>
+          </a:lnRef>
+          <a:fillRef idx="0">
+            <a:schemeClr val="accent1"/>
+          </a:fillRef>
+          <a:effectRef idx="0">
+            <a:schemeClr val="accent1"/>
+          </a:effectRef>
+          <a:fontRef idx="minor">
+            <a:schemeClr val="tx1"/>
+          </a:fontRef>
+        </p:style>
+      </p:cxnSp>
+      <p:cxnSp>
+        <p:nvCxnSpPr>
+          <p:cNvPr id="6" name="直線コネクタ 5"/>
+          <p:cNvCxnSpPr/>
+          <p:nvPr/>
+        </p:nvCxnSpPr>
+        <p:spPr>
+          <a:xfrm>
+            <a:off x="5895655" y="4581128"/>
+            <a:ext cx="0" cy="516155"/>
+          </a:xfrm>
+          <a:prstGeom prst="line">
+            <a:avLst/>
+          </a:prstGeom>
+          <a:ln w="57150">
+            <a:solidFill>
+              <a:schemeClr val="accent6">
+                <a:lumMod val="75000"/>
+              </a:schemeClr>
+            </a:solidFill>
+          </a:ln>
+        </p:spPr>
+        <p:style>
+          <a:lnRef idx="1">
+            <a:schemeClr val="accent1"/>
+          </a:lnRef>
+          <a:fillRef idx="0">
+            <a:schemeClr val="accent1"/>
+          </a:fillRef>
+          <a:effectRef idx="0">
+            <a:schemeClr val="accent1"/>
+          </a:effectRef>
+          <a:fontRef idx="minor">
+            <a:schemeClr val="tx1"/>
+          </a:fontRef>
+        </p:style>
+      </p:cxnSp>
+      <p:cxnSp>
+        <p:nvCxnSpPr>
+          <p:cNvPr id="26" name="直線コネクタ 25"/>
+          <p:cNvCxnSpPr/>
+          <p:nvPr/>
+        </p:nvCxnSpPr>
+        <p:spPr>
+          <a:xfrm>
+            <a:off x="717104" y="4599639"/>
+            <a:ext cx="0" cy="516155"/>
+          </a:xfrm>
+          <a:prstGeom prst="line">
+            <a:avLst/>
+          </a:prstGeom>
+          <a:ln w="38100">
+            <a:solidFill>
+              <a:schemeClr val="accent1"/>
+            </a:solidFill>
+          </a:ln>
+        </p:spPr>
+        <p:style>
+          <a:lnRef idx="1">
+            <a:schemeClr val="accent1"/>
+          </a:lnRef>
+          <a:fillRef idx="0">
+            <a:schemeClr val="accent1"/>
+          </a:fillRef>
+          <a:effectRef idx="0">
+            <a:schemeClr val="accent1"/>
+          </a:effectRef>
+          <a:fontRef idx="minor">
+            <a:schemeClr val="tx1"/>
+          </a:fontRef>
+        </p:style>
+      </p:cxnSp>
+      <p:cxnSp>
+        <p:nvCxnSpPr>
+          <p:cNvPr id="27" name="直線コネクタ 26"/>
+          <p:cNvCxnSpPr/>
+          <p:nvPr/>
+        </p:nvCxnSpPr>
+        <p:spPr>
+          <a:xfrm>
+            <a:off x="717104" y="5130327"/>
+            <a:ext cx="1387388" cy="0"/>
+          </a:xfrm>
+          <a:prstGeom prst="line">
+            <a:avLst/>
+          </a:prstGeom>
+          <a:ln w="38100">
+            <a:solidFill>
+              <a:schemeClr val="accent1"/>
+            </a:solidFill>
+          </a:ln>
+        </p:spPr>
+        <p:style>
+          <a:lnRef idx="1">
+            <a:schemeClr val="accent1"/>
+          </a:lnRef>
+          <a:fillRef idx="0">
+            <a:schemeClr val="accent1"/>
+          </a:fillRef>
+          <a:effectRef idx="0">
+            <a:schemeClr val="accent1"/>
+          </a:effectRef>
+          <a:fontRef idx="minor">
+            <a:schemeClr val="tx1"/>
+          </a:fontRef>
+        </p:style>
+      </p:cxnSp>
+      <p:cxnSp>
+        <p:nvCxnSpPr>
+          <p:cNvPr id="28" name="直線コネクタ 27"/>
+          <p:cNvCxnSpPr/>
+          <p:nvPr/>
+        </p:nvCxnSpPr>
+        <p:spPr>
+          <a:xfrm>
+            <a:off x="2104492" y="4613638"/>
+            <a:ext cx="0" cy="516155"/>
+          </a:xfrm>
+          <a:prstGeom prst="line">
+            <a:avLst/>
+          </a:prstGeom>
+          <a:ln w="38100">
+            <a:solidFill>
+              <a:schemeClr val="accent1"/>
+            </a:solidFill>
+          </a:ln>
+        </p:spPr>
+        <p:style>
+          <a:lnRef idx="1">
+            <a:schemeClr val="accent1"/>
+          </a:lnRef>
+          <a:fillRef idx="0">
+            <a:schemeClr val="accent1"/>
+          </a:fillRef>
+          <a:effectRef idx="0">
+            <a:schemeClr val="accent1"/>
+          </a:effectRef>
+          <a:fontRef idx="minor">
+            <a:schemeClr val="tx1"/>
+          </a:fontRef>
+        </p:style>
+      </p:cxnSp>
+      <p:cxnSp>
+        <p:nvCxnSpPr>
+          <p:cNvPr id="29" name="直線コネクタ 28"/>
+          <p:cNvCxnSpPr/>
+          <p:nvPr/>
+        </p:nvCxnSpPr>
+        <p:spPr>
+          <a:xfrm>
+            <a:off x="7073044" y="4603366"/>
+            <a:ext cx="0" cy="516155"/>
+          </a:xfrm>
+          <a:prstGeom prst="line">
+            <a:avLst/>
+          </a:prstGeom>
+          <a:ln w="38100">
+            <a:solidFill>
+              <a:schemeClr val="accent1"/>
+            </a:solidFill>
+          </a:ln>
+        </p:spPr>
+        <p:style>
+          <a:lnRef idx="1">
+            <a:schemeClr val="accent1"/>
+          </a:lnRef>
+          <a:fillRef idx="0">
+            <a:schemeClr val="accent1"/>
+          </a:fillRef>
+          <a:effectRef idx="0">
+            <a:schemeClr val="accent1"/>
+          </a:effectRef>
+          <a:fontRef idx="minor">
+            <a:schemeClr val="tx1"/>
+          </a:fontRef>
+        </p:style>
+      </p:cxnSp>
+      <p:cxnSp>
+        <p:nvCxnSpPr>
+          <p:cNvPr id="30" name="直線コネクタ 29"/>
+          <p:cNvCxnSpPr/>
+          <p:nvPr/>
+        </p:nvCxnSpPr>
+        <p:spPr>
+          <a:xfrm>
+            <a:off x="7073044" y="5134054"/>
+            <a:ext cx="1387388" cy="0"/>
+          </a:xfrm>
+          <a:prstGeom prst="line">
+            <a:avLst/>
+          </a:prstGeom>
+          <a:ln w="38100">
+            <a:solidFill>
+              <a:schemeClr val="accent1"/>
+            </a:solidFill>
+          </a:ln>
+        </p:spPr>
+        <p:style>
+          <a:lnRef idx="1">
+            <a:schemeClr val="accent1"/>
+          </a:lnRef>
+          <a:fillRef idx="0">
+            <a:schemeClr val="accent1"/>
+          </a:fillRef>
+          <a:effectRef idx="0">
+            <a:schemeClr val="accent1"/>
+          </a:effectRef>
+          <a:fontRef idx="minor">
+            <a:schemeClr val="tx1"/>
+          </a:fontRef>
+        </p:style>
+      </p:cxnSp>
+      <p:cxnSp>
+        <p:nvCxnSpPr>
+          <p:cNvPr id="31" name="直線コネクタ 30"/>
+          <p:cNvCxnSpPr/>
+          <p:nvPr/>
+        </p:nvCxnSpPr>
+        <p:spPr>
+          <a:xfrm>
+            <a:off x="8460432" y="4617365"/>
+            <a:ext cx="0" cy="516155"/>
+          </a:xfrm>
+          <a:prstGeom prst="line">
+            <a:avLst/>
+          </a:prstGeom>
+          <a:ln w="38100">
+            <a:solidFill>
+              <a:schemeClr val="accent1"/>
+            </a:solidFill>
+          </a:ln>
+        </p:spPr>
+        <p:style>
+          <a:lnRef idx="1">
+            <a:schemeClr val="accent1"/>
+          </a:lnRef>
+          <a:fillRef idx="0">
+            <a:schemeClr val="accent1"/>
+          </a:fillRef>
+          <a:effectRef idx="0">
+            <a:schemeClr val="accent1"/>
+          </a:effectRef>
+          <a:fontRef idx="minor">
+            <a:schemeClr val="tx1"/>
+          </a:fontRef>
+        </p:style>
+      </p:cxnSp>
+      <p:sp>
+        <p:nvSpPr>
+          <p:cNvPr id="33" name="テキスト ボックス 32"/>
+          <p:cNvSpPr txBox="1"/>
+          <p:nvPr/>
+        </p:nvSpPr>
+        <p:spPr>
+          <a:xfrm>
+            <a:off x="323528" y="5445224"/>
+            <a:ext cx="8496944" cy="1077218"/>
+          </a:xfrm>
+          <a:prstGeom prst="rect">
+            <a:avLst/>
+          </a:prstGeom>
+          <a:noFill/>
+        </p:spPr>
+        <p:txBody>
+          <a:bodyPr wrap="square" rtlCol="0">
+            <a:spAutoFit/>
+          </a:bodyPr>
+          <a:lstStyle/>
+          <a:p>
+            <a:r>
+              <a:rPr kumimoji="1" lang="ja-JP" altLang="en-US" sz="3200" dirty="0" smtClean="0"/>
+              <a:t>各頂点に対してその頂点の区間と交わらない区間の中でその頂点の値に一番近い値を求める</a:t>
+            </a:r>
+            <a:endParaRPr kumimoji="1" lang="ja-JP" altLang="en-US" sz="3200" dirty="0"/>
+          </a:p>
+        </p:txBody>
+      </p:sp>
+      <p:pic>
+        <p:nvPicPr>
+          <p:cNvPr id="22" name="Picture 3"/>
+          <p:cNvPicPr>
+            <a:picLocks noChangeAspect="1" noChangeArrowheads="1"/>
+          </p:cNvPicPr>
+          <p:nvPr/>
+        </p:nvPicPr>
+        <p:blipFill>
+          <a:blip r:embed="rId2">
+            <a:extLst>
+              <a:ext uri="{28A0092B-C50C-407E-A947-70E740481C1C}">
+                <a14:useLocalDpi xmlns:a14="http://schemas.microsoft.com/office/drawing/2010/main" val="0"/>
+              </a:ext>
+            </a:extLst>
+          </a:blip>
+          <a:srcRect/>
+          <a:stretch>
+            <a:fillRect/>
+          </a:stretch>
+        </p:blipFill>
+        <p:spPr bwMode="auto">
+          <a:xfrm>
+            <a:off x="2366888" y="1052736"/>
+            <a:ext cx="4221336" cy="2503728"/>
+          </a:xfrm>
+          <a:prstGeom prst="rect">
+            <a:avLst/>
+          </a:prstGeom>
+          <a:noFill/>
+          <a:ln>
+            <a:noFill/>
+          </a:ln>
+          <a:effectLst/>
+          <a:extLst>
+            <a:ext uri="{909E8E84-426E-40DD-AFC4-6F175D3DCCD1}">
+              <a14:hiddenFill xmlns:a14="http://schemas.microsoft.com/office/drawing/2010/main">
+                <a:solidFill>
+                  <a:schemeClr val="accent1"/>
+                </a:solidFill>
+              </a14:hiddenFill>
+            </a:ext>
+            <a:ext uri="{91240B29-F687-4F45-9708-019B960494DF}">
+              <a14:hiddenLine xmlns:a14="http://schemas.microsoft.com/office/drawing/2010/main" w="9525">
+                <a:solidFill>
+                  <a:schemeClr val="tx1"/>
+                </a:solidFill>
+                <a:miter lim="800000"/>
+                <a:headEnd/>
+                <a:tailEnd/>
+              </a14:hiddenLine>
+            </a:ext>
+            <a:ext uri="{AF507438-7753-43E0-B8FC-AC1667EBCBE1}">
+              <a14:hiddenEffects xmlns:a14="http://schemas.microsoft.com/office/drawing/2010/main">
+                <a:effectLst>
+                  <a:outerShdw dist="35921" dir="2700000" algn="ctr" rotWithShape="0">
+                    <a:schemeClr val="bg2"/>
+                  </a:outerShdw>
+                </a:effectLst>
+              </a14:hiddenEffects>
+            </a:ext>
+          </a:extLst>
+        </p:spPr>
+      </p:pic>
+      <p:graphicFrame>
+        <p:nvGraphicFramePr>
+          <p:cNvPr id="23" name="表 22"/>
+          <p:cNvGraphicFramePr>
+            <a:graphicFrameLocks noGrp="1"/>
+          </p:cNvGraphicFramePr>
+          <p:nvPr>
+            <p:extLst>
+              <p:ext uri="{D42A27DB-BD31-4B8C-83A1-F6EECF244321}">
+                <p14:modId xmlns:p14="http://schemas.microsoft.com/office/powerpoint/2010/main" val="2088260051"/>
+              </p:ext>
+            </p:extLst>
+          </p:nvPr>
+        </p:nvGraphicFramePr>
+        <p:xfrm>
+          <a:off x="524140" y="3645024"/>
+          <a:ext cx="8064000" cy="576000"/>
+        </p:xfrm>
+        <a:graphic>
+          <a:graphicData uri="http://schemas.openxmlformats.org/drawingml/2006/table">
+            <a:tbl>
+              <a:tblPr firstRow="1" bandRow="1">
+                <a:tableStyleId>{5C22544A-7EE6-4342-B048-85BDC9FD1C3A}</a:tableStyleId>
+              </a:tblPr>
+              <a:tblGrid>
+                <a:gridCol w="576000"/>
+                <a:gridCol w="576000"/>
+                <a:gridCol w="576000"/>
+                <a:gridCol w="576000"/>
+                <a:gridCol w="576000"/>
+                <a:gridCol w="576000"/>
+                <a:gridCol w="576000"/>
+                <a:gridCol w="576000"/>
+                <a:gridCol w="576000"/>
+                <a:gridCol w="576000"/>
+                <a:gridCol w="576000"/>
+                <a:gridCol w="576000"/>
+                <a:gridCol w="576000"/>
+                <a:gridCol w="576000"/>
+              </a:tblGrid>
+              <a:tr h="576000">
+                <a:tc>
+                  <a:txBody>
+                    <a:bodyPr/>
+                    <a:lstStyle/>
+                    <a:p>
+                      <a:pPr algn="ctr"/>
+                      <a:r>
+                        <a:rPr kumimoji="1" lang="en-US" altLang="ja-JP" sz="2600" dirty="0" smtClean="0">
+                          <a:solidFill>
+                            <a:schemeClr val="tx1"/>
+                          </a:solidFill>
+                        </a:rPr>
+                        <a:t>0</a:t>
+                      </a:r>
+                      <a:endParaRPr kumimoji="1" lang="ja-JP" altLang="en-US" sz="2600" dirty="0">
+                        <a:solidFill>
+                          <a:schemeClr val="tx1"/>
+                        </a:solidFill>
+                      </a:endParaRPr>
+                    </a:p>
+                  </a:txBody>
+                  <a:tcPr marL="132891" marR="132891" marT="66446" marB="66446" anchor="ctr">
+                    <a:lnL w="12700" cap="flat" cmpd="sng" algn="ctr">
+                      <a:solidFill>
+                        <a:schemeClr val="tx1"/>
+                      </a:solidFill>
+                      <a:prstDash val="solid"/>
+                      <a:round/>
+                      <a:headEnd type="none" w="med" len="med"/>
+                      <a:tailEnd type="none" w="med" len="med"/>
+                    </a:lnL>
+                    <a:lnR w="12700" cap="flat" cmpd="sng" algn="ctr">
+                      <a:solidFill>
+                        <a:schemeClr val="tx1"/>
+                      </a:solidFill>
+                      <a:prstDash val="solid"/>
+                      <a:round/>
+                      <a:headEnd type="none" w="med" len="med"/>
+                      <a:tailEnd type="none" w="med" len="med"/>
+                    </a:lnR>
+                    <a:lnT w="12700" cap="flat" cmpd="sng" algn="ctr">
+                      <a:solidFill>
+                        <a:schemeClr val="tx1"/>
+                      </a:solidFill>
+                      <a:prstDash val="solid"/>
+                      <a:round/>
+                      <a:headEnd type="none" w="med" len="med"/>
+                      <a:tailEnd type="none" w="med" len="med"/>
+                    </a:lnT>
+                    <a:lnB w="12700" cap="flat" cmpd="sng" algn="ctr">
+                      <a:solidFill>
+                        <a:schemeClr val="tx1"/>
+                      </a:solidFill>
+                      <a:prstDash val="solid"/>
+                      <a:round/>
+                      <a:headEnd type="none" w="med" len="med"/>
+                      <a:tailEnd type="none" w="med" len="med"/>
+                    </a:lnB>
+                    <a:noFill/>
+                  </a:tcPr>
+                </a:tc>
+                <a:tc>
+                  <a:txBody>
+                    <a:bodyPr/>
+                    <a:lstStyle/>
+                    <a:p>
+                      <a:pPr algn="ctr"/>
+                      <a:r>
+                        <a:rPr kumimoji="1" lang="en-US" altLang="ja-JP" sz="2600" dirty="0" smtClean="0">
+                          <a:solidFill>
+                            <a:schemeClr val="tx1"/>
+                          </a:solidFill>
+                        </a:rPr>
+                        <a:t>1</a:t>
+                      </a:r>
+                      <a:endParaRPr kumimoji="1" lang="ja-JP" altLang="en-US" sz="2600" dirty="0">
+                        <a:solidFill>
+                          <a:schemeClr val="tx1"/>
+                        </a:solidFill>
+                      </a:endParaRPr>
+                    </a:p>
+                  </a:txBody>
+                  <a:tcPr marL="132891" marR="132891" marT="66446" marB="66446" anchor="ctr">
+                    <a:lnL w="12700" cap="flat" cmpd="sng" algn="ctr">
+                      <a:solidFill>
+                        <a:schemeClr val="tx1"/>
+                      </a:solidFill>
+                      <a:prstDash val="solid"/>
+                      <a:round/>
+                      <a:headEnd type="none" w="med" len="med"/>
+                      <a:tailEnd type="none" w="med" len="med"/>
+                    </a:lnL>
+                    <a:lnR w="12700" cap="flat" cmpd="sng" algn="ctr">
+                      <a:solidFill>
+                        <a:schemeClr val="tx1"/>
+                      </a:solidFill>
+                      <a:prstDash val="solid"/>
+                      <a:round/>
+                      <a:headEnd type="none" w="med" len="med"/>
+                      <a:tailEnd type="none" w="med" len="med"/>
+                    </a:lnR>
+                    <a:lnT w="12700" cap="flat" cmpd="sng" algn="ctr">
+                      <a:solidFill>
+                        <a:schemeClr val="tx1"/>
+                      </a:solidFill>
+                      <a:prstDash val="solid"/>
+                      <a:round/>
+                      <a:headEnd type="none" w="med" len="med"/>
+                      <a:tailEnd type="none" w="med" len="med"/>
+                    </a:lnT>
+                    <a:lnB w="12700" cap="flat" cmpd="sng" algn="ctr">
+                      <a:solidFill>
+                        <a:schemeClr val="tx1"/>
+                      </a:solidFill>
+                      <a:prstDash val="solid"/>
+                      <a:round/>
+                      <a:headEnd type="none" w="med" len="med"/>
+                      <a:tailEnd type="none" w="med" len="med"/>
+                    </a:lnB>
+                    <a:noFill/>
+                  </a:tcPr>
+                </a:tc>
+                <a:tc>
+                  <a:txBody>
+                    <a:bodyPr/>
+                    <a:lstStyle/>
+                    <a:p>
+                      <a:pPr algn="ctr"/>
+                      <a:r>
+                        <a:rPr kumimoji="1" lang="en-US" altLang="ja-JP" sz="2600" dirty="0" smtClean="0">
+                          <a:solidFill>
+                            <a:schemeClr val="tx1"/>
+                          </a:solidFill>
+                        </a:rPr>
+                        <a:t>2</a:t>
+                      </a:r>
+                      <a:endParaRPr kumimoji="1" lang="ja-JP" altLang="en-US" sz="2600" dirty="0">
+                        <a:solidFill>
+                          <a:schemeClr val="tx1"/>
+                        </a:solidFill>
+                      </a:endParaRPr>
+                    </a:p>
+                  </a:txBody>
+                  <a:tcPr marL="132891" marR="132891" marT="66446" marB="66446" anchor="ctr">
+                    <a:lnL w="12700" cap="flat" cmpd="sng" algn="ctr">
+                      <a:solidFill>
+                        <a:schemeClr val="tx1"/>
+                      </a:solidFill>
+                      <a:prstDash val="solid"/>
+                      <a:round/>
+                      <a:headEnd type="none" w="med" len="med"/>
+                      <a:tailEnd type="none" w="med" len="med"/>
+                    </a:lnL>
+                    <a:lnR w="12700" cap="flat" cmpd="sng" algn="ctr">
+                      <a:solidFill>
+                        <a:schemeClr val="tx1"/>
+                      </a:solidFill>
+                      <a:prstDash val="solid"/>
+                      <a:round/>
+                      <a:headEnd type="none" w="med" len="med"/>
+                      <a:tailEnd type="none" w="med" len="med"/>
+                    </a:lnR>
+                    <a:lnT w="12700" cap="flat" cmpd="sng" algn="ctr">
+                      <a:solidFill>
+                        <a:schemeClr val="tx1"/>
+                      </a:solidFill>
+                      <a:prstDash val="solid"/>
+                      <a:round/>
+                      <a:headEnd type="none" w="med" len="med"/>
+                      <a:tailEnd type="none" w="med" len="med"/>
+                    </a:lnT>
+                    <a:lnB w="12700" cap="flat" cmpd="sng" algn="ctr">
+                      <a:solidFill>
+                        <a:schemeClr val="tx1"/>
+                      </a:solidFill>
+                      <a:prstDash val="solid"/>
+                      <a:round/>
+                      <a:headEnd type="none" w="med" len="med"/>
+                      <a:tailEnd type="none" w="med" len="med"/>
+                    </a:lnB>
+                    <a:noFill/>
+                  </a:tcPr>
+                </a:tc>
+                <a:tc>
+                  <a:txBody>
+                    <a:bodyPr/>
+                    <a:lstStyle/>
+                    <a:p>
+                      <a:pPr algn="ctr"/>
+                      <a:r>
+                        <a:rPr kumimoji="1" lang="en-US" altLang="ja-JP" sz="2600" dirty="0" smtClean="0">
+                          <a:solidFill>
+                            <a:schemeClr val="tx1"/>
+                          </a:solidFill>
+                        </a:rPr>
+                        <a:t>2</a:t>
+                      </a:r>
+                      <a:endParaRPr kumimoji="1" lang="ja-JP" altLang="en-US" sz="2600" dirty="0">
+                        <a:solidFill>
+                          <a:schemeClr val="tx1"/>
+                        </a:solidFill>
+                      </a:endParaRPr>
+                    </a:p>
+                  </a:txBody>
+                  <a:tcPr marL="132891" marR="132891" marT="66446" marB="66446" anchor="ctr">
+                    <a:lnL w="12700" cap="flat" cmpd="sng" algn="ctr">
+                      <a:solidFill>
+                        <a:schemeClr val="tx1"/>
+                      </a:solidFill>
+                      <a:prstDash val="solid"/>
+                      <a:round/>
+                      <a:headEnd type="none" w="med" len="med"/>
+                      <a:tailEnd type="none" w="med" len="med"/>
+                    </a:lnL>
+                    <a:lnR w="12700" cap="flat" cmpd="sng" algn="ctr">
+                      <a:solidFill>
+                        <a:schemeClr val="tx1"/>
+                      </a:solidFill>
+                      <a:prstDash val="solid"/>
+                      <a:round/>
+                      <a:headEnd type="none" w="med" len="med"/>
+                      <a:tailEnd type="none" w="med" len="med"/>
+                    </a:lnR>
+                    <a:lnT w="12700" cap="flat" cmpd="sng" algn="ctr">
+                      <a:solidFill>
+                        <a:schemeClr val="tx1"/>
+                      </a:solidFill>
+                      <a:prstDash val="solid"/>
+                      <a:round/>
+                      <a:headEnd type="none" w="med" len="med"/>
+                      <a:tailEnd type="none" w="med" len="med"/>
+                    </a:lnT>
+                    <a:lnB w="12700" cap="flat" cmpd="sng" algn="ctr">
+                      <a:solidFill>
+                        <a:schemeClr val="tx1"/>
+                      </a:solidFill>
+                      <a:prstDash val="solid"/>
+                      <a:round/>
+                      <a:headEnd type="none" w="med" len="med"/>
+                      <a:tailEnd type="none" w="med" len="med"/>
+                    </a:lnB>
+                    <a:noFill/>
+                  </a:tcPr>
+                </a:tc>
+                <a:tc>
+                  <a:txBody>
+                    <a:bodyPr/>
+                    <a:lstStyle/>
+                    <a:p>
+                      <a:pPr algn="ctr"/>
+                      <a:r>
+                        <a:rPr kumimoji="1" lang="en-US" altLang="ja-JP" sz="2600" dirty="0" smtClean="0">
+                          <a:solidFill>
+                            <a:schemeClr val="tx1"/>
+                          </a:solidFill>
+                        </a:rPr>
+                        <a:t>3</a:t>
+                      </a:r>
+                      <a:endParaRPr kumimoji="1" lang="ja-JP" altLang="en-US" sz="2600" dirty="0">
+                        <a:solidFill>
+                          <a:schemeClr val="tx1"/>
+                        </a:solidFill>
+                      </a:endParaRPr>
+                    </a:p>
+                  </a:txBody>
+                  <a:tcPr marL="132891" marR="132891" marT="66446" marB="66446" anchor="ctr">
+                    <a:lnL w="12700" cap="flat" cmpd="sng" algn="ctr">
+                      <a:solidFill>
+                        <a:schemeClr val="tx1"/>
+                      </a:solidFill>
+                      <a:prstDash val="solid"/>
+                      <a:round/>
+                      <a:headEnd type="none" w="med" len="med"/>
+                      <a:tailEnd type="none" w="med" len="med"/>
+                    </a:lnL>
+                    <a:lnR w="12700" cap="flat" cmpd="sng" algn="ctr">
+                      <a:solidFill>
+                        <a:schemeClr val="tx1"/>
+                      </a:solidFill>
+                      <a:prstDash val="solid"/>
+                      <a:round/>
+                      <a:headEnd type="none" w="med" len="med"/>
+                      <a:tailEnd type="none" w="med" len="med"/>
+                    </a:lnR>
+                    <a:lnT w="12700" cap="flat" cmpd="sng" algn="ctr">
+                      <a:solidFill>
+                        <a:schemeClr val="tx1"/>
+                      </a:solidFill>
+                      <a:prstDash val="solid"/>
+                      <a:round/>
+                      <a:headEnd type="none" w="med" len="med"/>
+                      <a:tailEnd type="none" w="med" len="med"/>
+                    </a:lnT>
+                    <a:lnB w="12700" cap="flat" cmpd="sng" algn="ctr">
+                      <a:solidFill>
+                        <a:schemeClr val="tx1"/>
+                      </a:solidFill>
+                      <a:prstDash val="solid"/>
+                      <a:round/>
+                      <a:headEnd type="none" w="med" len="med"/>
+                      <a:tailEnd type="none" w="med" len="med"/>
+                    </a:lnB>
+                    <a:noFill/>
+                  </a:tcPr>
+                </a:tc>
+                <a:tc>
+                  <a:txBody>
+                    <a:bodyPr/>
+                    <a:lstStyle/>
+                    <a:p>
+                      <a:pPr algn="ctr"/>
+                      <a:r>
+                        <a:rPr kumimoji="1" lang="en-US" altLang="ja-JP" sz="2600" dirty="0" smtClean="0">
+                          <a:solidFill>
+                            <a:schemeClr val="tx1"/>
+                          </a:solidFill>
+                        </a:rPr>
+                        <a:t>3</a:t>
+                      </a:r>
+                      <a:endParaRPr kumimoji="1" lang="ja-JP" altLang="en-US" sz="2600" dirty="0">
+                        <a:solidFill>
+                          <a:schemeClr val="tx1"/>
+                        </a:solidFill>
+                      </a:endParaRPr>
+                    </a:p>
+                  </a:txBody>
+                  <a:tcPr marL="132891" marR="132891" marT="66446" marB="66446" anchor="ctr">
+                    <a:lnL w="12700" cap="flat" cmpd="sng" algn="ctr">
+                      <a:solidFill>
+                        <a:schemeClr val="tx1"/>
+                      </a:solidFill>
+                      <a:prstDash val="solid"/>
+                      <a:round/>
+                      <a:headEnd type="none" w="med" len="med"/>
+                      <a:tailEnd type="none" w="med" len="med"/>
+                    </a:lnL>
+                    <a:lnR w="12700" cap="flat" cmpd="sng" algn="ctr">
+                      <a:solidFill>
+                        <a:schemeClr val="tx1"/>
+                      </a:solidFill>
+                      <a:prstDash val="solid"/>
+                      <a:round/>
+                      <a:headEnd type="none" w="med" len="med"/>
+                      <a:tailEnd type="none" w="med" len="med"/>
+                    </a:lnR>
+                    <a:lnT w="12700" cap="flat" cmpd="sng" algn="ctr">
+                      <a:solidFill>
+                        <a:schemeClr val="tx1"/>
+                      </a:solidFill>
+                      <a:prstDash val="solid"/>
+                      <a:round/>
+                      <a:headEnd type="none" w="med" len="med"/>
+                      <a:tailEnd type="none" w="med" len="med"/>
+                    </a:lnT>
+                    <a:lnB w="12700" cap="flat" cmpd="sng" algn="ctr">
+                      <a:solidFill>
+                        <a:schemeClr val="tx1"/>
+                      </a:solidFill>
+                      <a:prstDash val="solid"/>
+                      <a:round/>
+                      <a:headEnd type="none" w="med" len="med"/>
+                      <a:tailEnd type="none" w="med" len="med"/>
+                    </a:lnB>
+                    <a:noFill/>
+                  </a:tcPr>
+                </a:tc>
+                <a:tc>
+                  <a:txBody>
+                    <a:bodyPr/>
+                    <a:lstStyle/>
+                    <a:p>
+                      <a:pPr algn="ctr"/>
+                      <a:r>
+                        <a:rPr kumimoji="1" lang="en-US" altLang="ja-JP" sz="2600" dirty="0" smtClean="0">
+                          <a:solidFill>
+                            <a:schemeClr val="tx1"/>
+                          </a:solidFill>
+                        </a:rPr>
+                        <a:t>1</a:t>
+                      </a:r>
+                      <a:endParaRPr kumimoji="1" lang="ja-JP" altLang="en-US" sz="2600" dirty="0">
+                        <a:solidFill>
+                          <a:schemeClr val="tx1"/>
+                        </a:solidFill>
+                      </a:endParaRPr>
+                    </a:p>
+                  </a:txBody>
+                  <a:tcPr marL="132891" marR="132891" marT="66446" marB="66446" anchor="ctr">
+                    <a:lnL w="12700" cap="flat" cmpd="sng" algn="ctr">
+                      <a:solidFill>
+                        <a:schemeClr val="tx1"/>
+                      </a:solidFill>
+                      <a:prstDash val="solid"/>
+                      <a:round/>
+                      <a:headEnd type="none" w="med" len="med"/>
+                      <a:tailEnd type="none" w="med" len="med"/>
+                    </a:lnL>
+                    <a:lnR w="12700" cap="flat" cmpd="sng" algn="ctr">
+                      <a:solidFill>
+                        <a:schemeClr val="tx1"/>
+                      </a:solidFill>
+                      <a:prstDash val="solid"/>
+                      <a:round/>
+                      <a:headEnd type="none" w="med" len="med"/>
+                      <a:tailEnd type="none" w="med" len="med"/>
+                    </a:lnR>
+                    <a:lnT w="12700" cap="flat" cmpd="sng" algn="ctr">
+                      <a:solidFill>
+                        <a:schemeClr val="tx1"/>
+                      </a:solidFill>
+                      <a:prstDash val="solid"/>
+                      <a:round/>
+                      <a:headEnd type="none" w="med" len="med"/>
+                      <a:tailEnd type="none" w="med" len="med"/>
+                    </a:lnT>
+                    <a:lnB w="12700" cap="flat" cmpd="sng" algn="ctr">
+                      <a:solidFill>
+                        <a:schemeClr val="tx1"/>
+                      </a:solidFill>
+                      <a:prstDash val="solid"/>
+                      <a:round/>
+                      <a:headEnd type="none" w="med" len="med"/>
+                      <a:tailEnd type="none" w="med" len="med"/>
+                    </a:lnB>
+                    <a:noFill/>
+                  </a:tcPr>
+                </a:tc>
+                <a:tc>
+                  <a:txBody>
+                    <a:bodyPr/>
+                    <a:lstStyle/>
+                    <a:p>
+                      <a:pPr algn="ctr"/>
+                      <a:r>
+                        <a:rPr kumimoji="1" lang="en-US" altLang="ja-JP" sz="2600" dirty="0" smtClean="0">
+                          <a:solidFill>
+                            <a:schemeClr val="tx1"/>
+                          </a:solidFill>
+                        </a:rPr>
+                        <a:t>4</a:t>
+                      </a:r>
+                      <a:endParaRPr kumimoji="1" lang="ja-JP" altLang="en-US" sz="2600" dirty="0">
+                        <a:solidFill>
+                          <a:schemeClr val="tx1"/>
+                        </a:solidFill>
+                      </a:endParaRPr>
+                    </a:p>
+                  </a:txBody>
+                  <a:tcPr marL="132891" marR="132891" marT="66446" marB="66446" anchor="ctr">
+                    <a:lnL w="12700" cap="flat" cmpd="sng" algn="ctr">
+                      <a:solidFill>
+                        <a:schemeClr val="tx1"/>
+                      </a:solidFill>
+                      <a:prstDash val="solid"/>
+                      <a:round/>
+                      <a:headEnd type="none" w="med" len="med"/>
+                      <a:tailEnd type="none" w="med" len="med"/>
+                    </a:lnL>
+                    <a:lnR w="12700" cap="flat" cmpd="sng" algn="ctr">
+                      <a:solidFill>
+                        <a:schemeClr val="tx1"/>
+                      </a:solidFill>
+                      <a:prstDash val="solid"/>
+                      <a:round/>
+                      <a:headEnd type="none" w="med" len="med"/>
+                      <a:tailEnd type="none" w="med" len="med"/>
+                    </a:lnR>
+                    <a:lnT w="12700" cap="flat" cmpd="sng" algn="ctr">
+                      <a:solidFill>
+                        <a:schemeClr val="tx1"/>
+                      </a:solidFill>
+                      <a:prstDash val="solid"/>
+                      <a:round/>
+                      <a:headEnd type="none" w="med" len="med"/>
+                      <a:tailEnd type="none" w="med" len="med"/>
+                    </a:lnT>
+                    <a:lnB w="12700" cap="flat" cmpd="sng" algn="ctr">
+                      <a:solidFill>
+                        <a:schemeClr val="tx1"/>
+                      </a:solidFill>
+                      <a:prstDash val="solid"/>
+                      <a:round/>
+                      <a:headEnd type="none" w="med" len="med"/>
+                      <a:tailEnd type="none" w="med" len="med"/>
+                    </a:lnB>
+                    <a:noFill/>
+                  </a:tcPr>
+                </a:tc>
+                <a:tc>
+                  <a:txBody>
+                    <a:bodyPr/>
+                    <a:lstStyle/>
+                    <a:p>
+                      <a:pPr algn="ctr"/>
+                      <a:r>
+                        <a:rPr kumimoji="1" lang="en-US" altLang="ja-JP" sz="2600" dirty="0" smtClean="0">
+                          <a:solidFill>
+                            <a:schemeClr val="tx1"/>
+                          </a:solidFill>
+                        </a:rPr>
+                        <a:t>5</a:t>
+                      </a:r>
+                      <a:endParaRPr kumimoji="1" lang="ja-JP" altLang="en-US" sz="2600" dirty="0">
+                        <a:solidFill>
+                          <a:schemeClr val="tx1"/>
+                        </a:solidFill>
+                      </a:endParaRPr>
+                    </a:p>
+                  </a:txBody>
+                  <a:tcPr marL="132891" marR="132891" marT="66446" marB="66446" anchor="ctr">
+                    <a:lnL w="12700" cap="flat" cmpd="sng" algn="ctr">
+                      <a:solidFill>
+                        <a:schemeClr val="tx1"/>
+                      </a:solidFill>
+                      <a:prstDash val="solid"/>
+                      <a:round/>
+                      <a:headEnd type="none" w="med" len="med"/>
+                      <a:tailEnd type="none" w="med" len="med"/>
+                    </a:lnL>
+                    <a:lnR w="12700" cap="flat" cmpd="sng" algn="ctr">
+                      <a:solidFill>
+                        <a:schemeClr val="tx1"/>
+                      </a:solidFill>
+                      <a:prstDash val="solid"/>
+                      <a:round/>
+                      <a:headEnd type="none" w="med" len="med"/>
+                      <a:tailEnd type="none" w="med" len="med"/>
+                    </a:lnR>
+                    <a:lnT w="12700" cap="flat" cmpd="sng" algn="ctr">
+                      <a:solidFill>
+                        <a:schemeClr val="tx1"/>
+                      </a:solidFill>
+                      <a:prstDash val="solid"/>
+                      <a:round/>
+                      <a:headEnd type="none" w="med" len="med"/>
+                      <a:tailEnd type="none" w="med" len="med"/>
+                    </a:lnT>
+                    <a:lnB w="12700" cap="flat" cmpd="sng" algn="ctr">
+                      <a:solidFill>
+                        <a:schemeClr val="tx1"/>
+                      </a:solidFill>
+                      <a:prstDash val="solid"/>
+                      <a:round/>
+                      <a:headEnd type="none" w="med" len="med"/>
+                      <a:tailEnd type="none" w="med" len="med"/>
+                    </a:lnB>
+                    <a:noFill/>
+                  </a:tcPr>
+                </a:tc>
+                <a:tc>
+                  <a:txBody>
+                    <a:bodyPr/>
+                    <a:lstStyle/>
+                    <a:p>
+                      <a:pPr algn="ctr"/>
+                      <a:r>
+                        <a:rPr kumimoji="1" lang="en-US" altLang="ja-JP" sz="2600" dirty="0" smtClean="0">
+                          <a:solidFill>
+                            <a:schemeClr val="tx1"/>
+                          </a:solidFill>
+                        </a:rPr>
+                        <a:t>5</a:t>
+                      </a:r>
+                      <a:endParaRPr kumimoji="1" lang="ja-JP" altLang="en-US" sz="2600" dirty="0">
+                        <a:solidFill>
+                          <a:schemeClr val="tx1"/>
+                        </a:solidFill>
+                      </a:endParaRPr>
+                    </a:p>
+                  </a:txBody>
+                  <a:tcPr marL="132891" marR="132891" marT="66446" marB="66446" anchor="ctr">
+                    <a:lnL w="12700" cap="flat" cmpd="sng" algn="ctr">
+                      <a:solidFill>
+                        <a:schemeClr val="tx1"/>
+                      </a:solidFill>
+                      <a:prstDash val="solid"/>
+                      <a:round/>
+                      <a:headEnd type="none" w="med" len="med"/>
+                      <a:tailEnd type="none" w="med" len="med"/>
+                    </a:lnL>
+                    <a:lnR w="12700" cap="flat" cmpd="sng" algn="ctr">
+                      <a:solidFill>
+                        <a:schemeClr val="tx1"/>
+                      </a:solidFill>
+                      <a:prstDash val="solid"/>
+                      <a:round/>
+                      <a:headEnd type="none" w="med" len="med"/>
+                      <a:tailEnd type="none" w="med" len="med"/>
+                    </a:lnR>
+                    <a:lnT w="12700" cap="flat" cmpd="sng" algn="ctr">
+                      <a:solidFill>
+                        <a:schemeClr val="tx1"/>
+                      </a:solidFill>
+                      <a:prstDash val="solid"/>
+                      <a:round/>
+                      <a:headEnd type="none" w="med" len="med"/>
+                      <a:tailEnd type="none" w="med" len="med"/>
+                    </a:lnT>
+                    <a:lnB w="12700" cap="flat" cmpd="sng" algn="ctr">
+                      <a:solidFill>
+                        <a:schemeClr val="tx1"/>
+                      </a:solidFill>
+                      <a:prstDash val="solid"/>
+                      <a:round/>
+                      <a:headEnd type="none" w="med" len="med"/>
+                      <a:tailEnd type="none" w="med" len="med"/>
+                    </a:lnB>
+                    <a:noFill/>
+                  </a:tcPr>
+                </a:tc>
+                <a:tc>
+                  <a:txBody>
+                    <a:bodyPr/>
+                    <a:lstStyle/>
+                    <a:p>
+                      <a:pPr algn="ctr"/>
+                      <a:r>
+                        <a:rPr kumimoji="1" lang="en-US" altLang="ja-JP" sz="2600" dirty="0" smtClean="0">
+                          <a:solidFill>
+                            <a:schemeClr val="tx1"/>
+                          </a:solidFill>
+                        </a:rPr>
+                        <a:t>6</a:t>
+                      </a:r>
+                      <a:endParaRPr kumimoji="1" lang="ja-JP" altLang="en-US" sz="2600" dirty="0">
+                        <a:solidFill>
+                          <a:schemeClr val="tx1"/>
+                        </a:solidFill>
+                      </a:endParaRPr>
+                    </a:p>
+                  </a:txBody>
+                  <a:tcPr marL="132891" marR="132891" marT="66446" marB="66446" anchor="ctr">
+                    <a:lnL w="12700" cap="flat" cmpd="sng" algn="ctr">
+                      <a:solidFill>
+                        <a:schemeClr val="tx1"/>
+                      </a:solidFill>
+                      <a:prstDash val="solid"/>
+                      <a:round/>
+                      <a:headEnd type="none" w="med" len="med"/>
+                      <a:tailEnd type="none" w="med" len="med"/>
+                    </a:lnL>
+                    <a:lnR w="12700" cap="flat" cmpd="sng" algn="ctr">
+                      <a:solidFill>
+                        <a:schemeClr val="tx1"/>
+                      </a:solidFill>
+                      <a:prstDash val="solid"/>
+                      <a:round/>
+                      <a:headEnd type="none" w="med" len="med"/>
+                      <a:tailEnd type="none" w="med" len="med"/>
+                    </a:lnR>
+                    <a:lnT w="12700" cap="flat" cmpd="sng" algn="ctr">
+                      <a:solidFill>
+                        <a:schemeClr val="tx1"/>
+                      </a:solidFill>
+                      <a:prstDash val="solid"/>
+                      <a:round/>
+                      <a:headEnd type="none" w="med" len="med"/>
+                      <a:tailEnd type="none" w="med" len="med"/>
+                    </a:lnT>
+                    <a:lnB w="12700" cap="flat" cmpd="sng" algn="ctr">
+                      <a:solidFill>
+                        <a:schemeClr val="tx1"/>
+                      </a:solidFill>
+                      <a:prstDash val="solid"/>
+                      <a:round/>
+                      <a:headEnd type="none" w="med" len="med"/>
+                      <a:tailEnd type="none" w="med" len="med"/>
+                    </a:lnB>
+                    <a:noFill/>
+                  </a:tcPr>
+                </a:tc>
+                <a:tc>
+                  <a:txBody>
+                    <a:bodyPr/>
+                    <a:lstStyle/>
+                    <a:p>
+                      <a:pPr algn="ctr"/>
+                      <a:r>
+                        <a:rPr kumimoji="1" lang="en-US" altLang="ja-JP" sz="2600" dirty="0" smtClean="0">
+                          <a:solidFill>
+                            <a:schemeClr val="tx1"/>
+                          </a:solidFill>
+                        </a:rPr>
+                        <a:t>6</a:t>
+                      </a:r>
+                      <a:endParaRPr kumimoji="1" lang="ja-JP" altLang="en-US" sz="2600" dirty="0">
+                        <a:solidFill>
+                          <a:schemeClr val="tx1"/>
+                        </a:solidFill>
+                      </a:endParaRPr>
+                    </a:p>
+                  </a:txBody>
+                  <a:tcPr marL="132891" marR="132891" marT="66446" marB="66446" anchor="ctr">
+                    <a:lnL w="12700" cap="flat" cmpd="sng" algn="ctr">
+                      <a:solidFill>
+                        <a:schemeClr val="tx1"/>
+                      </a:solidFill>
+                      <a:prstDash val="solid"/>
+                      <a:round/>
+                      <a:headEnd type="none" w="med" len="med"/>
+                      <a:tailEnd type="none" w="med" len="med"/>
+                    </a:lnL>
+                    <a:lnR w="12700" cap="flat" cmpd="sng" algn="ctr">
+                      <a:solidFill>
+                        <a:schemeClr val="tx1"/>
+                      </a:solidFill>
+                      <a:prstDash val="solid"/>
+                      <a:round/>
+                      <a:headEnd type="none" w="med" len="med"/>
+                      <a:tailEnd type="none" w="med" len="med"/>
+                    </a:lnR>
+                    <a:lnT w="12700" cap="flat" cmpd="sng" algn="ctr">
+                      <a:solidFill>
+                        <a:schemeClr val="tx1"/>
+                      </a:solidFill>
+                      <a:prstDash val="solid"/>
+                      <a:round/>
+                      <a:headEnd type="none" w="med" len="med"/>
+                      <a:tailEnd type="none" w="med" len="med"/>
+                    </a:lnT>
+                    <a:lnB w="12700" cap="flat" cmpd="sng" algn="ctr">
+                      <a:solidFill>
+                        <a:schemeClr val="tx1"/>
+                      </a:solidFill>
+                      <a:prstDash val="solid"/>
+                      <a:round/>
+                      <a:headEnd type="none" w="med" len="med"/>
+                      <a:tailEnd type="none" w="med" len="med"/>
+                    </a:lnB>
+                    <a:noFill/>
+                  </a:tcPr>
+                </a:tc>
+                <a:tc>
+                  <a:txBody>
+                    <a:bodyPr/>
+                    <a:lstStyle/>
+                    <a:p>
+                      <a:pPr algn="ctr"/>
+                      <a:r>
+                        <a:rPr kumimoji="1" lang="en-US" altLang="ja-JP" sz="2600" dirty="0" smtClean="0">
+                          <a:solidFill>
+                            <a:schemeClr val="tx1"/>
+                          </a:solidFill>
+                        </a:rPr>
+                        <a:t>4</a:t>
+                      </a:r>
+                      <a:endParaRPr kumimoji="1" lang="ja-JP" altLang="en-US" sz="2600" dirty="0">
+                        <a:solidFill>
+                          <a:schemeClr val="tx1"/>
+                        </a:solidFill>
+                      </a:endParaRPr>
+                    </a:p>
+                  </a:txBody>
+                  <a:tcPr marL="132891" marR="132891" marT="66446" marB="66446" anchor="ctr">
+                    <a:lnL w="12700" cap="flat" cmpd="sng" algn="ctr">
+                      <a:solidFill>
+                        <a:schemeClr val="tx1"/>
+                      </a:solidFill>
+                      <a:prstDash val="solid"/>
+                      <a:round/>
+                      <a:headEnd type="none" w="med" len="med"/>
+                      <a:tailEnd type="none" w="med" len="med"/>
+                    </a:lnL>
+                    <a:lnR w="12700" cap="flat" cmpd="sng" algn="ctr">
+                      <a:solidFill>
+                        <a:schemeClr val="tx1"/>
+                      </a:solidFill>
+                      <a:prstDash val="solid"/>
+                      <a:round/>
+                      <a:headEnd type="none" w="med" len="med"/>
+                      <a:tailEnd type="none" w="med" len="med"/>
+                    </a:lnR>
+                    <a:lnT w="12700" cap="flat" cmpd="sng" algn="ctr">
+                      <a:solidFill>
+                        <a:schemeClr val="tx1"/>
+                      </a:solidFill>
+                      <a:prstDash val="solid"/>
+                      <a:round/>
+                      <a:headEnd type="none" w="med" len="med"/>
+                      <a:tailEnd type="none" w="med" len="med"/>
+                    </a:lnT>
+                    <a:lnB w="12700" cap="flat" cmpd="sng" algn="ctr">
+                      <a:solidFill>
+                        <a:schemeClr val="tx1"/>
+                      </a:solidFill>
+                      <a:prstDash val="solid"/>
+                      <a:round/>
+                      <a:headEnd type="none" w="med" len="med"/>
+                      <a:tailEnd type="none" w="med" len="med"/>
+                    </a:lnB>
+                    <a:noFill/>
+                  </a:tcPr>
+                </a:tc>
+                <a:tc>
+                  <a:txBody>
+                    <a:bodyPr/>
+                    <a:lstStyle/>
+                    <a:p>
+                      <a:pPr algn="ctr"/>
+                      <a:r>
+                        <a:rPr kumimoji="1" lang="en-US" altLang="ja-JP" sz="2600" dirty="0" smtClean="0">
+                          <a:solidFill>
+                            <a:schemeClr val="tx1"/>
+                          </a:solidFill>
+                        </a:rPr>
+                        <a:t>0</a:t>
+                      </a:r>
+                      <a:endParaRPr kumimoji="1" lang="ja-JP" altLang="en-US" sz="2600" dirty="0">
+                        <a:solidFill>
+                          <a:schemeClr val="tx1"/>
+                        </a:solidFill>
+                      </a:endParaRPr>
+                    </a:p>
+                  </a:txBody>
+                  <a:tcPr marL="132891" marR="132891" marT="66446" marB="66446" anchor="ctr">
+                    <a:lnL w="12700" cap="flat" cmpd="sng" algn="ctr">
+                      <a:solidFill>
+                        <a:schemeClr val="tx1"/>
+                      </a:solidFill>
+                      <a:prstDash val="solid"/>
+                      <a:round/>
+                      <a:headEnd type="none" w="med" len="med"/>
+                      <a:tailEnd type="none" w="med" len="med"/>
+                    </a:lnL>
+                    <a:lnR w="12700" cap="flat" cmpd="sng" algn="ctr">
+                      <a:solidFill>
+                        <a:schemeClr val="tx1"/>
+                      </a:solidFill>
+                      <a:prstDash val="solid"/>
+                      <a:round/>
+                      <a:headEnd type="none" w="med" len="med"/>
+                      <a:tailEnd type="none" w="med" len="med"/>
+                    </a:lnR>
+                    <a:lnT w="12700" cap="flat" cmpd="sng" algn="ctr">
+                      <a:solidFill>
+                        <a:schemeClr val="tx1"/>
+                      </a:solidFill>
+                      <a:prstDash val="solid"/>
+                      <a:round/>
+                      <a:headEnd type="none" w="med" len="med"/>
+                      <a:tailEnd type="none" w="med" len="med"/>
+                    </a:lnT>
+                    <a:lnB w="12700" cap="flat" cmpd="sng" algn="ctr">
+                      <a:solidFill>
+                        <a:schemeClr val="tx1"/>
+                      </a:solidFill>
+                      <a:prstDash val="solid"/>
+                      <a:round/>
+                      <a:headEnd type="none" w="med" len="med"/>
+                      <a:tailEnd type="none" w="med" len="med"/>
+                    </a:lnB>
+                    <a:noFill/>
+                  </a:tcPr>
+                </a:tc>
+              </a:tr>
+            </a:tbl>
+          </a:graphicData>
+        </a:graphic>
+      </p:graphicFrame>
+    </p:spTree>
+    <p:extLst>
+      <p:ext uri="{BB962C8B-B14F-4D97-AF65-F5344CB8AC3E}">
+        <p14:creationId xmlns:p14="http://schemas.microsoft.com/office/powerpoint/2010/main" val="790885234"/>
+      </p:ext>
+    </p:extLst>
+  </p:cSld>
+  <p:clrMapOvr>
+    <a:masterClrMapping/>
+  </p:clrMapOvr>
+</p:sld>
+</file>
+
+<file path=ppt/slides/slide7.xml><?xml version="1.0" encoding="utf-8"?>
+<p:sld xmlns:a="http://schemas.openxmlformats.org/drawingml/2006/main" xmlns:r="http://schemas.openxmlformats.org/officeDocument/2006/relationships" xmlns:p="http://schemas.openxmlformats.org/presentationml/2006/main">
+  <p:cSld>
+    <p:spTree>
+      <p:nvGrpSpPr>
+        <p:cNvPr id="1" name=""/>
+        <p:cNvGrpSpPr/>
+        <p:nvPr/>
+      </p:nvGrpSpPr>
+      <p:grpSpPr>
+        <a:xfrm>
+          <a:off x="0" y="0"/>
+          <a:ext cx="0" cy="0"/>
+          <a:chOff x="0" y="0"/>
+          <a:chExt cx="0" cy="0"/>
+        </a:xfrm>
+      </p:grpSpPr>
+      <p:sp>
+        <p:nvSpPr>
+          <p:cNvPr id="2" name="タイトル 1"/>
+          <p:cNvSpPr>
+            <a:spLocks noGrp="1"/>
+          </p:cNvSpPr>
+          <p:nvPr>
+            <p:ph type="title"/>
+          </p:nvPr>
+        </p:nvSpPr>
+        <p:spPr/>
+        <p:txBody>
+          <a:bodyPr/>
+          <a:lstStyle/>
+          <a:p>
+            <a:r>
+              <a:rPr lang="ja-JP" altLang="en-US" dirty="0"/>
+              <a:t>想定</a:t>
+            </a:r>
+            <a:r>
+              <a:rPr lang="ja-JP" altLang="en-US" dirty="0" smtClean="0"/>
+              <a:t>解法</a:t>
+            </a:r>
+            <a:endParaRPr kumimoji="1" lang="ja-JP" altLang="en-US" dirty="0"/>
+          </a:p>
+        </p:txBody>
+      </p:sp>
+      <p:sp>
+        <p:nvSpPr>
+          <p:cNvPr id="25" name="テキスト ボックス 24"/>
+          <p:cNvSpPr txBox="1"/>
+          <p:nvPr/>
+        </p:nvSpPr>
+        <p:spPr>
+          <a:xfrm>
+            <a:off x="717104" y="2996952"/>
+            <a:ext cx="7743328" cy="1077218"/>
+          </a:xfrm>
+          <a:prstGeom prst="rect">
+            <a:avLst/>
+          </a:prstGeom>
+          <a:noFill/>
+        </p:spPr>
+        <p:txBody>
+          <a:bodyPr wrap="square" rtlCol="0">
+            <a:spAutoFit/>
+          </a:bodyPr>
+          <a:lstStyle/>
+          <a:p>
+            <a:r>
+              <a:rPr kumimoji="1" lang="ja-JP" altLang="en-US" sz="3200" dirty="0" smtClean="0"/>
+              <a:t>左側の区間にのみ着目するとある頂点に訪れる前に</a:t>
+            </a:r>
+            <a:r>
+              <a:rPr kumimoji="1" lang="ja-JP" altLang="en-US" sz="3200" dirty="0" smtClean="0">
+                <a:solidFill>
+                  <a:srgbClr val="FF0000"/>
+                </a:solidFill>
+              </a:rPr>
+              <a:t>訪れ終わった</a:t>
+            </a:r>
+            <a:r>
+              <a:rPr kumimoji="1" lang="ja-JP" altLang="en-US" sz="3200" dirty="0" smtClean="0"/>
+              <a:t>頂点のみが含まれる</a:t>
+            </a:r>
+            <a:endParaRPr kumimoji="1" lang="ja-JP" altLang="en-US" sz="3200" dirty="0"/>
+          </a:p>
+        </p:txBody>
+      </p:sp>
+      <p:sp>
+        <p:nvSpPr>
+          <p:cNvPr id="26" name="テキスト ボックス 25"/>
+          <p:cNvSpPr txBox="1"/>
+          <p:nvPr/>
+        </p:nvSpPr>
+        <p:spPr>
+          <a:xfrm>
+            <a:off x="1201370" y="4104550"/>
+            <a:ext cx="6774795" cy="1077218"/>
+          </a:xfrm>
+          <a:prstGeom prst="rect">
+            <a:avLst/>
+          </a:prstGeom>
+          <a:noFill/>
+        </p:spPr>
+        <p:txBody>
+          <a:bodyPr wrap="square" rtlCol="0">
+            <a:spAutoFit/>
+          </a:bodyPr>
+          <a:lstStyle/>
+          <a:p>
+            <a:r>
+              <a:rPr kumimoji="1" lang="ja-JP" altLang="en-US" sz="3200" dirty="0" smtClean="0"/>
+              <a:t>オイラーツアー上</a:t>
+            </a:r>
+            <a:r>
+              <a:rPr kumimoji="1" lang="ja-JP" altLang="en-US" sz="3200" dirty="0" smtClean="0"/>
+              <a:t>を</a:t>
+            </a:r>
+            <a:r>
+              <a:rPr lang="ja-JP" altLang="en-US" sz="3200" dirty="0"/>
+              <a:t>辿る</a:t>
+            </a:r>
+            <a:r>
+              <a:rPr kumimoji="1" lang="ja-JP" altLang="en-US" sz="3200" dirty="0" smtClean="0"/>
+              <a:t>途中</a:t>
+            </a:r>
+            <a:r>
+              <a:rPr kumimoji="1" lang="ja-JP" altLang="en-US" sz="3200" dirty="0" smtClean="0"/>
+              <a:t>で見終わった頂点の値</a:t>
+            </a:r>
+            <a:r>
+              <a:rPr kumimoji="1" lang="ja-JP" altLang="en-US" sz="3200" dirty="0" smtClean="0"/>
+              <a:t>を</a:t>
+            </a:r>
+            <a:r>
+              <a:rPr kumimoji="1" lang="ja-JP" altLang="en-US" sz="3200" dirty="0" smtClean="0">
+                <a:solidFill>
+                  <a:srgbClr val="FF0000"/>
+                </a:solidFill>
+              </a:rPr>
+              <a:t>セット</a:t>
+            </a:r>
+            <a:r>
+              <a:rPr kumimoji="1" lang="ja-JP" altLang="en-US" sz="3200" dirty="0" smtClean="0"/>
+              <a:t>等に追加</a:t>
+            </a:r>
+            <a:r>
+              <a:rPr kumimoji="1" lang="ja-JP" altLang="en-US" sz="3200" dirty="0" smtClean="0"/>
+              <a:t>していけばよい</a:t>
+            </a:r>
+            <a:endParaRPr kumimoji="1" lang="ja-JP" altLang="en-US" sz="3200" dirty="0"/>
+          </a:p>
+        </p:txBody>
+      </p:sp>
+      <mc:AlternateContent xmlns:mc="http://schemas.openxmlformats.org/markup-compatibility/2006">
+        <mc:Choice xmlns:a14="http://schemas.microsoft.com/office/drawing/2010/main" Requires="a14">
+          <p:sp>
+            <p:nvSpPr>
+              <p:cNvPr id="27" name="テキスト ボックス 26"/>
+              <p:cNvSpPr txBox="1"/>
+              <p:nvPr/>
+            </p:nvSpPr>
+            <p:spPr>
+              <a:xfrm>
+                <a:off x="859583" y="5301208"/>
+                <a:ext cx="7458370" cy="1077218"/>
+              </a:xfrm>
+              <a:prstGeom prst="rect">
+                <a:avLst/>
+              </a:prstGeom>
+              <a:noFill/>
+            </p:spPr>
+            <p:txBody>
+              <a:bodyPr wrap="square" rtlCol="0">
+                <a:spAutoFit/>
+              </a:bodyPr>
+              <a:lstStyle/>
+              <a:p>
+                <a:r>
+                  <a:rPr kumimoji="1" lang="ja-JP" altLang="en-US" sz="3200" dirty="0" smtClean="0"/>
+                  <a:t>その頂点の値に一番近い値は</a:t>
+                </a:r>
+                <a:r>
+                  <a:rPr lang="en-US" altLang="ja-JP" sz="3200" dirty="0"/>
+                  <a:t> </a:t>
+                </a:r>
+                <a14:m>
+                  <m:oMath xmlns:m="http://schemas.openxmlformats.org/officeDocument/2006/math">
+                    <m:r>
+                      <a:rPr lang="en-US" altLang="ja-JP" sz="3200" b="0" i="1" smtClean="0">
+                        <a:latin typeface="Cambria Math"/>
+                      </a:rPr>
+                      <m:t>𝑙𝑜𝑤𝑒𝑟</m:t>
+                    </m:r>
+                    <m:r>
+                      <a:rPr lang="en-US" altLang="ja-JP" sz="3200" b="0" i="1" smtClean="0">
+                        <a:latin typeface="Cambria Math"/>
+                      </a:rPr>
+                      <m:t>_</m:t>
+                    </m:r>
+                    <m:r>
+                      <a:rPr lang="en-US" altLang="ja-JP" sz="3200" b="0" i="1" smtClean="0">
+                        <a:latin typeface="Cambria Math"/>
+                      </a:rPr>
+                      <m:t>𝑏𝑜𝑢𝑛𝑑</m:t>
+                    </m:r>
+                  </m:oMath>
+                </a14:m>
+                <a:endParaRPr kumimoji="1" lang="en-US" altLang="ja-JP" sz="3200" dirty="0" smtClean="0"/>
+              </a:p>
+              <a:p>
+                <a:r>
+                  <a:rPr kumimoji="1" lang="ja-JP" altLang="en-US" sz="3200" dirty="0" smtClean="0"/>
+                  <a:t>等で簡単に求められる</a:t>
+                </a:r>
+                <a:endParaRPr kumimoji="1" lang="ja-JP" altLang="en-US" sz="3200" dirty="0"/>
+              </a:p>
+            </p:txBody>
+          </p:sp>
+        </mc:Choice>
+        <mc:Fallback>
+          <p:sp>
+            <p:nvSpPr>
+              <p:cNvPr id="27" name="テキスト ボックス 26"/>
+              <p:cNvSpPr txBox="1">
+                <a:spLocks noRot="1" noChangeAspect="1" noMove="1" noResize="1" noEditPoints="1" noAdjustHandles="1" noChangeArrowheads="1" noChangeShapeType="1" noTextEdit="1"/>
+              </p:cNvSpPr>
+              <p:nvPr/>
+            </p:nvSpPr>
+            <p:spPr>
+              <a:xfrm>
+                <a:off x="859583" y="5301208"/>
+                <a:ext cx="7458370" cy="1077218"/>
+              </a:xfrm>
+              <a:prstGeom prst="rect">
+                <a:avLst/>
+              </a:prstGeom>
+              <a:blipFill rotWithShape="1">
+                <a:blip r:embed="rId2"/>
+                <a:stretch>
+                  <a:fillRect l="-2044" t="-8523" b="-17045"/>
+                </a:stretch>
+              </a:blipFill>
+            </p:spPr>
+            <p:txBody>
+              <a:bodyPr/>
+              <a:lstStyle/>
+              <a:p>
+                <a:r>
+                  <a:rPr lang="ja-JP" altLang="en-US">
+                    <a:noFill/>
+                  </a:rPr>
+                  <a:t> </a:t>
+                </a:r>
+              </a:p>
+            </p:txBody>
+          </p:sp>
+        </mc:Fallback>
+      </mc:AlternateContent>
+      <p:cxnSp>
+        <p:nvCxnSpPr>
+          <p:cNvPr id="16" name="直線コネクタ 15"/>
+          <p:cNvCxnSpPr/>
+          <p:nvPr/>
+        </p:nvCxnSpPr>
+        <p:spPr>
+          <a:xfrm>
+            <a:off x="3156992" y="1579030"/>
+            <a:ext cx="0" cy="516155"/>
+          </a:xfrm>
+          <a:prstGeom prst="line">
+            <a:avLst/>
+          </a:prstGeom>
+          <a:ln w="57150">
+            <a:solidFill>
+              <a:schemeClr val="accent6">
+                <a:lumMod val="75000"/>
+              </a:schemeClr>
+            </a:solidFill>
+          </a:ln>
+        </p:spPr>
+        <p:style>
+          <a:lnRef idx="1">
+            <a:schemeClr val="accent1"/>
+          </a:lnRef>
+          <a:fillRef idx="0">
+            <a:schemeClr val="accent1"/>
+          </a:fillRef>
+          <a:effectRef idx="0">
+            <a:schemeClr val="accent1"/>
+          </a:effectRef>
+          <a:fontRef idx="minor">
+            <a:schemeClr val="tx1"/>
+          </a:fontRef>
+        </p:style>
+      </p:cxnSp>
+      <p:cxnSp>
+        <p:nvCxnSpPr>
+          <p:cNvPr id="17" name="直線コネクタ 16"/>
+          <p:cNvCxnSpPr/>
+          <p:nvPr/>
+        </p:nvCxnSpPr>
+        <p:spPr>
+          <a:xfrm>
+            <a:off x="3156992" y="2109718"/>
+            <a:ext cx="2763924" cy="0"/>
+          </a:xfrm>
+          <a:prstGeom prst="line">
+            <a:avLst/>
+          </a:prstGeom>
+          <a:ln w="57150">
+            <a:solidFill>
+              <a:schemeClr val="accent6">
+                <a:lumMod val="75000"/>
+              </a:schemeClr>
+            </a:solidFill>
+          </a:ln>
+        </p:spPr>
+        <p:style>
+          <a:lnRef idx="1">
+            <a:schemeClr val="accent1"/>
+          </a:lnRef>
+          <a:fillRef idx="0">
+            <a:schemeClr val="accent1"/>
+          </a:fillRef>
+          <a:effectRef idx="0">
+            <a:schemeClr val="accent1"/>
+          </a:effectRef>
+          <a:fontRef idx="minor">
+            <a:schemeClr val="tx1"/>
+          </a:fontRef>
+        </p:style>
+      </p:cxnSp>
+      <p:cxnSp>
+        <p:nvCxnSpPr>
+          <p:cNvPr id="18" name="直線コネクタ 17"/>
+          <p:cNvCxnSpPr/>
+          <p:nvPr/>
+        </p:nvCxnSpPr>
+        <p:spPr>
+          <a:xfrm>
+            <a:off x="5895655" y="1556792"/>
+            <a:ext cx="0" cy="516155"/>
+          </a:xfrm>
+          <a:prstGeom prst="line">
+            <a:avLst/>
+          </a:prstGeom>
+          <a:ln w="57150">
+            <a:solidFill>
+              <a:schemeClr val="accent6">
+                <a:lumMod val="75000"/>
+              </a:schemeClr>
+            </a:solidFill>
+          </a:ln>
+        </p:spPr>
+        <p:style>
+          <a:lnRef idx="1">
+            <a:schemeClr val="accent1"/>
+          </a:lnRef>
+          <a:fillRef idx="0">
+            <a:schemeClr val="accent1"/>
+          </a:fillRef>
+          <a:effectRef idx="0">
+            <a:schemeClr val="accent1"/>
+          </a:effectRef>
+          <a:fontRef idx="minor">
+            <a:schemeClr val="tx1"/>
+          </a:fontRef>
+        </p:style>
+      </p:cxnSp>
+      <p:cxnSp>
+        <p:nvCxnSpPr>
+          <p:cNvPr id="19" name="直線コネクタ 18"/>
+          <p:cNvCxnSpPr/>
+          <p:nvPr/>
+        </p:nvCxnSpPr>
+        <p:spPr>
+          <a:xfrm>
+            <a:off x="717104" y="1575303"/>
+            <a:ext cx="0" cy="516155"/>
+          </a:xfrm>
+          <a:prstGeom prst="line">
+            <a:avLst/>
+          </a:prstGeom>
+          <a:ln w="38100">
+            <a:solidFill>
+              <a:schemeClr val="accent1"/>
+            </a:solidFill>
+          </a:ln>
+        </p:spPr>
+        <p:style>
+          <a:lnRef idx="1">
+            <a:schemeClr val="accent1"/>
+          </a:lnRef>
+          <a:fillRef idx="0">
+            <a:schemeClr val="accent1"/>
+          </a:fillRef>
+          <a:effectRef idx="0">
+            <a:schemeClr val="accent1"/>
+          </a:effectRef>
+          <a:fontRef idx="minor">
+            <a:schemeClr val="tx1"/>
+          </a:fontRef>
+        </p:style>
+      </p:cxnSp>
+      <p:cxnSp>
+        <p:nvCxnSpPr>
+          <p:cNvPr id="20" name="直線コネクタ 19"/>
+          <p:cNvCxnSpPr/>
+          <p:nvPr/>
+        </p:nvCxnSpPr>
+        <p:spPr>
+          <a:xfrm>
+            <a:off x="717104" y="2105991"/>
+            <a:ext cx="1387388" cy="0"/>
+          </a:xfrm>
+          <a:prstGeom prst="line">
+            <a:avLst/>
+          </a:prstGeom>
+          <a:ln w="38100">
+            <a:solidFill>
+              <a:schemeClr val="accent1"/>
+            </a:solidFill>
+          </a:ln>
+        </p:spPr>
+        <p:style>
+          <a:lnRef idx="1">
+            <a:schemeClr val="accent1"/>
+          </a:lnRef>
+          <a:fillRef idx="0">
+            <a:schemeClr val="accent1"/>
+          </a:fillRef>
+          <a:effectRef idx="0">
+            <a:schemeClr val="accent1"/>
+          </a:effectRef>
+          <a:fontRef idx="minor">
+            <a:schemeClr val="tx1"/>
+          </a:fontRef>
+        </p:style>
+      </p:cxnSp>
+      <p:cxnSp>
+        <p:nvCxnSpPr>
+          <p:cNvPr id="21" name="直線コネクタ 20"/>
+          <p:cNvCxnSpPr/>
+          <p:nvPr/>
+        </p:nvCxnSpPr>
+        <p:spPr>
+          <a:xfrm>
+            <a:off x="2104492" y="1589302"/>
+            <a:ext cx="0" cy="516155"/>
+          </a:xfrm>
+          <a:prstGeom prst="line">
+            <a:avLst/>
+          </a:prstGeom>
+          <a:ln w="38100">
+            <a:solidFill>
+              <a:schemeClr val="accent1"/>
+            </a:solidFill>
+          </a:ln>
+        </p:spPr>
+        <p:style>
+          <a:lnRef idx="1">
+            <a:schemeClr val="accent1"/>
+          </a:lnRef>
+          <a:fillRef idx="0">
+            <a:schemeClr val="accent1"/>
+          </a:fillRef>
+          <a:effectRef idx="0">
+            <a:schemeClr val="accent1"/>
+          </a:effectRef>
+          <a:fontRef idx="minor">
+            <a:schemeClr val="tx1"/>
+          </a:fontRef>
+        </p:style>
+      </p:cxnSp>
+      <p:cxnSp>
+        <p:nvCxnSpPr>
+          <p:cNvPr id="22" name="直線コネクタ 21"/>
+          <p:cNvCxnSpPr/>
+          <p:nvPr/>
+        </p:nvCxnSpPr>
+        <p:spPr>
+          <a:xfrm>
+            <a:off x="7073044" y="1579030"/>
+            <a:ext cx="0" cy="516155"/>
+          </a:xfrm>
+          <a:prstGeom prst="line">
+            <a:avLst/>
+          </a:prstGeom>
+          <a:ln w="38100">
+            <a:solidFill>
+              <a:schemeClr val="accent1"/>
+            </a:solidFill>
+          </a:ln>
+        </p:spPr>
+        <p:style>
+          <a:lnRef idx="1">
+            <a:schemeClr val="accent1"/>
+          </a:lnRef>
+          <a:fillRef idx="0">
+            <a:schemeClr val="accent1"/>
+          </a:fillRef>
+          <a:effectRef idx="0">
+            <a:schemeClr val="accent1"/>
+          </a:effectRef>
+          <a:fontRef idx="minor">
+            <a:schemeClr val="tx1"/>
+          </a:fontRef>
+        </p:style>
+      </p:cxnSp>
+      <p:cxnSp>
+        <p:nvCxnSpPr>
+          <p:cNvPr id="23" name="直線コネクタ 22"/>
+          <p:cNvCxnSpPr/>
+          <p:nvPr/>
+        </p:nvCxnSpPr>
+        <p:spPr>
+          <a:xfrm>
+            <a:off x="7073044" y="2109718"/>
+            <a:ext cx="1387388" cy="0"/>
+          </a:xfrm>
+          <a:prstGeom prst="line">
+            <a:avLst/>
+          </a:prstGeom>
+          <a:ln w="38100">
+            <a:solidFill>
+              <a:schemeClr val="accent1"/>
+            </a:solidFill>
+          </a:ln>
+        </p:spPr>
+        <p:style>
+          <a:lnRef idx="1">
+            <a:schemeClr val="accent1"/>
+          </a:lnRef>
+          <a:fillRef idx="0">
+            <a:schemeClr val="accent1"/>
+          </a:fillRef>
+          <a:effectRef idx="0">
+            <a:schemeClr val="accent1"/>
+          </a:effectRef>
+          <a:fontRef idx="minor">
+            <a:schemeClr val="tx1"/>
+          </a:fontRef>
+        </p:style>
+      </p:cxnSp>
+      <p:cxnSp>
+        <p:nvCxnSpPr>
+          <p:cNvPr id="24" name="直線コネクタ 23"/>
+          <p:cNvCxnSpPr/>
+          <p:nvPr/>
+        </p:nvCxnSpPr>
+        <p:spPr>
+          <a:xfrm>
+            <a:off x="8460432" y="1593029"/>
+            <a:ext cx="0" cy="516155"/>
+          </a:xfrm>
+          <a:prstGeom prst="line">
+            <a:avLst/>
+          </a:prstGeom>
+          <a:ln w="38100">
+            <a:solidFill>
+              <a:schemeClr val="accent1"/>
+            </a:solidFill>
+          </a:ln>
+        </p:spPr>
+        <p:style>
+          <a:lnRef idx="1">
+            <a:schemeClr val="accent1"/>
+          </a:lnRef>
+          <a:fillRef idx="0">
+            <a:schemeClr val="accent1"/>
+          </a:fillRef>
+          <a:effectRef idx="0">
+            <a:schemeClr val="accent1"/>
+          </a:effectRef>
+          <a:fontRef idx="minor">
+            <a:schemeClr val="tx1"/>
+          </a:fontRef>
+        </p:style>
+      </p:cxnSp>
+      <p:sp>
+        <p:nvSpPr>
+          <p:cNvPr id="3" name="円/楕円 2"/>
+          <p:cNvSpPr/>
+          <p:nvPr/>
+        </p:nvSpPr>
+        <p:spPr>
+          <a:xfrm>
+            <a:off x="416828" y="843138"/>
+            <a:ext cx="1987937" cy="1987937"/>
+          </a:xfrm>
+          <a:prstGeom prst="ellipse">
+            <a:avLst/>
+          </a:prstGeom>
+          <a:noFill/>
+          <a:ln w="38100">
+            <a:solidFill>
+              <a:srgbClr val="FF0000"/>
+            </a:solidFill>
+          </a:ln>
+        </p:spPr>
+        <p:style>
+          <a:lnRef idx="2">
+            <a:schemeClr val="accent1">
+              <a:shade val="50000"/>
+            </a:schemeClr>
+          </a:lnRef>
+          <a:fillRef idx="1">
+            <a:schemeClr val="accent1"/>
+          </a:fillRef>
+          <a:effectRef idx="0">
+            <a:schemeClr val="accent1"/>
+          </a:effectRef>
+          <a:fontRef idx="minor">
+            <a:schemeClr val="lt1"/>
+          </a:fontRef>
+        </p:style>
+        <p:txBody>
+          <a:bodyPr rtlCol="0" anchor="ctr"/>
+          <a:lstStyle/>
+          <a:p>
+            <a:pPr algn="ctr"/>
+            <a:endParaRPr kumimoji="1" lang="ja-JP" altLang="en-US"/>
           </a:p>
         </p:txBody>
       </p:sp>
     </p:spTree>
     <p:extLst>
       <p:ext uri="{BB962C8B-B14F-4D97-AF65-F5344CB8AC3E}">
-        <p14:creationId xmlns:p14="http://schemas.microsoft.com/office/powerpoint/2010/main" val="1113980814"/>
+        <p14:creationId xmlns:p14="http://schemas.microsoft.com/office/powerpoint/2010/main" val="73569221"/>
+      </p:ext>
+    </p:extLst>
+  </p:cSld>
+  <p:clrMapOvr>
+    <a:masterClrMapping/>
+  </p:clrMapOvr>
+</p:sld>
+</file>
+
+<file path=ppt/slides/slide8.xml><?xml version="1.0" encoding="utf-8"?>
+<p:sld xmlns:a="http://schemas.openxmlformats.org/drawingml/2006/main" xmlns:r="http://schemas.openxmlformats.org/officeDocument/2006/relationships" xmlns:p="http://schemas.openxmlformats.org/presentationml/2006/main">
+  <p:cSld>
+    <p:spTree>
+      <p:nvGrpSpPr>
+        <p:cNvPr id="1" name=""/>
+        <p:cNvGrpSpPr/>
+        <p:nvPr/>
+      </p:nvGrpSpPr>
+      <p:grpSpPr>
+        <a:xfrm>
+          <a:off x="0" y="0"/>
+          <a:ext cx="0" cy="0"/>
+          <a:chOff x="0" y="0"/>
+          <a:chExt cx="0" cy="0"/>
+        </a:xfrm>
+      </p:grpSpPr>
+      <p:sp>
+        <p:nvSpPr>
+          <p:cNvPr id="2" name="タイトル 1"/>
+          <p:cNvSpPr>
+            <a:spLocks noGrp="1"/>
+          </p:cNvSpPr>
+          <p:nvPr>
+            <p:ph type="title"/>
+          </p:nvPr>
+        </p:nvSpPr>
+        <p:spPr/>
+        <p:txBody>
+          <a:bodyPr/>
+          <a:lstStyle/>
+          <a:p>
+            <a:r>
+              <a:rPr lang="ja-JP" altLang="en-US" dirty="0"/>
+              <a:t>想定</a:t>
+            </a:r>
+            <a:r>
+              <a:rPr lang="ja-JP" altLang="en-US" dirty="0" smtClean="0"/>
+              <a:t>解法</a:t>
+            </a:r>
+            <a:endParaRPr kumimoji="1" lang="ja-JP" altLang="en-US" dirty="0"/>
+          </a:p>
+        </p:txBody>
+      </p:sp>
+      <p:sp>
+        <p:nvSpPr>
+          <p:cNvPr id="25" name="テキスト ボックス 24"/>
+          <p:cNvSpPr txBox="1"/>
+          <p:nvPr/>
+        </p:nvSpPr>
+        <p:spPr>
+          <a:xfrm>
+            <a:off x="717104" y="2704564"/>
+            <a:ext cx="7743328" cy="584775"/>
+          </a:xfrm>
+          <a:prstGeom prst="rect">
+            <a:avLst/>
+          </a:prstGeom>
+          <a:noFill/>
+        </p:spPr>
+        <p:txBody>
+          <a:bodyPr wrap="square" rtlCol="0">
+            <a:spAutoFit/>
+          </a:bodyPr>
+          <a:lstStyle/>
+          <a:p>
+            <a:r>
+              <a:rPr kumimoji="1" lang="ja-JP" altLang="en-US" sz="3200" dirty="0" smtClean="0"/>
+              <a:t>右側の区間に関しては木を逆向きに辿ればよい</a:t>
+            </a:r>
+            <a:endParaRPr kumimoji="1" lang="ja-JP" altLang="en-US" sz="3200" dirty="0"/>
+          </a:p>
+        </p:txBody>
+      </p:sp>
+      <p:sp>
+        <p:nvSpPr>
+          <p:cNvPr id="26" name="テキスト ボックス 25"/>
+          <p:cNvSpPr txBox="1"/>
+          <p:nvPr/>
+        </p:nvSpPr>
+        <p:spPr>
+          <a:xfrm>
+            <a:off x="160276" y="3431902"/>
+            <a:ext cx="8856984" cy="1077218"/>
+          </a:xfrm>
+          <a:prstGeom prst="rect">
+            <a:avLst/>
+          </a:prstGeom>
+          <a:noFill/>
+        </p:spPr>
+        <p:txBody>
+          <a:bodyPr wrap="square" rtlCol="0">
+            <a:spAutoFit/>
+          </a:bodyPr>
+          <a:lstStyle/>
+          <a:p>
+            <a:r>
+              <a:rPr kumimoji="1" lang="ja-JP" altLang="en-US" sz="3200" dirty="0" smtClean="0"/>
+              <a:t>２回木の上を辿ってある頂点に訪れたときに一番近い値を求め訪れ終わった時に値を追加するだけでよい</a:t>
+            </a:r>
+            <a:endParaRPr kumimoji="1" lang="ja-JP" altLang="en-US" sz="3200" dirty="0"/>
+          </a:p>
+        </p:txBody>
+      </p:sp>
+      <p:cxnSp>
+        <p:nvCxnSpPr>
+          <p:cNvPr id="16" name="直線コネクタ 15"/>
+          <p:cNvCxnSpPr/>
+          <p:nvPr/>
+        </p:nvCxnSpPr>
+        <p:spPr>
+          <a:xfrm>
+            <a:off x="3156992" y="1579030"/>
+            <a:ext cx="0" cy="516155"/>
+          </a:xfrm>
+          <a:prstGeom prst="line">
+            <a:avLst/>
+          </a:prstGeom>
+          <a:ln w="57150">
+            <a:solidFill>
+              <a:schemeClr val="accent6">
+                <a:lumMod val="75000"/>
+              </a:schemeClr>
+            </a:solidFill>
+          </a:ln>
+        </p:spPr>
+        <p:style>
+          <a:lnRef idx="1">
+            <a:schemeClr val="accent1"/>
+          </a:lnRef>
+          <a:fillRef idx="0">
+            <a:schemeClr val="accent1"/>
+          </a:fillRef>
+          <a:effectRef idx="0">
+            <a:schemeClr val="accent1"/>
+          </a:effectRef>
+          <a:fontRef idx="minor">
+            <a:schemeClr val="tx1"/>
+          </a:fontRef>
+        </p:style>
+      </p:cxnSp>
+      <p:cxnSp>
+        <p:nvCxnSpPr>
+          <p:cNvPr id="17" name="直線コネクタ 16"/>
+          <p:cNvCxnSpPr/>
+          <p:nvPr/>
+        </p:nvCxnSpPr>
+        <p:spPr>
+          <a:xfrm>
+            <a:off x="3156992" y="2109718"/>
+            <a:ext cx="2763924" cy="0"/>
+          </a:xfrm>
+          <a:prstGeom prst="line">
+            <a:avLst/>
+          </a:prstGeom>
+          <a:ln w="57150">
+            <a:solidFill>
+              <a:schemeClr val="accent6">
+                <a:lumMod val="75000"/>
+              </a:schemeClr>
+            </a:solidFill>
+          </a:ln>
+        </p:spPr>
+        <p:style>
+          <a:lnRef idx="1">
+            <a:schemeClr val="accent1"/>
+          </a:lnRef>
+          <a:fillRef idx="0">
+            <a:schemeClr val="accent1"/>
+          </a:fillRef>
+          <a:effectRef idx="0">
+            <a:schemeClr val="accent1"/>
+          </a:effectRef>
+          <a:fontRef idx="minor">
+            <a:schemeClr val="tx1"/>
+          </a:fontRef>
+        </p:style>
+      </p:cxnSp>
+      <p:cxnSp>
+        <p:nvCxnSpPr>
+          <p:cNvPr id="18" name="直線コネクタ 17"/>
+          <p:cNvCxnSpPr/>
+          <p:nvPr/>
+        </p:nvCxnSpPr>
+        <p:spPr>
+          <a:xfrm>
+            <a:off x="5895655" y="1556792"/>
+            <a:ext cx="0" cy="516155"/>
+          </a:xfrm>
+          <a:prstGeom prst="line">
+            <a:avLst/>
+          </a:prstGeom>
+          <a:ln w="57150">
+            <a:solidFill>
+              <a:schemeClr val="accent6">
+                <a:lumMod val="75000"/>
+              </a:schemeClr>
+            </a:solidFill>
+          </a:ln>
+        </p:spPr>
+        <p:style>
+          <a:lnRef idx="1">
+            <a:schemeClr val="accent1"/>
+          </a:lnRef>
+          <a:fillRef idx="0">
+            <a:schemeClr val="accent1"/>
+          </a:fillRef>
+          <a:effectRef idx="0">
+            <a:schemeClr val="accent1"/>
+          </a:effectRef>
+          <a:fontRef idx="minor">
+            <a:schemeClr val="tx1"/>
+          </a:fontRef>
+        </p:style>
+      </p:cxnSp>
+      <p:cxnSp>
+        <p:nvCxnSpPr>
+          <p:cNvPr id="19" name="直線コネクタ 18"/>
+          <p:cNvCxnSpPr/>
+          <p:nvPr/>
+        </p:nvCxnSpPr>
+        <p:spPr>
+          <a:xfrm>
+            <a:off x="717104" y="1575303"/>
+            <a:ext cx="0" cy="516155"/>
+          </a:xfrm>
+          <a:prstGeom prst="line">
+            <a:avLst/>
+          </a:prstGeom>
+          <a:ln w="38100">
+            <a:solidFill>
+              <a:schemeClr val="accent1"/>
+            </a:solidFill>
+          </a:ln>
+        </p:spPr>
+        <p:style>
+          <a:lnRef idx="1">
+            <a:schemeClr val="accent1"/>
+          </a:lnRef>
+          <a:fillRef idx="0">
+            <a:schemeClr val="accent1"/>
+          </a:fillRef>
+          <a:effectRef idx="0">
+            <a:schemeClr val="accent1"/>
+          </a:effectRef>
+          <a:fontRef idx="minor">
+            <a:schemeClr val="tx1"/>
+          </a:fontRef>
+        </p:style>
+      </p:cxnSp>
+      <p:cxnSp>
+        <p:nvCxnSpPr>
+          <p:cNvPr id="20" name="直線コネクタ 19"/>
+          <p:cNvCxnSpPr/>
+          <p:nvPr/>
+        </p:nvCxnSpPr>
+        <p:spPr>
+          <a:xfrm>
+            <a:off x="717104" y="2105991"/>
+            <a:ext cx="1387388" cy="0"/>
+          </a:xfrm>
+          <a:prstGeom prst="line">
+            <a:avLst/>
+          </a:prstGeom>
+          <a:ln w="38100">
+            <a:solidFill>
+              <a:schemeClr val="accent1"/>
+            </a:solidFill>
+          </a:ln>
+        </p:spPr>
+        <p:style>
+          <a:lnRef idx="1">
+            <a:schemeClr val="accent1"/>
+          </a:lnRef>
+          <a:fillRef idx="0">
+            <a:schemeClr val="accent1"/>
+          </a:fillRef>
+          <a:effectRef idx="0">
+            <a:schemeClr val="accent1"/>
+          </a:effectRef>
+          <a:fontRef idx="minor">
+            <a:schemeClr val="tx1"/>
+          </a:fontRef>
+        </p:style>
+      </p:cxnSp>
+      <p:cxnSp>
+        <p:nvCxnSpPr>
+          <p:cNvPr id="21" name="直線コネクタ 20"/>
+          <p:cNvCxnSpPr/>
+          <p:nvPr/>
+        </p:nvCxnSpPr>
+        <p:spPr>
+          <a:xfrm>
+            <a:off x="2104492" y="1589302"/>
+            <a:ext cx="0" cy="516155"/>
+          </a:xfrm>
+          <a:prstGeom prst="line">
+            <a:avLst/>
+          </a:prstGeom>
+          <a:ln w="38100">
+            <a:solidFill>
+              <a:schemeClr val="accent1"/>
+            </a:solidFill>
+          </a:ln>
+        </p:spPr>
+        <p:style>
+          <a:lnRef idx="1">
+            <a:schemeClr val="accent1"/>
+          </a:lnRef>
+          <a:fillRef idx="0">
+            <a:schemeClr val="accent1"/>
+          </a:fillRef>
+          <a:effectRef idx="0">
+            <a:schemeClr val="accent1"/>
+          </a:effectRef>
+          <a:fontRef idx="minor">
+            <a:schemeClr val="tx1"/>
+          </a:fontRef>
+        </p:style>
+      </p:cxnSp>
+      <p:cxnSp>
+        <p:nvCxnSpPr>
+          <p:cNvPr id="22" name="直線コネクタ 21"/>
+          <p:cNvCxnSpPr/>
+          <p:nvPr/>
+        </p:nvCxnSpPr>
+        <p:spPr>
+          <a:xfrm>
+            <a:off x="7073044" y="1579030"/>
+            <a:ext cx="0" cy="516155"/>
+          </a:xfrm>
+          <a:prstGeom prst="line">
+            <a:avLst/>
+          </a:prstGeom>
+          <a:ln w="38100">
+            <a:solidFill>
+              <a:schemeClr val="accent1"/>
+            </a:solidFill>
+          </a:ln>
+        </p:spPr>
+        <p:style>
+          <a:lnRef idx="1">
+            <a:schemeClr val="accent1"/>
+          </a:lnRef>
+          <a:fillRef idx="0">
+            <a:schemeClr val="accent1"/>
+          </a:fillRef>
+          <a:effectRef idx="0">
+            <a:schemeClr val="accent1"/>
+          </a:effectRef>
+          <a:fontRef idx="minor">
+            <a:schemeClr val="tx1"/>
+          </a:fontRef>
+        </p:style>
+      </p:cxnSp>
+      <p:cxnSp>
+        <p:nvCxnSpPr>
+          <p:cNvPr id="23" name="直線コネクタ 22"/>
+          <p:cNvCxnSpPr/>
+          <p:nvPr/>
+        </p:nvCxnSpPr>
+        <p:spPr>
+          <a:xfrm>
+            <a:off x="7073044" y="2109718"/>
+            <a:ext cx="1387388" cy="0"/>
+          </a:xfrm>
+          <a:prstGeom prst="line">
+            <a:avLst/>
+          </a:prstGeom>
+          <a:ln w="38100">
+            <a:solidFill>
+              <a:schemeClr val="accent1"/>
+            </a:solidFill>
+          </a:ln>
+        </p:spPr>
+        <p:style>
+          <a:lnRef idx="1">
+            <a:schemeClr val="accent1"/>
+          </a:lnRef>
+          <a:fillRef idx="0">
+            <a:schemeClr val="accent1"/>
+          </a:fillRef>
+          <a:effectRef idx="0">
+            <a:schemeClr val="accent1"/>
+          </a:effectRef>
+          <a:fontRef idx="minor">
+            <a:schemeClr val="tx1"/>
+          </a:fontRef>
+        </p:style>
+      </p:cxnSp>
+      <p:cxnSp>
+        <p:nvCxnSpPr>
+          <p:cNvPr id="24" name="直線コネクタ 23"/>
+          <p:cNvCxnSpPr/>
+          <p:nvPr/>
+        </p:nvCxnSpPr>
+        <p:spPr>
+          <a:xfrm>
+            <a:off x="8460432" y="1593029"/>
+            <a:ext cx="0" cy="516155"/>
+          </a:xfrm>
+          <a:prstGeom prst="line">
+            <a:avLst/>
+          </a:prstGeom>
+          <a:ln w="38100">
+            <a:solidFill>
+              <a:schemeClr val="accent1"/>
+            </a:solidFill>
+          </a:ln>
+        </p:spPr>
+        <p:style>
+          <a:lnRef idx="1">
+            <a:schemeClr val="accent1"/>
+          </a:lnRef>
+          <a:fillRef idx="0">
+            <a:schemeClr val="accent1"/>
+          </a:fillRef>
+          <a:effectRef idx="0">
+            <a:schemeClr val="accent1"/>
+          </a:effectRef>
+          <a:fontRef idx="minor">
+            <a:schemeClr val="tx1"/>
+          </a:fontRef>
+        </p:style>
+      </p:cxnSp>
+      <mc:AlternateContent xmlns:mc="http://schemas.openxmlformats.org/markup-compatibility/2006">
+        <mc:Choice xmlns:a14="http://schemas.microsoft.com/office/drawing/2010/main" Requires="a14">
+          <p:sp>
+            <p:nvSpPr>
+              <p:cNvPr id="28" name="テキスト ボックス 27"/>
+              <p:cNvSpPr txBox="1"/>
+              <p:nvPr/>
+            </p:nvSpPr>
+            <p:spPr>
+              <a:xfrm>
+                <a:off x="2291694" y="5517232"/>
+                <a:ext cx="4594147" cy="584775"/>
+              </a:xfrm>
+              <a:prstGeom prst="rect">
+                <a:avLst/>
+              </a:prstGeom>
+              <a:noFill/>
+            </p:spPr>
+            <p:txBody>
+              <a:bodyPr wrap="square" rtlCol="0">
+                <a:spAutoFit/>
+              </a:bodyPr>
+              <a:lstStyle/>
+              <a:p>
+                <a:r>
+                  <a:rPr lang="ja-JP" altLang="en-US" sz="3200" dirty="0" smtClean="0"/>
+                  <a:t>計算量</a:t>
+                </a:r>
+                <a:r>
+                  <a:rPr lang="ja-JP" altLang="en-US" sz="3200" dirty="0" smtClean="0"/>
+                  <a:t>は全体で</a:t>
+                </a:r>
+                <a14:m>
+                  <m:oMath xmlns:m="http://schemas.openxmlformats.org/officeDocument/2006/math">
+                    <m:r>
+                      <a:rPr lang="en-US" altLang="ja-JP" sz="3200" b="0" i="1" smtClean="0">
+                        <a:latin typeface="Cambria Math"/>
+                      </a:rPr>
+                      <m:t>𝑂</m:t>
+                    </m:r>
+                    <m:r>
+                      <a:rPr lang="en-US" altLang="ja-JP" sz="3200" b="0" i="1" smtClean="0">
+                        <a:latin typeface="Cambria Math"/>
+                      </a:rPr>
+                      <m:t>(</m:t>
+                    </m:r>
+                    <m:r>
+                      <a:rPr lang="en-US" altLang="ja-JP" sz="3200" b="0" i="1" smtClean="0">
+                        <a:latin typeface="Cambria Math"/>
+                      </a:rPr>
+                      <m:t>𝑛𝑙𝑜𝑔𝑛</m:t>
+                    </m:r>
+                    <m:r>
+                      <a:rPr lang="en-US" altLang="ja-JP" sz="3200" b="0" i="1" smtClean="0">
+                        <a:latin typeface="Cambria Math"/>
+                      </a:rPr>
+                      <m:t>)</m:t>
+                    </m:r>
+                  </m:oMath>
+                </a14:m>
+                <a:endParaRPr kumimoji="1" lang="ja-JP" altLang="en-US" sz="3200" dirty="0"/>
+              </a:p>
+            </p:txBody>
+          </p:sp>
+        </mc:Choice>
+        <mc:Fallback>
+          <p:sp>
+            <p:nvSpPr>
+              <p:cNvPr id="28" name="テキスト ボックス 27"/>
+              <p:cNvSpPr txBox="1">
+                <a:spLocks noRot="1" noChangeAspect="1" noMove="1" noResize="1" noEditPoints="1" noAdjustHandles="1" noChangeArrowheads="1" noChangeShapeType="1" noTextEdit="1"/>
+              </p:cNvSpPr>
+              <p:nvPr/>
+            </p:nvSpPr>
+            <p:spPr>
+              <a:xfrm>
+                <a:off x="2291694" y="5517232"/>
+                <a:ext cx="4594147" cy="584775"/>
+              </a:xfrm>
+              <a:prstGeom prst="rect">
+                <a:avLst/>
+              </a:prstGeom>
+              <a:blipFill rotWithShape="1">
+                <a:blip r:embed="rId2"/>
+                <a:stretch>
+                  <a:fillRect l="-3448" t="-15625" b="-31250"/>
+                </a:stretch>
+              </a:blipFill>
+            </p:spPr>
+            <p:txBody>
+              <a:bodyPr/>
+              <a:lstStyle/>
+              <a:p>
+                <a:r>
+                  <a:rPr lang="ja-JP" altLang="en-US">
+                    <a:noFill/>
+                  </a:rPr>
+                  <a:t> </a:t>
+                </a:r>
+              </a:p>
+            </p:txBody>
+          </p:sp>
+        </mc:Fallback>
+      </mc:AlternateContent>
+      <p:sp>
+        <p:nvSpPr>
+          <p:cNvPr id="29" name="下矢印 28"/>
+          <p:cNvSpPr/>
+          <p:nvPr/>
+        </p:nvSpPr>
+        <p:spPr>
+          <a:xfrm>
+            <a:off x="4012704" y="4717961"/>
+            <a:ext cx="1152128" cy="720080"/>
+          </a:xfrm>
+          <a:prstGeom prst="downArrow">
+            <a:avLst/>
+          </a:prstGeom>
+          <a:solidFill>
+            <a:schemeClr val="accent6">
+              <a:lumMod val="75000"/>
+            </a:schemeClr>
+          </a:solidFill>
+          <a:ln>
+            <a:noFill/>
+          </a:ln>
+        </p:spPr>
+        <p:style>
+          <a:lnRef idx="2">
+            <a:schemeClr val="accent1">
+              <a:shade val="50000"/>
+            </a:schemeClr>
+          </a:lnRef>
+          <a:fillRef idx="1">
+            <a:schemeClr val="accent1"/>
+          </a:fillRef>
+          <a:effectRef idx="0">
+            <a:schemeClr val="accent1"/>
+          </a:effectRef>
+          <a:fontRef idx="minor">
+            <a:schemeClr val="lt1"/>
+          </a:fontRef>
+        </p:style>
+        <p:txBody>
+          <a:bodyPr rtlCol="0" anchor="ctr"/>
+          <a:lstStyle/>
+          <a:p>
+            <a:pPr algn="ctr"/>
+            <a:endParaRPr kumimoji="1" lang="ja-JP" altLang="en-US"/>
+          </a:p>
+        </p:txBody>
+      </p:sp>
+    </p:spTree>
+    <p:extLst>
+      <p:ext uri="{BB962C8B-B14F-4D97-AF65-F5344CB8AC3E}">
+        <p14:creationId xmlns:p14="http://schemas.microsoft.com/office/powerpoint/2010/main" val="3839056739"/>
+      </p:ext>
+    </p:extLst>
+  </p:cSld>
+  <p:clrMapOvr>
+    <a:masterClrMapping/>
+  </p:clrMapOvr>
+</p:sld>
+</file>
+
+<file path=ppt/slides/slide9.xml><?xml version="1.0" encoding="utf-8"?>
+<p:sld xmlns:a="http://schemas.openxmlformats.org/drawingml/2006/main" xmlns:r="http://schemas.openxmlformats.org/officeDocument/2006/relationships" xmlns:p="http://schemas.openxmlformats.org/presentationml/2006/main">
+  <p:cSld>
+    <p:spTree>
+      <p:nvGrpSpPr>
+        <p:cNvPr id="1" name=""/>
+        <p:cNvGrpSpPr/>
+        <p:nvPr/>
+      </p:nvGrpSpPr>
+      <p:grpSpPr>
+        <a:xfrm>
+          <a:off x="0" y="0"/>
+          <a:ext cx="0" cy="0"/>
+          <a:chOff x="0" y="0"/>
+          <a:chExt cx="0" cy="0"/>
+        </a:xfrm>
+      </p:grpSpPr>
+      <p:sp>
+        <p:nvSpPr>
+          <p:cNvPr id="2" name="タイトル 1"/>
+          <p:cNvSpPr>
+            <a:spLocks noGrp="1"/>
+          </p:cNvSpPr>
+          <p:nvPr>
+            <p:ph type="title"/>
+          </p:nvPr>
+        </p:nvSpPr>
+        <p:spPr/>
+        <p:txBody>
+          <a:bodyPr/>
+          <a:lstStyle/>
+          <a:p>
+            <a:r>
+              <a:rPr kumimoji="1" lang="ja-JP" altLang="en-US" dirty="0" smtClean="0"/>
+              <a:t>その他の解法</a:t>
+            </a:r>
+            <a:endParaRPr kumimoji="1" lang="ja-JP" altLang="en-US" dirty="0"/>
+          </a:p>
+        </p:txBody>
+      </p:sp>
+      <mc:AlternateContent xmlns:mc="http://schemas.openxmlformats.org/markup-compatibility/2006">
+        <mc:Choice xmlns:a14="http://schemas.microsoft.com/office/drawing/2010/main" Requires="a14">
+          <p:sp>
+            <p:nvSpPr>
+              <p:cNvPr id="4" name="テキスト ボックス 3"/>
+              <p:cNvSpPr txBox="1"/>
+              <p:nvPr/>
+            </p:nvSpPr>
+            <p:spPr>
+              <a:xfrm>
+                <a:off x="1311387" y="1628800"/>
+                <a:ext cx="6807224" cy="2062103"/>
+              </a:xfrm>
+              <a:prstGeom prst="rect">
+                <a:avLst/>
+              </a:prstGeom>
+              <a:noFill/>
+            </p:spPr>
+            <p:txBody>
+              <a:bodyPr wrap="square" rtlCol="0">
+                <a:spAutoFit/>
+              </a:bodyPr>
+              <a:lstStyle/>
+              <a:p>
+                <a:r>
+                  <a:rPr kumimoji="1" lang="ja-JP" altLang="en-US" sz="3200" dirty="0" smtClean="0"/>
+                  <a:t>一番子孫の多い頂点を基準に部分木をマージしていく方法やデータ構造を用いて区間内で一番近い値を求める方法で </a:t>
+                </a:r>
+                <a14:m>
+                  <m:oMath xmlns:m="http://schemas.openxmlformats.org/officeDocument/2006/math">
+                    <m:r>
+                      <a:rPr kumimoji="1" lang="en-US" altLang="ja-JP" sz="3200" b="0" i="1" smtClean="0">
+                        <a:latin typeface="Cambria Math"/>
+                      </a:rPr>
+                      <m:t>𝑂</m:t>
+                    </m:r>
+                    <m:d>
+                      <m:dPr>
+                        <m:ctrlPr>
+                          <a:rPr kumimoji="1" lang="en-US" altLang="ja-JP" sz="3200" b="0" i="1" smtClean="0">
+                            <a:latin typeface="Cambria Math"/>
+                          </a:rPr>
+                        </m:ctrlPr>
+                      </m:dPr>
+                      <m:e>
+                        <m:r>
+                          <a:rPr kumimoji="1" lang="en-US" altLang="ja-JP" sz="3200" b="0" i="1" smtClean="0">
+                            <a:latin typeface="Cambria Math"/>
+                          </a:rPr>
+                          <m:t>𝑛</m:t>
+                        </m:r>
+                        <m:sSup>
+                          <m:sSupPr>
+                            <m:ctrlPr>
+                              <a:rPr kumimoji="1" lang="en-US" altLang="ja-JP" sz="3200" b="0" i="1" smtClean="0">
+                                <a:latin typeface="Cambria Math"/>
+                              </a:rPr>
+                            </m:ctrlPr>
+                          </m:sSupPr>
+                          <m:e>
+                            <m:d>
+                              <m:dPr>
+                                <m:ctrlPr>
+                                  <a:rPr kumimoji="1" lang="en-US" altLang="ja-JP" sz="3200" b="0" i="1" smtClean="0">
+                                    <a:latin typeface="Cambria Math"/>
+                                  </a:rPr>
+                                </m:ctrlPr>
+                              </m:dPr>
+                              <m:e>
+                                <m:r>
+                                  <a:rPr kumimoji="1" lang="en-US" altLang="ja-JP" sz="3200" b="0" i="1" smtClean="0">
+                                    <a:latin typeface="Cambria Math"/>
+                                  </a:rPr>
+                                  <m:t>𝑙𝑜𝑔𝑛</m:t>
+                                </m:r>
+                              </m:e>
+                            </m:d>
+                          </m:e>
+                          <m:sup>
+                            <m:r>
+                              <a:rPr kumimoji="1" lang="en-US" altLang="ja-JP" sz="3200" b="0" i="1" smtClean="0">
+                                <a:latin typeface="Cambria Math"/>
+                              </a:rPr>
+                              <m:t>2</m:t>
+                            </m:r>
+                          </m:sup>
+                        </m:sSup>
+                      </m:e>
+                    </m:d>
+                    <m:r>
+                      <a:rPr kumimoji="1" lang="en-US" altLang="ja-JP" sz="3200" b="0" i="1" smtClean="0">
+                        <a:latin typeface="Cambria Math"/>
+                      </a:rPr>
+                      <m:t>?</m:t>
+                    </m:r>
+                  </m:oMath>
+                </a14:m>
+                <a:r>
+                  <a:rPr kumimoji="1" lang="en-US" altLang="ja-JP" sz="3200" dirty="0" smtClean="0"/>
+                  <a:t> </a:t>
+                </a:r>
+                <a:r>
+                  <a:rPr kumimoji="1" lang="ja-JP" altLang="en-US" sz="3200" dirty="0" smtClean="0"/>
+                  <a:t>で解けるらしい</a:t>
+                </a:r>
+                <a:endParaRPr kumimoji="1" lang="ja-JP" altLang="en-US" sz="3200" dirty="0"/>
+              </a:p>
+            </p:txBody>
+          </p:sp>
+        </mc:Choice>
+        <mc:Fallback>
+          <p:sp>
+            <p:nvSpPr>
+              <p:cNvPr id="4" name="テキスト ボックス 3"/>
+              <p:cNvSpPr txBox="1">
+                <a:spLocks noRot="1" noChangeAspect="1" noMove="1" noResize="1" noEditPoints="1" noAdjustHandles="1" noChangeArrowheads="1" noChangeShapeType="1" noTextEdit="1"/>
+              </p:cNvSpPr>
+              <p:nvPr/>
+            </p:nvSpPr>
+            <p:spPr>
+              <a:xfrm>
+                <a:off x="1311387" y="1628800"/>
+                <a:ext cx="6807224" cy="2062103"/>
+              </a:xfrm>
+              <a:prstGeom prst="rect">
+                <a:avLst/>
+              </a:prstGeom>
+              <a:blipFill rotWithShape="1">
+                <a:blip r:embed="rId2"/>
+                <a:stretch>
+                  <a:fillRect l="-2238" t="-3846" r="-358" b="-8284"/>
+                </a:stretch>
+              </a:blipFill>
+            </p:spPr>
+            <p:txBody>
+              <a:bodyPr/>
+              <a:lstStyle/>
+              <a:p>
+                <a:r>
+                  <a:rPr lang="ja-JP" altLang="en-US">
+                    <a:noFill/>
+                  </a:rPr>
+                  <a:t> </a:t>
+                </a:r>
+              </a:p>
+            </p:txBody>
+          </p:sp>
+        </mc:Fallback>
+      </mc:AlternateContent>
+      <p:sp>
+        <p:nvSpPr>
+          <p:cNvPr id="5" name="テキスト ボックス 4"/>
+          <p:cNvSpPr txBox="1"/>
+          <p:nvPr/>
+        </p:nvSpPr>
+        <p:spPr>
+          <a:xfrm>
+            <a:off x="1556787" y="4437112"/>
+            <a:ext cx="6227255" cy="584775"/>
+          </a:xfrm>
+          <a:prstGeom prst="rect">
+            <a:avLst/>
+          </a:prstGeom>
+          <a:noFill/>
+        </p:spPr>
+        <p:txBody>
+          <a:bodyPr wrap="square" rtlCol="0">
+            <a:spAutoFit/>
+          </a:bodyPr>
+          <a:lstStyle/>
+          <a:p>
+            <a:r>
+              <a:rPr lang="ja-JP" altLang="en-US" sz="3200" dirty="0" smtClean="0"/>
+              <a:t>実装は想定解が一番シンプルで簡単</a:t>
+            </a:r>
+            <a:endParaRPr kumimoji="1" lang="ja-JP" altLang="en-US" sz="3200" dirty="0"/>
+          </a:p>
+        </p:txBody>
+      </p:sp>
+    </p:spTree>
+    <p:extLst>
+      <p:ext uri="{BB962C8B-B14F-4D97-AF65-F5344CB8AC3E}">
+        <p14:creationId xmlns:p14="http://schemas.microsoft.com/office/powerpoint/2010/main" val="2478045388"/>
       </p:ext>
     </p:extLst>
   </p:cSld>
